--- a/lectures/lecture-23/Lecture-Live A00/Lecture 23 - Lecture.pptx
+++ b/lectures/lecture-23/Lecture-Live A00/Lecture 23 - Lecture.pptx
@@ -143,6 +143,1037 @@
     </p:ext>
   </p:extLst>
 </p:presentation>
+</file>
+
+<file path=ppt/ink/ink1.xml><?xml version="1.0" encoding="utf-8"?>
+<inkml:ink xmlns:inkml="http://www.w3.org/2003/InkML">
+  <inkml:definitions>
+    <inkml:context xml:id="ctx0">
+      <inkml:inkSource xml:id="inkSrc0">
+        <inkml:traceFormat>
+          <inkml:channel name="X" type="integer" min="-2.14748E9" max="2.14748E9" units="cm"/>
+          <inkml:channel name="Y" type="integer" min="-2.14748E9" max="2.14748E9" units="cm"/>
+          <inkml:channel name="F" type="integer" max="32767" units="dev"/>
+          <inkml:channel name="OA" type="integer" max="360" units="deg"/>
+          <inkml:channel name="OE" type="integer" max="90" units="deg"/>
+        </inkml:traceFormat>
+        <inkml:channelProperties>
+          <inkml:channelProperty channel="X" name="resolution" value="1000" units="1/cm"/>
+          <inkml:channelProperty channel="Y" name="resolution" value="1000" units="1/cm"/>
+          <inkml:channelProperty channel="F" name="resolution" value="0" units="1/dev"/>
+          <inkml:channelProperty channel="OA" name="resolution" value="1000" units="1/deg"/>
+          <inkml:channelProperty channel="OE" name="resolution" value="1000" units="1/deg"/>
+        </inkml:channelProperties>
+      </inkml:inkSource>
+      <inkml:timestamp xml:id="ts0" timeString="2021-05-19T15:00:39.567"/>
+    </inkml:context>
+    <inkml:brush xml:id="br0">
+      <inkml:brushProperty name="width" value="0.05" units="cm"/>
+      <inkml:brushProperty name="height" value="0.05" units="cm"/>
+      <inkml:brushProperty name="color" value="#FF0066"/>
+    </inkml:brush>
+  </inkml:definitions>
+  <inkml:trace contextRef="#ctx0" brushRef="#br0">133 1 2760 0 0,'-13'3'1561'0'0,"-21"-1"4785"0"0,2 0-4829 0 0,5 7 903 0 0,26-9-2363 0 0,1 0 1 0 0,-1 0 0 0 0,1 0 0 0 0,-1 0 0 0 0,0 1 0 0 0,1-1 0 0 0,-1 0 0 0 0,1 0-1 0 0,-1 1 1 0 0,1-1 0 0 0,0 0 0 0 0,-1 1 0 0 0,1-1 0 0 0,-1 0 0 0 0,1 1 0 0 0,0-1 0 0 0,-1 1-1 0 0,1-1 1 0 0,0 1 0 0 0,-1 0 0 0 0,1-1-22 0 0,0 0 1 0 0,-1 1-1 0 0,1-1 1 0 0,0 1-1 0 0,0-1 1 0 0,-1 0-1 0 0,1 0 1 0 0,0 1-1 0 0,-1-1 0 0 0,1 0 1 0 0,0 1-1 0 0,-1-1 1 0 0,1 0-1 0 0,-1 0 1 0 0,1 0-1 0 0,0 1 1 0 0,-1-1-1 0 0,0 0 0 0 0,1 0 51 0 0,-1 0-1 0 0,1 0 0 0 0,-1 0 0 0 0,1 0 0 0 0,0 0 0 0 0,-1 0 0 0 0,1 1 0 0 0,-1-1 0 0 0,1 0 0 0 0,0 0 0 0 0,-1 0 0 0 0,1 0 0 0 0,0 0 0 0 0,-1 1 0 0 0,1-1 0 0 0,0 0 0 0 0,-1 0 0 0 0,1 1 0 0 0,0-1 0 0 0,-1 0 0 0 0,1 1 0 0 0,0-1 1 0 0,0 0-1 0 0,0 1 0 0 0,-1-1 0 0 0,1 0 0 0 0,0 1 0 0 0,0-1 0 0 0,0 0 0 0 0,0 1 0 0 0,-1-1 0 0 0,1 1 0 0 0,0-1 0 0 0,0 0 0 0 0,0 1 0 0 0,0-1 0 0 0,0 1 0 0 0,0-1 0 0 0,0 0 0 0 0,0 1 0 0 0,0-1 0 0 0,0 1 0 0 0,1-1 0 0 0,-1 0 0 0 0,0 1 1 0 0,0-1-1 0 0,0 1 0 0 0,0-1 0 0 0,1 0 0 0 0,-1 1 0 0 0,0-1 0 0 0,0 0 0 0 0,1 1 0 0 0,-1-1 0 0 0,0 0 0 0 0,0 0 0 0 0,1 1 0 0 0,5 2 96 0 0,-1 0 0 0 0,1-1 0 0 0,0 0-1 0 0,0 0 1 0 0,0 0 0 0 0,0 0 0 0 0,0-1 0 0 0,0 0 0 0 0,8 0 0 0 0,59-2 866 0 0,-58 0-831 0 0,106 3 509 0 0,8-1-279 0 0,437-13 1705 0 0,-524 11-1952 0 0,34 2 125 0 0,-15-2-142 0 0,-17-1-51 0 0,119-5 404 0 0,-138 5-430 0 0,66-4 106 0 0,-72 6-179 0 0,23 3 0 0 0,76 6 511 0 0,-101-7-374 0 0,0-2 1 0 0,29-2-1 0 0,10 0 119 0 0,-55 2-276 0 0,1 0-1 0 0,0-1 1 0 0,0 1-1 0 0,0 0 1 0 0,0-1 0 0 0,0 1-1 0 0,0-1 1 0 0,-1 0 0 0 0,1 0-1 0 0,3-1 505 0 0,-5-10-2396 0 0,1 10 1066 0 0,-1 0 1 0 0,0 0-1 0 0,0-1 0 0 0,0 1 1 0 0,0 0-1 0 0,0 0 0 0 0,-1 0 0 0 0,1 0 1 0 0,-1 0-1 0 0,-1-3 0 0 0</inkml:trace>
+</inkml:ink>
+</file>
+
+<file path=ppt/ink/ink10.xml><?xml version="1.0" encoding="utf-8"?>
+<inkml:ink xmlns:inkml="http://www.w3.org/2003/InkML">
+  <inkml:definitions>
+    <inkml:context xml:id="ctx0">
+      <inkml:inkSource xml:id="inkSrc0">
+        <inkml:traceFormat>
+          <inkml:channel name="X" type="integer" min="-2.14748E9" max="2.14748E9" units="cm"/>
+          <inkml:channel name="Y" type="integer" min="-2.14748E9" max="2.14748E9" units="cm"/>
+          <inkml:channel name="F" type="integer" max="32767" units="dev"/>
+          <inkml:channel name="OA" type="integer" max="360" units="deg"/>
+          <inkml:channel name="OE" type="integer" max="90" units="deg"/>
+        </inkml:traceFormat>
+        <inkml:channelProperties>
+          <inkml:channelProperty channel="X" name="resolution" value="1000" units="1/cm"/>
+          <inkml:channelProperty channel="Y" name="resolution" value="1000" units="1/cm"/>
+          <inkml:channelProperty channel="F" name="resolution" value="0" units="1/dev"/>
+          <inkml:channelProperty channel="OA" name="resolution" value="1000" units="1/deg"/>
+          <inkml:channelProperty channel="OE" name="resolution" value="1000" units="1/deg"/>
+        </inkml:channelProperties>
+      </inkml:inkSource>
+      <inkml:timestamp xml:id="ts0" timeString="2021-05-19T15:00:56.377"/>
+    </inkml:context>
+    <inkml:brush xml:id="br0">
+      <inkml:brushProperty name="width" value="0.05" units="cm"/>
+      <inkml:brushProperty name="height" value="0.05" units="cm"/>
+      <inkml:brushProperty name="color" value="#FF0066"/>
+    </inkml:brush>
+  </inkml:definitions>
+  <inkml:trace contextRef="#ctx0" brushRef="#br0">11 104 16727 0 0,'0'0'763'0'0,"4"-13"290"0"0,-2 11-992 0 0,0 0 0 0 0,1 0 0 0 0,-1 0 1 0 0,1 0-1 0 0,0 1 0 0 0,0-1 0 0 0,-1 1 0 0 0,6-2 0 0 0,9-5 261 0 0,3-3 39 0 0,0 1-1 0 0,1 1 0 0 0,1 1 0 0 0,31-8 0 0 0,7 5-6250 0 0,-48 11-684 0 0</inkml:trace>
+  <inkml:trace contextRef="#ctx0" brushRef="#br0" timeOffset="1">1 274 17503 0 0,'0'0'1712'0'0,"5"-3"-1520"0"0,6 1-192 0 0,1-1 0 0 0,4-1 0 0 0,1-1 288 0 0,3-3 32 0 0,0 3 0 0 0,-1 0 0 0 0,1 0-192 0 0,0 0-40 0 0,2 2-8 0 0,1 1 0 0 0,0-1-560 0 0,-4 1-120 0 0,1-1-16 0 0,0 1-7183 0 0</inkml:trace>
+</inkml:ink>
+</file>
+
+<file path=ppt/ink/ink11.xml><?xml version="1.0" encoding="utf-8"?>
+<inkml:ink xmlns:inkml="http://www.w3.org/2003/InkML">
+  <inkml:definitions>
+    <inkml:context xml:id="ctx0">
+      <inkml:inkSource xml:id="inkSrc0">
+        <inkml:traceFormat>
+          <inkml:channel name="X" type="integer" min="-2.14748E9" max="2.14748E9" units="cm"/>
+          <inkml:channel name="Y" type="integer" min="-2.14748E9" max="2.14748E9" units="cm"/>
+          <inkml:channel name="F" type="integer" max="32767" units="dev"/>
+          <inkml:channel name="OA" type="integer" max="360" units="deg"/>
+          <inkml:channel name="OE" type="integer" max="90" units="deg"/>
+        </inkml:traceFormat>
+        <inkml:channelProperties>
+          <inkml:channelProperty channel="X" name="resolution" value="1000" units="1/cm"/>
+          <inkml:channelProperty channel="Y" name="resolution" value="1000" units="1/cm"/>
+          <inkml:channelProperty channel="F" name="resolution" value="0" units="1/dev"/>
+          <inkml:channelProperty channel="OA" name="resolution" value="1000" units="1/deg"/>
+          <inkml:channelProperty channel="OE" name="resolution" value="1000" units="1/deg"/>
+        </inkml:channelProperties>
+      </inkml:inkSource>
+      <inkml:timestamp xml:id="ts0" timeString="2021-05-19T15:00:56.785"/>
+    </inkml:context>
+    <inkml:brush xml:id="br0">
+      <inkml:brushProperty name="width" value="0.05" units="cm"/>
+      <inkml:brushProperty name="height" value="0.05" units="cm"/>
+      <inkml:brushProperty name="color" value="#FF0066"/>
+    </inkml:brush>
+  </inkml:definitions>
+  <inkml:trace contextRef="#ctx0" brushRef="#br0">43 0 9672 0 0,'0'0'874'0'0,"-1"1"-718"0"0,-2 5 86 0 0,0 1-1 0 0,0 0 0 0 0,0 0 0 0 0,1 0 0 0 0,0 0 0 0 0,1 1 1 0 0,-1-1-1 0 0,1 0 0 0 0,0 11 0 0 0,1-8 137 0 0,-1 1 0 0 0,-5 16 0 0 0,-7 33 142 0 0,13-49 4174 0 0,0-11-4623 0 0,0 0 1 0 0,1 0 0 0 0,-1 0-1 0 0,0 0 1 0 0,0 0-1 0 0,1 0 1 0 0,-1 0-1 0 0,0 0 1 0 0,0 0-1 0 0,1 0 1 0 0,-1 0-1 0 0,0 0 1 0 0,0 0-1 0 0,1 0 1 0 0,-1 0-1 0 0,0 0 1 0 0,0-1-1 0 0,0 1 1 0 0,1 0-1 0 0,-1 0 1 0 0,0 0-1 0 0,0 0 1 0 0,0 0-1 0 0,1-1 1 0 0,-1 1-1 0 0,0 0 1 0 0,0-1-1 0 0,20-22 360 0 0,-12 13 385 0 0,3-4-381 0 0,14-21-1 0 0,0-1-1361 0 0,-22 33 619 0 0,0 1 0 0 0,0-1 0 0 0,0 0 0 0 0,0 1 0 0 0,0-1 1 0 0,1 1-1 0 0,4-3 0 0 0,8-4-2156 0 0,-5 1 394 0 0</inkml:trace>
+</inkml:ink>
+</file>
+
+<file path=ppt/ink/ink12.xml><?xml version="1.0" encoding="utf-8"?>
+<inkml:ink xmlns:inkml="http://www.w3.org/2003/InkML">
+  <inkml:definitions>
+    <inkml:context xml:id="ctx0">
+      <inkml:inkSource xml:id="inkSrc0">
+        <inkml:traceFormat>
+          <inkml:channel name="X" type="integer" min="-2.14748E9" max="2.14748E9" units="cm"/>
+          <inkml:channel name="Y" type="integer" min="-2.14748E9" max="2.14748E9" units="cm"/>
+          <inkml:channel name="F" type="integer" max="32767" units="dev"/>
+          <inkml:channel name="OA" type="integer" max="360" units="deg"/>
+          <inkml:channel name="OE" type="integer" max="90" units="deg"/>
+        </inkml:traceFormat>
+        <inkml:channelProperties>
+          <inkml:channelProperty channel="X" name="resolution" value="1000" units="1/cm"/>
+          <inkml:channelProperty channel="Y" name="resolution" value="1000" units="1/cm"/>
+          <inkml:channelProperty channel="F" name="resolution" value="0" units="1/dev"/>
+          <inkml:channelProperty channel="OA" name="resolution" value="1000" units="1/deg"/>
+          <inkml:channelProperty channel="OE" name="resolution" value="1000" units="1/deg"/>
+        </inkml:channelProperties>
+      </inkml:inkSource>
+      <inkml:timestamp xml:id="ts0" timeString="2021-05-19T15:00:57.163"/>
+    </inkml:context>
+    <inkml:brush xml:id="br0">
+      <inkml:brushProperty name="width" value="0.05" units="cm"/>
+      <inkml:brushProperty name="height" value="0.05" units="cm"/>
+      <inkml:brushProperty name="color" value="#FF0066"/>
+    </inkml:brush>
+  </inkml:definitions>
+  <inkml:trace contextRef="#ctx0" brushRef="#br0">32 284 3680 0 0,'-3'7'328'0'0,"1"0"-264"0"0,-1 6-64 0 0,-4-1 0 0 0,5 1 1808 0 0,-1-1 344 0 0,0 1 72 0 0,1-6 16 0 0,-1 1-2368 0 0,0-2-464 0 0</inkml:trace>
+  <inkml:trace contextRef="#ctx0" brushRef="#br0" timeOffset="1">88 6 8752 0 0,'-5'-5'1864'0'0,"5"10"-784"0"0,2 2 32 0 0</inkml:trace>
+</inkml:ink>
+</file>
+
+<file path=ppt/ink/ink13.xml><?xml version="1.0" encoding="utf-8"?>
+<inkml:ink xmlns:inkml="http://www.w3.org/2003/InkML">
+  <inkml:definitions>
+    <inkml:context xml:id="ctx0">
+      <inkml:inkSource xml:id="inkSrc0">
+        <inkml:traceFormat>
+          <inkml:channel name="X" type="integer" min="-2.14748E9" max="2.14748E9" units="cm"/>
+          <inkml:channel name="Y" type="integer" min="-2.14748E9" max="2.14748E9" units="cm"/>
+          <inkml:channel name="F" type="integer" max="32767" units="dev"/>
+          <inkml:channel name="OA" type="integer" max="360" units="deg"/>
+          <inkml:channel name="OE" type="integer" max="90" units="deg"/>
+        </inkml:traceFormat>
+        <inkml:channelProperties>
+          <inkml:channelProperty channel="X" name="resolution" value="1000" units="1/cm"/>
+          <inkml:channelProperty channel="Y" name="resolution" value="1000" units="1/cm"/>
+          <inkml:channelProperty channel="F" name="resolution" value="0" units="1/dev"/>
+          <inkml:channelProperty channel="OA" name="resolution" value="1000" units="1/deg"/>
+          <inkml:channelProperty channel="OE" name="resolution" value="1000" units="1/deg"/>
+        </inkml:channelProperties>
+      </inkml:inkSource>
+      <inkml:timestamp xml:id="ts0" timeString="2021-05-19T15:00:57.559"/>
+    </inkml:context>
+    <inkml:brush xml:id="br0">
+      <inkml:brushProperty name="width" value="0.05" units="cm"/>
+      <inkml:brushProperty name="height" value="0.05" units="cm"/>
+      <inkml:brushProperty name="color" value="#FF0066"/>
+    </inkml:brush>
+  </inkml:definitions>
+  <inkml:trace contextRef="#ctx0" brushRef="#br0">61 260 3224 0 0,'-6'5'-326'0'0,"1"0"0"0"0,0 0 0 0 0,-6 8 0 0 0,7-6 1337 0 0,-1 0 0 0 0,1 0-1 0 0,0 0 1 0 0,1 1 0 0 0,-5 12-1 0 0,7-15-182 0 0,-1 0 1 0 0,1 0-1 0 0,1 1 0 0 0,-1-1 0 0 0,0 0 1 0 0,1 1-1 0 0,0-1 0 0 0,1 0 0 0 0,0 7 1 0 0,0-8-536 0 0,0 0 1 0 0,0-1-1 0 0,0 1 0 0 0,1-1 1 0 0,-1 1-1 0 0,1-1 1 0 0,0 0-1 0 0,3 5 0 0 0,-3-6-265 0 0,-1-1-1 0 0,0 0 1 0 0,0 0-1 0 0,1 0 1 0 0,-1 0-1 0 0,1 0 0 0 0,-1 0 1 0 0,1 0-1 0 0,-1-1 1 0 0,1 1-1 0 0,-1 0 1 0 0,1-1-1 0 0,0 0 0 0 0,-1 1 1 0 0,1-1-1 0 0,0 0 1 0 0,-1 0-1 0 0,1 1 0 0 0,0-1 1 0 0,-1-1-1 0 0,1 1 1 0 0,0 0-1 0 0,0 0 1 0 0,-1-1-1 0 0,4 0 0 0 0,1-1 103 0 0,0 0 0 0 0,0 0 0 0 0,-1-1 0 0 0,1 0 0 0 0,8-5-1 0 0,-5 1-50 0 0,0 0-1 0 0,-1 0 1 0 0,0-1-1 0 0,0 0 0 0 0,-1 0 1 0 0,0-1-1 0 0,0 0 1 0 0,-1 0-1 0 0,0 0 0 0 0,-1-1 1 0 0,0 0-1 0 0,-1 0 1 0 0,6-17-1 0 0,-4 3 47 0 0,0 0 0 0 0,-2 0 0 0 0,-1 0 0 0 0,-1 0 0 0 0,-1-26 0 0 0,0 31 608 0 0,7-37 0 0 0,-2 25 261 0 0,-3 18-205 0 0,-2 11-174 0 0,0 3 203 0 0,1 13-781 0 0,0 0 1 0 0,-1 0-1 0 0,-2 22 1 0 0,0 14-38 0 0,3-25-68 0 0,-1 3-283 0 0,5 29 1 0 0,-4-49-202 0 0,-1 0 1 0 0,1 0-1 0 0,1-1 1 0 0,0 1-1 0 0,0-1 1 0 0,0 1-1 0 0,1-1 1 0 0,5 9-1 0 0,0-6-1671 0 0,2-2-325 0 0</inkml:trace>
+</inkml:ink>
+</file>
+
+<file path=ppt/ink/ink14.xml><?xml version="1.0" encoding="utf-8"?>
+<inkml:ink xmlns:inkml="http://www.w3.org/2003/InkML">
+  <inkml:definitions>
+    <inkml:context xml:id="ctx0">
+      <inkml:inkSource xml:id="inkSrc0">
+        <inkml:traceFormat>
+          <inkml:channel name="X" type="integer" min="-2.14748E9" max="2.14748E9" units="cm"/>
+          <inkml:channel name="Y" type="integer" min="-2.14748E9" max="2.14748E9" units="cm"/>
+          <inkml:channel name="F" type="integer" max="32767" units="dev"/>
+          <inkml:channel name="OA" type="integer" max="360" units="deg"/>
+          <inkml:channel name="OE" type="integer" max="90" units="deg"/>
+        </inkml:traceFormat>
+        <inkml:channelProperties>
+          <inkml:channelProperty channel="X" name="resolution" value="1000" units="1/cm"/>
+          <inkml:channelProperty channel="Y" name="resolution" value="1000" units="1/cm"/>
+          <inkml:channelProperty channel="F" name="resolution" value="0" units="1/dev"/>
+          <inkml:channelProperty channel="OA" name="resolution" value="1000" units="1/deg"/>
+          <inkml:channelProperty channel="OE" name="resolution" value="1000" units="1/deg"/>
+        </inkml:channelProperties>
+      </inkml:inkSource>
+      <inkml:timestamp xml:id="ts0" timeString="2021-05-19T15:00:57.946"/>
+    </inkml:context>
+    <inkml:brush xml:id="br0">
+      <inkml:brushProperty name="width" value="0.05" units="cm"/>
+      <inkml:brushProperty name="height" value="0.05" units="cm"/>
+      <inkml:brushProperty name="color" value="#FF0066"/>
+    </inkml:brush>
+  </inkml:definitions>
+  <inkml:trace contextRef="#ctx0" brushRef="#br0">79 2 9216 0 0,'-11'12'774'0'0,"6"-7"-371"0"0,-1 1 0 0 0,1 0 0 0 0,0 0 0 0 0,-5 9 0 0 0,4-4 1057 0 0,0 1 0 0 0,1-1 0 0 0,0 1 0 0 0,1 0 0 0 0,-4 15 0 0 0,7-21-1310 0 0,0-1 1 0 0,1 0 0 0 0,-1 1 0 0 0,1-1-1 0 0,0 0 1 0 0,1 0 0 0 0,-1 1-1 0 0,1-1 1 0 0,0 0 0 0 0,0 0 0 0 0,3 8-1 0 0,-3-11-140 0 0,0 0 0 0 0,0 0 0 0 0,0 0-1 0 0,0 0 1 0 0,0-1 0 0 0,1 1 0 0 0,-1 0 0 0 0,1-1-1 0 0,-1 1 1 0 0,1-1 0 0 0,-1 1 0 0 0,1-1 0 0 0,0 0-1 0 0,-1 0 1 0 0,1 0 0 0 0,0 0 0 0 0,0 0-1 0 0,0 0 1 0 0,0 0 0 0 0,0-1 0 0 0,0 1 0 0 0,0-1-1 0 0,0 1 1 0 0,0-1 0 0 0,1 0 0 0 0,-1 0 0 0 0,0 0-1 0 0,0 0 1 0 0,0 0 0 0 0,4-1 0 0 0,-1 0-49 0 0,0-1 0 0 0,1 1 0 0 0,-1-1 1 0 0,-1 0-1 0 0,1 0 0 0 0,0 0 0 0 0,0-1 1 0 0,-1 1-1 0 0,1-1 0 0 0,-1 0 0 0 0,0-1 0 0 0,0 1 1 0 0,0-1-1 0 0,3-4 0 0 0,4-5-531 0 0,-1-1 0 0 0,16-30-1 0 0,-16 26-14 0 0,-8 16 504 0 0,-1-1-1 0 0,0 0 1 0 0,0 0 0 0 0,0 0-1 0 0,0 0 1 0 0,0 0-1 0 0,-1 0 1 0 0,1 0-1 0 0,-1 0 1 0 0,0-4-1 0 0,1 5-24 0 0,1-1 74 0 0,6 22 0 0 0,-7-13 100 0 0,-1-2-44 0 0,1-1-1 0 0,-1 0 1 0 0,1 0-1 0 0,-1 0 1 0 0,1 0-1 0 0,0 0 0 0 0,0 0 1 0 0,1 0-1 0 0,-1 0 1 0 0,0 0-1 0 0,1 0 1 0 0,0 0-1 0 0,0-1 1 0 0,0 1-1 0 0,0-1 1 0 0,0 0-1 0 0,3 3 0 0 0,-2-2-195 0 0,1-1-1 0 0,-1 1 1 0 0,1-1-1 0 0,0 0 1 0 0,0 0-1 0 0,0 0 1 0 0,0-1-1 0 0,0 1 1 0 0,6 0-1 0 0,2-3-814 0 0</inkml:trace>
+  <inkml:trace contextRef="#ctx0" brushRef="#br0" timeOffset="1">490 0 11056 0 0,'-16'20'2364'0'0,"1"0"1"0"0,-21 35 0 0 0,-18 50 4799 0 0,23-45-7505 0 0,23-44 311 0 0,-10 16-243 0 0,2 1 1 0 0,1 0-1 0 0,-15 52 1 0 0,25-64-8237 0 0</inkml:trace>
+</inkml:ink>
+</file>
+
+<file path=ppt/ink/ink15.xml><?xml version="1.0" encoding="utf-8"?>
+<inkml:ink xmlns:inkml="http://www.w3.org/2003/InkML">
+  <inkml:definitions>
+    <inkml:context xml:id="ctx0">
+      <inkml:inkSource xml:id="inkSrc0">
+        <inkml:traceFormat>
+          <inkml:channel name="X" type="integer" min="-2.14748E9" max="2.14748E9" units="cm"/>
+          <inkml:channel name="Y" type="integer" min="-2.14748E9" max="2.14748E9" units="cm"/>
+          <inkml:channel name="F" type="integer" max="32767" units="dev"/>
+          <inkml:channel name="OA" type="integer" max="360" units="deg"/>
+          <inkml:channel name="OE" type="integer" max="90" units="deg"/>
+        </inkml:traceFormat>
+        <inkml:channelProperties>
+          <inkml:channelProperty channel="X" name="resolution" value="1000" units="1/cm"/>
+          <inkml:channelProperty channel="Y" name="resolution" value="1000" units="1/cm"/>
+          <inkml:channelProperty channel="F" name="resolution" value="0" units="1/dev"/>
+          <inkml:channelProperty channel="OA" name="resolution" value="1000" units="1/deg"/>
+          <inkml:channelProperty channel="OE" name="resolution" value="1000" units="1/deg"/>
+        </inkml:channelProperties>
+      </inkml:inkSource>
+      <inkml:timestamp xml:id="ts0" timeString="2021-05-19T15:00:59.048"/>
+    </inkml:context>
+    <inkml:brush xml:id="br0">
+      <inkml:brushProperty name="width" value="0.05" units="cm"/>
+      <inkml:brushProperty name="height" value="0.05" units="cm"/>
+      <inkml:brushProperty name="color" value="#FF0066"/>
+    </inkml:brush>
+  </inkml:definitions>
+  <inkml:trace contextRef="#ctx0" brushRef="#br0">51 1 4608 0 0,'-1'2'8792'0'0,"-3"11"-4478"0"0,-1 5-3554 0 0,1-1 1 0 0,1 1-1 0 0,-2 34 0 0 0,-1 0-200 0 0,-5 37 216 0 0,0 115 0 0 0,12-191-766 0 0,0-10-25 0 0,0 0 0 0 0,-1 0 1 0 0,0 0-1 0 0,0 1 0 0 0,0-1 1 0 0,0 0-1 0 0,0 0 0 0 0,-1 0 1 0 0,-1 5-1 0 0,2-7-762 0 0,2-9-2538 0 0,1-1-3563 0 0</inkml:trace>
+</inkml:ink>
+</file>
+
+<file path=ppt/ink/ink16.xml><?xml version="1.0" encoding="utf-8"?>
+<inkml:ink xmlns:inkml="http://www.w3.org/2003/InkML">
+  <inkml:definitions>
+    <inkml:context xml:id="ctx0">
+      <inkml:inkSource xml:id="inkSrc0">
+        <inkml:traceFormat>
+          <inkml:channel name="X" type="integer" min="-2.14748E9" max="2.14748E9" units="cm"/>
+          <inkml:channel name="Y" type="integer" min="-2.14748E9" max="2.14748E9" units="cm"/>
+          <inkml:channel name="F" type="integer" max="32767" units="dev"/>
+          <inkml:channel name="OA" type="integer" max="360" units="deg"/>
+          <inkml:channel name="OE" type="integer" max="90" units="deg"/>
+        </inkml:traceFormat>
+        <inkml:channelProperties>
+          <inkml:channelProperty channel="X" name="resolution" value="1000" units="1/cm"/>
+          <inkml:channelProperty channel="Y" name="resolution" value="1000" units="1/cm"/>
+          <inkml:channelProperty channel="F" name="resolution" value="0" units="1/dev"/>
+          <inkml:channelProperty channel="OA" name="resolution" value="1000" units="1/deg"/>
+          <inkml:channelProperty channel="OE" name="resolution" value="1000" units="1/deg"/>
+        </inkml:channelProperties>
+      </inkml:inkSource>
+      <inkml:timestamp xml:id="ts0" timeString="2021-05-19T15:00:59.423"/>
+    </inkml:context>
+    <inkml:brush xml:id="br0">
+      <inkml:brushProperty name="width" value="0.05" units="cm"/>
+      <inkml:brushProperty name="height" value="0.05" units="cm"/>
+      <inkml:brushProperty name="color" value="#FF0066"/>
+    </inkml:brush>
+  </inkml:definitions>
+  <inkml:trace contextRef="#ctx0" brushRef="#br0">1 180 4608 0 0,'2'-4'7284'0'0,"4"-6"-2315"0"0,-2 6-4454 0 0,0 0 1 0 0,0 1 0 0 0,0 0-1 0 0,0 0 1 0 0,0 0 0 0 0,9-3-1 0 0,4-4-68 0 0,-6 3-283 0 0,72-41 1242 0 0,-46 29-998 0 0,-17 8-356 0 0,31-11 0 0 0,-31 14-217 0 0,6-2-364 0 0,-7 6-5435 0 0,-5 3-1057 0 0</inkml:trace>
+  <inkml:trace contextRef="#ctx0" brushRef="#br0" timeOffset="1">54 338 12896 0 0,'0'0'1376'0'0,"8"0"-1376"0"0,3-2 704 0 0,1-1 96 0 0,2-4 23 0 0,3 2 1 0 0,3-6-704 0 0,0 2-120 0 0,-1 2-64 0 0,1-2 64 0 0,-6 2-480 0 0,2 2-40 0 0,-1 1-7 0 0</inkml:trace>
+</inkml:ink>
+</file>
+
+<file path=ppt/ink/ink17.xml><?xml version="1.0" encoding="utf-8"?>
+<inkml:ink xmlns:inkml="http://www.w3.org/2003/InkML">
+  <inkml:definitions>
+    <inkml:context xml:id="ctx0">
+      <inkml:inkSource xml:id="inkSrc0">
+        <inkml:traceFormat>
+          <inkml:channel name="X" type="integer" min="-2.14748E9" max="2.14748E9" units="cm"/>
+          <inkml:channel name="Y" type="integer" min="-2.14748E9" max="2.14748E9" units="cm"/>
+          <inkml:channel name="F" type="integer" max="32767" units="dev"/>
+          <inkml:channel name="OA" type="integer" max="360" units="deg"/>
+          <inkml:channel name="OE" type="integer" max="90" units="deg"/>
+        </inkml:traceFormat>
+        <inkml:channelProperties>
+          <inkml:channelProperty channel="X" name="resolution" value="1000" units="1/cm"/>
+          <inkml:channelProperty channel="Y" name="resolution" value="1000" units="1/cm"/>
+          <inkml:channelProperty channel="F" name="resolution" value="0" units="1/dev"/>
+          <inkml:channelProperty channel="OA" name="resolution" value="1000" units="1/deg"/>
+          <inkml:channelProperty channel="OE" name="resolution" value="1000" units="1/deg"/>
+        </inkml:channelProperties>
+      </inkml:inkSource>
+      <inkml:timestamp xml:id="ts0" timeString="2021-05-19T15:00:59.767"/>
+    </inkml:context>
+    <inkml:brush xml:id="br0">
+      <inkml:brushProperty name="width" value="0.05" units="cm"/>
+      <inkml:brushProperty name="height" value="0.05" units="cm"/>
+      <inkml:brushProperty name="color" value="#FF0066"/>
+    </inkml:brush>
+  </inkml:definitions>
+  <inkml:trace contextRef="#ctx0" brushRef="#br0">0 174 15200 0 0,'0'0'696'0'0,"15"5"255"0"0,-3-2-143 0 0,1 0 0 0 0,0-1 0 0 0,0 0 0 0 0,24 0-1 0 0,53-8 1454 0 0,-24 1-1826 0 0,38-5-1028 0 0,-61 1-6151 0 0,-21 4-253 0 0</inkml:trace>
+  <inkml:trace contextRef="#ctx0" brushRef="#br0" timeOffset="1">535 1 10592 0 0,'0'0'964'0'0,"1"13"-776"0"0,0-7 81 0 0,1-1 1 0 0,0 1 0 0 0,0-1 0 0 0,0 0 0 0 0,0 0-1 0 0,1 0 1 0 0,0 0 0 0 0,5 6 0 0 0,4 4 2033 0 0,18 15-1 0 0,-19-18-909 0 0,21 25-1 0 0,-27-32-1805 0 0,-1 1 0 0 0,2-1 0 0 0,-1 0-1 0 0,0 0 1 0 0,1 0 0 0 0,7 4 0 0 0,-1-1-6369 0 0</inkml:trace>
+</inkml:ink>
+</file>
+
+<file path=ppt/ink/ink18.xml><?xml version="1.0" encoding="utf-8"?>
+<inkml:ink xmlns:inkml="http://www.w3.org/2003/InkML">
+  <inkml:definitions>
+    <inkml:context xml:id="ctx0">
+      <inkml:inkSource xml:id="inkSrc0">
+        <inkml:traceFormat>
+          <inkml:channel name="X" type="integer" min="-2.14748E9" max="2.14748E9" units="cm"/>
+          <inkml:channel name="Y" type="integer" min="-2.14748E9" max="2.14748E9" units="cm"/>
+          <inkml:channel name="F" type="integer" max="32767" units="dev"/>
+          <inkml:channel name="OA" type="integer" max="360" units="deg"/>
+          <inkml:channel name="OE" type="integer" max="90" units="deg"/>
+        </inkml:traceFormat>
+        <inkml:channelProperties>
+          <inkml:channelProperty channel="X" name="resolution" value="1000" units="1/cm"/>
+          <inkml:channelProperty channel="Y" name="resolution" value="1000" units="1/cm"/>
+          <inkml:channelProperty channel="F" name="resolution" value="0" units="1/dev"/>
+          <inkml:channelProperty channel="OA" name="resolution" value="1000" units="1/deg"/>
+          <inkml:channelProperty channel="OE" name="resolution" value="1000" units="1/deg"/>
+        </inkml:channelProperties>
+      </inkml:inkSource>
+      <inkml:timestamp xml:id="ts0" timeString="2021-05-19T15:01:00.160"/>
+    </inkml:context>
+    <inkml:brush xml:id="br0">
+      <inkml:brushProperty name="width" value="0.05" units="cm"/>
+      <inkml:brushProperty name="height" value="0.05" units="cm"/>
+      <inkml:brushProperty name="color" value="#FF0066"/>
+    </inkml:brush>
+  </inkml:definitions>
+  <inkml:trace contextRef="#ctx0" brushRef="#br0">210 1 11976 0 0,'-8'10'1064'0'0,"-4"3"-848"0"0,-2-1-216 0 0,0 6 0 0 0,-2-1 1272 0 0,1 3 208 0 0,-2 0 47 0 0,0 3 9 0 0,3 0-1232 0 0,-2-1-240 0 0,4 1-64 0 0,-2-4 0 0 0,3 1 80 0 0,0-2 8 0 0,4-6 0 0 0,2 1 0 0 0,-1-3-960 0 0,6-3-192 0 0</inkml:trace>
+</inkml:ink>
+</file>
+
+<file path=ppt/ink/ink19.xml><?xml version="1.0" encoding="utf-8"?>
+<inkml:ink xmlns:inkml="http://www.w3.org/2003/InkML">
+  <inkml:definitions>
+    <inkml:context xml:id="ctx0">
+      <inkml:inkSource xml:id="inkSrc0">
+        <inkml:traceFormat>
+          <inkml:channel name="X" type="integer" min="-2.14748E9" max="2.14748E9" units="cm"/>
+          <inkml:channel name="Y" type="integer" min="-2.14748E9" max="2.14748E9" units="cm"/>
+          <inkml:channel name="F" type="integer" max="32767" units="dev"/>
+          <inkml:channel name="OA" type="integer" max="360" units="deg"/>
+          <inkml:channel name="OE" type="integer" max="90" units="deg"/>
+        </inkml:traceFormat>
+        <inkml:channelProperties>
+          <inkml:channelProperty channel="X" name="resolution" value="1000" units="1/cm"/>
+          <inkml:channelProperty channel="Y" name="resolution" value="1000" units="1/cm"/>
+          <inkml:channelProperty channel="F" name="resolution" value="0" units="1/dev"/>
+          <inkml:channelProperty channel="OA" name="resolution" value="1000" units="1/deg"/>
+          <inkml:channelProperty channel="OE" name="resolution" value="1000" units="1/deg"/>
+        </inkml:channelProperties>
+      </inkml:inkSource>
+      <inkml:timestamp xml:id="ts0" timeString="2021-05-19T15:01:00.540"/>
+    </inkml:context>
+    <inkml:brush xml:id="br0">
+      <inkml:brushProperty name="width" value="0.05" units="cm"/>
+      <inkml:brushProperty name="height" value="0.05" units="cm"/>
+      <inkml:brushProperty name="color" value="#FF0066"/>
+    </inkml:brush>
+  </inkml:definitions>
+  <inkml:trace contextRef="#ctx0" brushRef="#br0">109 1 3680 0 0,'-1'0'284'0'0,"-8"5"4904"0"0,-16 1 117 0 0,23-5-4911 0 0,0-1 0 0 0,0 1 0 0 0,0 1 0 0 0,0-1 0 0 0,0 0 0 0 0,0 0 0 0 0,1 1 0 0 0,-1-1 0 0 0,-2 4 0 0 0,1 0-159 0 0,-1 0 1 0 0,1 0-1 0 0,0 1 0 0 0,-2 7 1 0 0,-6 10 288 0 0,7-14-416 0 0,0-1-1 0 0,1 1 1 0 0,0 0 0 0 0,0 0 0 0 0,1 1-1 0 0,0-1 1 0 0,1 0 0 0 0,0 1-1 0 0,1-1 1 0 0,0 1 0 0 0,0-1-1 0 0,3 16 1 0 0,-3-24-46 0 0,0 0 1 0 0,0 0-1 0 0,0 0 0 0 0,1 0 1 0 0,-1 0-1 0 0,0 0 0 0 0,0 0 1 0 0,1 0-1 0 0,-1 0 1 0 0,1 0-1 0 0,-1 0 0 0 0,1 0 1 0 0,-1 0-1 0 0,1-1 0 0 0,-1 1 1 0 0,1 0-1 0 0,0 0 0 0 0,0 0 1 0 0,-1-1-1 0 0,2 2 0 0 0,-1-2-45 0 0,-1 0 0 0 0,1 0 0 0 0,0 0-1 0 0,-1 0 1 0 0,1 0 0 0 0,0 0 0 0 0,-1 0-1 0 0,1 0 1 0 0,0 0 0 0 0,-1-1 0 0 0,1 1-1 0 0,-1 0 1 0 0,1 0 0 0 0,0 0 0 0 0,-1-1-1 0 0,1 1 1 0 0,-1 0 0 0 0,1-1 0 0 0,0 1-1 0 0,-1-1 1 0 0,1 1 0 0 0,0-1 0 0 0,3-4 28 0 0,0 1 1 0 0,-1 0 0 0 0,1-1-1 0 0,-1 1 1 0 0,0-1 0 0 0,2-6 0 0 0,1-1 259 0 0,6-12 243 0 0,14-43-1 0 0,-26 65-117 0 0,12 8-190 0 0,-10-4-217 0 0,0 0 0 0 0,-1 0 0 0 0,1 0 0 0 0,0 0 0 0 0,-1 0 0 0 0,0 1 0 0 0,1-1 0 0 0,-1 0 0 0 0,0 1-1 0 0,0-1 1 0 0,-1 1 0 0 0,1-1 0 0 0,0 1 0 0 0,-1 0 0 0 0,1 3 0 0 0,-1-2 2 0 0,1 1 1 0 0,1-1-1 0 0,-1 1 0 0 0,4 8 1 0 0,10 29-3366 0 0,-10-35 1842 0 0</inkml:trace>
+</inkml:ink>
+</file>
+
+<file path=ppt/ink/ink2.xml><?xml version="1.0" encoding="utf-8"?>
+<inkml:ink xmlns:inkml="http://www.w3.org/2003/InkML">
+  <inkml:definitions>
+    <inkml:context xml:id="ctx0">
+      <inkml:inkSource xml:id="inkSrc0">
+        <inkml:traceFormat>
+          <inkml:channel name="X" type="integer" min="-2.14748E9" max="2.14748E9" units="cm"/>
+          <inkml:channel name="Y" type="integer" min="-2.14748E9" max="2.14748E9" units="cm"/>
+          <inkml:channel name="F" type="integer" max="32767" units="dev"/>
+          <inkml:channel name="OA" type="integer" max="360" units="deg"/>
+          <inkml:channel name="OE" type="integer" max="90" units="deg"/>
+        </inkml:traceFormat>
+        <inkml:channelProperties>
+          <inkml:channelProperty channel="X" name="resolution" value="1000" units="1/cm"/>
+          <inkml:channelProperty channel="Y" name="resolution" value="1000" units="1/cm"/>
+          <inkml:channelProperty channel="F" name="resolution" value="0" units="1/dev"/>
+          <inkml:channelProperty channel="OA" name="resolution" value="1000" units="1/deg"/>
+          <inkml:channelProperty channel="OE" name="resolution" value="1000" units="1/deg"/>
+        </inkml:channelProperties>
+      </inkml:inkSource>
+      <inkml:timestamp xml:id="ts0" timeString="2021-05-19T15:00:42.073"/>
+    </inkml:context>
+    <inkml:brush xml:id="br0">
+      <inkml:brushProperty name="width" value="0.05" units="cm"/>
+      <inkml:brushProperty name="height" value="0.05" units="cm"/>
+      <inkml:brushProperty name="color" value="#FF0066"/>
+    </inkml:brush>
+  </inkml:definitions>
+  <inkml:trace contextRef="#ctx0" brushRef="#br0">102 6 2760 0 0,'0'0'283'0'0,"-18"2"2162"0"0,16-1-2270 0 0,0-1 1 0 0,0 0 0 0 0,0 1-1 0 0,0-1 1 0 0,0 0-1 0 0,0 0 1 0 0,0-1 0 0 0,0 1-1 0 0,-2-1 1 0 0,-18 0 1305 0 0,20 2-1272 0 0,0-1 0 0 0,0 0 0 0 0,0-1-1 0 0,0 1 1 0 0,0 0 0 0 0,0 0 0 0 0,0-1 0 0 0,0 1-1 0 0,1-1 1 0 0,-1 0 0 0 0,0 0 0 0 0,-3-1 2792 0 0,-2 8-890 0 0,7-6-2031 0 0,0 0 0 0 0,-1 0 0 0 0,1 1-1 0 0,0-1 1 0 0,-1 0 0 0 0,1 1 0 0 0,0-1-1 0 0,-1 1 1 0 0,1-1 0 0 0,0 0-1 0 0,0 1 1 0 0,-1-1 0 0 0,1 1 0 0 0,0-1-1 0 0,0 1 1 0 0,0-1 0 0 0,0 0-1 0 0,0 1 1 0 0,0-1 0 0 0,-1 1 0 0 0,1-1-1 0 0,0 1 1 0 0,0-1 0 0 0,0 1 0 0 0,1-1-1 0 0,-1 1 1 0 0,0-1 0 0 0,0 1-1 0 0,0-1 1 0 0,0 1 0 0 0,0-1 0 0 0,0 0-1 0 0,1 1 1 0 0,-1-1 0 0 0,0 1-1 0 0,0-1 1 0 0,1 1 0 0 0,2 9 706 0 0,-3-9-462 0 0,2 0-199 0 0,0 0-1 0 0,0 0 1 0 0,-1 0 0 0 0,1 0-1 0 0,0-1 1 0 0,0 1-1 0 0,4 0 1 0 0,-2 1 68 0 0,3 0-13 0 0,0 0 1 0 0,0 0 0 0 0,9 1 0 0 0,3 0 104 0 0,-6 0-84 0 0,0-2 1 0 0,0 0 0 0 0,19 0-1 0 0,4-1 70 0 0,80 2 330 0 0,75-4 549 0 0,46 0-1277 0 0,42 1 1487 0 0,-211 4-1010 0 0,2 0 84 0 0,76 12-1 0 0,28 8 71 0 0,-132-20-264 0 0,-1-3 0 0 0,51-4 0 0 0,27-4 232 0 0,-27 4-44 0 0,-61 4-143 0 0,43-6-1 0 0,-66 5-196 0 0,-1-1-1 0 0,1 0 0 0 0,14-5 1 0 0,-6 2-11 0 0,-10 0-2621 0 0</inkml:trace>
+</inkml:ink>
+</file>
+
+<file path=ppt/ink/ink20.xml><?xml version="1.0" encoding="utf-8"?>
+<inkml:ink xmlns:inkml="http://www.w3.org/2003/InkML">
+  <inkml:definitions>
+    <inkml:context xml:id="ctx0">
+      <inkml:inkSource xml:id="inkSrc0">
+        <inkml:traceFormat>
+          <inkml:channel name="X" type="integer" min="-2.14748E9" max="2.14748E9" units="cm"/>
+          <inkml:channel name="Y" type="integer" min="-2.14748E9" max="2.14748E9" units="cm"/>
+          <inkml:channel name="F" type="integer" max="32767" units="dev"/>
+          <inkml:channel name="OA" type="integer" max="360" units="deg"/>
+          <inkml:channel name="OE" type="integer" max="90" units="deg"/>
+        </inkml:traceFormat>
+        <inkml:channelProperties>
+          <inkml:channelProperty channel="X" name="resolution" value="1000" units="1/cm"/>
+          <inkml:channelProperty channel="Y" name="resolution" value="1000" units="1/cm"/>
+          <inkml:channelProperty channel="F" name="resolution" value="0" units="1/dev"/>
+          <inkml:channelProperty channel="OA" name="resolution" value="1000" units="1/deg"/>
+          <inkml:channelProperty channel="OE" name="resolution" value="1000" units="1/deg"/>
+        </inkml:channelProperties>
+      </inkml:inkSource>
+      <inkml:timestamp xml:id="ts0" timeString="2021-05-19T15:01:00.961"/>
+    </inkml:context>
+    <inkml:brush xml:id="br0">
+      <inkml:brushProperty name="width" value="0.05" units="cm"/>
+      <inkml:brushProperty name="height" value="0.05" units="cm"/>
+      <inkml:brushProperty name="color" value="#FF0066"/>
+    </inkml:brush>
+  </inkml:definitions>
+  <inkml:trace contextRef="#ctx0" brushRef="#br0">0 209 4144 0 0,'1'-1'5351'0'0,"1"-9"-905"0"0,0 1-742 0 0,-2 7-3539 0 0,0 1 0 0 0,0-1 0 0 0,0 1 0 0 0,1-1 0 0 0,-1 1 0 0 0,1 0 0 0 0,-1-1 0 0 0,1 1 0 0 0,-1 0 0 0 0,1-1 0 0 0,0 1 0 0 0,1-3 0 0 0,23-33 2581 0 0,-21 30-2509 0 0,0 0 0 0 0,1 0 0 0 0,-1 0 0 0 0,2 1 0 0 0,-1-1-1 0 0,1 1 1 0 0,8-7 0 0 0,-4 6 214 0 0,4 17-310 0 0,-11-7-135 0 0,0-1-1 0 0,-1 1 0 0 0,1 0 1 0 0,-1 0-1 0 0,0 1 0 0 0,0-1 1 0 0,0 0-1 0 0,0 1 0 0 0,0-1 1 0 0,-1 1-1 0 0,2 3 0 0 0,-2-2 6 0 0,0-5-8 0 0,-1 0 0 0 0,0 0-1 0 0,0 1 1 0 0,1-1 0 0 0,-1 0 0 0 0,0 0 0 0 0,0 0 0 0 0,1 0-1 0 0,-1 0 1 0 0,0 0 0 0 0,0 0 0 0 0,1 0 0 0 0,-1 0 0 0 0,0 0-1 0 0,0 0 1 0 0,1 0 0 0 0,-1 0 0 0 0,0 0 0 0 0,0 0 0 0 0,1 0-1 0 0,-1 0 1 0 0,0 0 0 0 0,1 0 0 0 0,-1 0 0 0 0,0 0 0 0 0,0 0-1 0 0,1 0 1 0 0,-1 0 0 0 0,0-1 0 0 0,0 1 0 0 0,0 0 0 0 0,1 0-1 0 0,-1 0 1 0 0,0 0 0 0 0,0-1 0 0 0,9-5 92 0 0,-9 6-87 0 0,5-5 76 0 0,-1 1 0 0 0,0-1 0 0 0,0 0 0 0 0,5-9 0 0 0,5-6 240 0 0,-10 15-246 0 0,1-2 117 0 0,0 1 0 0 0,0 0 1 0 0,1 0-1 0 0,-1 0 0 0 0,1 1 1 0 0,1 0-1 0 0,8-6 0 0 0,-14 11-178 0 0,0-1-1 0 0,0 1 1 0 0,0-1 0 0 0,0 1-1 0 0,0-1 1 0 0,0 1 0 0 0,0 0-1 0 0,1 0 1 0 0,-1-1 0 0 0,0 1-1 0 0,0 0 1 0 0,0 0 0 0 0,0 0-1 0 0,0 0 1 0 0,1 0 0 0 0,-1 1-1 0 0,0-1 1 0 0,0 0 0 0 0,0 0-1 0 0,0 1 1 0 0,0-1 0 0 0,0 1-1 0 0,0-1 1 0 0,0 1 0 0 0,0-1-1 0 0,0 1 1 0 0,0 0 0 0 0,0-1-1 0 0,0 1 1 0 0,0 0 0 0 0,0 0-1 0 0,0 0 1 0 0,-1-1 0 0 0,2 3-1 0 0,1 2-22 0 0,0 0-1 0 0,0 1 0 0 0,-1-1 1 0 0,0 1-1 0 0,2 7 1 0 0,-1-5 30 0 0,4 21-15 0 0,1 4-1619 0 0,3-13-6847 0 0</inkml:trace>
+</inkml:ink>
+</file>
+
+<file path=ppt/ink/ink21.xml><?xml version="1.0" encoding="utf-8"?>
+<inkml:ink xmlns:inkml="http://www.w3.org/2003/InkML">
+  <inkml:definitions>
+    <inkml:context xml:id="ctx0">
+      <inkml:inkSource xml:id="inkSrc0">
+        <inkml:traceFormat>
+          <inkml:channel name="X" type="integer" min="-2.14748E9" max="2.14748E9" units="cm"/>
+          <inkml:channel name="Y" type="integer" min="-2.14748E9" max="2.14748E9" units="cm"/>
+          <inkml:channel name="F" type="integer" max="32767" units="dev"/>
+          <inkml:channel name="OA" type="integer" max="360" units="deg"/>
+          <inkml:channel name="OE" type="integer" max="90" units="deg"/>
+        </inkml:traceFormat>
+        <inkml:channelProperties>
+          <inkml:channelProperty channel="X" name="resolution" value="1000" units="1/cm"/>
+          <inkml:channelProperty channel="Y" name="resolution" value="1000" units="1/cm"/>
+          <inkml:channelProperty channel="F" name="resolution" value="0" units="1/dev"/>
+          <inkml:channelProperty channel="OA" name="resolution" value="1000" units="1/deg"/>
+          <inkml:channelProperty channel="OE" name="resolution" value="1000" units="1/deg"/>
+        </inkml:channelProperties>
+      </inkml:inkSource>
+      <inkml:timestamp xml:id="ts0" timeString="2021-05-19T15:01:01.322"/>
+    </inkml:context>
+    <inkml:brush xml:id="br0">
+      <inkml:brushProperty name="width" value="0.05" units="cm"/>
+      <inkml:brushProperty name="height" value="0.05" units="cm"/>
+      <inkml:brushProperty name="color" value="#FF0066"/>
+    </inkml:brush>
+  </inkml:definitions>
+  <inkml:trace contextRef="#ctx0" brushRef="#br0">1 53 18831 0 0,'0'0'1706'0'0,"1"-1"-1309"0"0,2-3-81 0 0,0 1 0 0 0,0 0 0 0 0,1 1 1 0 0,0-1-1 0 0,-1 0 0 0 0,1 1 0 0 0,0 0 0 0 0,4-2 0 0 0,36-14 2170 0 0,-42 18-2432 0 0,2-2 65 0 0,1 1-1 0 0,-1-1 0 0 0,1 1 0 0 0,0 1 1 0 0,-1-1-1 0 0,1 1 0 0 0,0 0 1 0 0,0 0-1 0 0,-1 0 0 0 0,7 1 1 0 0,-9 0-107 0 0,1-1-1 0 0,-1 1 1 0 0,0-1 0 0 0,1 1 0 0 0,-1 0 0 0 0,0 0 0 0 0,0 0 0 0 0,1 1 0 0 0,-1-1-1 0 0,0 0 1 0 0,0 1 0 0 0,0-1 0 0 0,-1 1 0 0 0,1 0 0 0 0,0 0 0 0 0,-1 0-1 0 0,1 0 1 0 0,-1 0 0 0 0,1 0 0 0 0,-1 0 0 0 0,1 3 0 0 0,2 5 2 0 0,-1 0 1 0 0,0 0 0 0 0,-1 0-1 0 0,0 1 1 0 0,0-1 0 0 0,-1 1-1 0 0,0-1 1 0 0,-2 17 0 0 0,-1-9 11 0 0,0 1 1 0 0,-1-1-1 0 0,-2 0 0 0 0,-5 19 1 0 0,7-27-12 0 0,1 1-1 0 0,0-1 1 0 0,1 1 0 0 0,0 0 0 0 0,1 14 0 0 0,0-16 26 0 0,1-8-30 0 0,-1 0 0 0 0,0-1 0 0 0,0 1 0 0 0,0 0 0 0 0,1 0-1 0 0,-1 0 1 0 0,0-1 0 0 0,1 1 0 0 0,-1 0 0 0 0,0 0 0 0 0,1-1-1 0 0,-1 1 1 0 0,1 0 0 0 0,0-1 0 0 0,-1 1 0 0 0,1 0-1 0 0,-1-1 1 0 0,1 1 0 0 0,0-1 0 0 0,-1 1 0 0 0,1-1 0 0 0,0 1-1 0 0,0-1 1 0 0,-1 0 0 0 0,1 1 0 0 0,0-1 0 0 0,0 0 0 0 0,0 0-1 0 0,0 0 1 0 0,-1 1 0 0 0,1-1 0 0 0,0 0 0 0 0,0 0-1 0 0,1 0 1 0 0,3 0 24 0 0,0 0 0 0 0,0 0-1 0 0,-1-1 1 0 0,8-1-1 0 0,-3-1-105 0 0,0 0-1 0 0,-1-1 0 0 0,0 0 1 0 0,0 0-1 0 0,11-9 0 0 0,8-3-3364 0 0,-16 9-5638 0 0</inkml:trace>
+</inkml:ink>
+</file>
+
+<file path=ppt/ink/ink22.xml><?xml version="1.0" encoding="utf-8"?>
+<inkml:ink xmlns:inkml="http://www.w3.org/2003/InkML">
+  <inkml:definitions>
+    <inkml:context xml:id="ctx0">
+      <inkml:inkSource xml:id="inkSrc0">
+        <inkml:traceFormat>
+          <inkml:channel name="X" type="integer" min="-2.14748E9" max="2.14748E9" units="cm"/>
+          <inkml:channel name="Y" type="integer" min="-2.14748E9" max="2.14748E9" units="cm"/>
+          <inkml:channel name="F" type="integer" max="32767" units="dev"/>
+          <inkml:channel name="OA" type="integer" max="360" units="deg"/>
+          <inkml:channel name="OE" type="integer" max="90" units="deg"/>
+        </inkml:traceFormat>
+        <inkml:channelProperties>
+          <inkml:channelProperty channel="X" name="resolution" value="1000" units="1/cm"/>
+          <inkml:channelProperty channel="Y" name="resolution" value="1000" units="1/cm"/>
+          <inkml:channelProperty channel="F" name="resolution" value="0" units="1/dev"/>
+          <inkml:channelProperty channel="OA" name="resolution" value="1000" units="1/deg"/>
+          <inkml:channelProperty channel="OE" name="resolution" value="1000" units="1/deg"/>
+        </inkml:channelProperties>
+      </inkml:inkSource>
+      <inkml:timestamp xml:id="ts0" timeString="2021-05-19T15:01:04.611"/>
+    </inkml:context>
+    <inkml:brush xml:id="br0">
+      <inkml:brushProperty name="width" value="0.05" units="cm"/>
+      <inkml:brushProperty name="height" value="0.05" units="cm"/>
+      <inkml:brushProperty name="color" value="#FF0066"/>
+    </inkml:brush>
+  </inkml:definitions>
+  <inkml:trace contextRef="#ctx0" brushRef="#br0">17 0 15520 0 0,'0'0'761'0'0,"-2"8"36"0"0,1 24-633 0 0,1 21 371 0 0,0-30-128 0 0,-3 34 0 0 0,0-14-79 0 0,-1 19 113 0 0,1 1-133 0 0,5 89 1 0 0,-1-119-263 0 0,-1-24-78 0 0,0 0 1 0 0,1 0-1 0 0,-1 0 0 0 0,2-1 0 0 0,2 13 1 0 0,-4-21-25 0 0,1 1 1 0 0,-1-1 0 0 0,0 1-1 0 0,0-1 1 0 0,0 1 0 0 0,0-1-1 0 0,0 0 1 0 0,1 1 0 0 0,-1-1-1 0 0,0 1 1 0 0,0-1 0 0 0,1 0-1 0 0,-1 1 1 0 0,0-1 0 0 0,0 0-1 0 0,1 1 1 0 0,-1-1 0 0 0,0 0-1 0 0,1 1 1 0 0,-1-1 0 0 0,1 0-1 0 0,-1 0 1 0 0,0 0 0 0 0,1 1-1 0 0,-1-1 1 0 0,1 0 0 0 0,0 0-1 0 0,4-1-1572 0 0</inkml:trace>
+</inkml:ink>
+</file>
+
+<file path=ppt/ink/ink23.xml><?xml version="1.0" encoding="utf-8"?>
+<inkml:ink xmlns:inkml="http://www.w3.org/2003/InkML">
+  <inkml:definitions>
+    <inkml:context xml:id="ctx0">
+      <inkml:inkSource xml:id="inkSrc0">
+        <inkml:traceFormat>
+          <inkml:channel name="X" type="integer" min="-2.14748E9" max="2.14748E9" units="cm"/>
+          <inkml:channel name="Y" type="integer" min="-2.14748E9" max="2.14748E9" units="cm"/>
+          <inkml:channel name="F" type="integer" max="32767" units="dev"/>
+          <inkml:channel name="OA" type="integer" max="360" units="deg"/>
+          <inkml:channel name="OE" type="integer" max="90" units="deg"/>
+        </inkml:traceFormat>
+        <inkml:channelProperties>
+          <inkml:channelProperty channel="X" name="resolution" value="1000" units="1/cm"/>
+          <inkml:channelProperty channel="Y" name="resolution" value="1000" units="1/cm"/>
+          <inkml:channelProperty channel="F" name="resolution" value="0" units="1/dev"/>
+          <inkml:channelProperty channel="OA" name="resolution" value="1000" units="1/deg"/>
+          <inkml:channelProperty channel="OE" name="resolution" value="1000" units="1/deg"/>
+        </inkml:channelProperties>
+      </inkml:inkSource>
+      <inkml:timestamp xml:id="ts0" timeString="2021-05-19T15:01:04.973"/>
+    </inkml:context>
+    <inkml:brush xml:id="br0">
+      <inkml:brushProperty name="width" value="0.05" units="cm"/>
+      <inkml:brushProperty name="height" value="0.05" units="cm"/>
+      <inkml:brushProperty name="color" value="#FF0066"/>
+    </inkml:brush>
+  </inkml:definitions>
+  <inkml:trace contextRef="#ctx0" brushRef="#br0">10 39 4608 0 0,'-10'-9'9167'0'0,"23"8"-6584"0"0,-11 1-1790 0 0,17-3 262 0 0,29-8-1 0 0,-30 7-924 0 0,35-5-1 0 0,-43 8 97 0 0,0 0 0 0 0,17 3 0 0 0,-5 3-1082 0 0,-2 8-4321 0 0,-13-6-907 0 0</inkml:trace>
+  <inkml:trace contextRef="#ctx0" brushRef="#br0" timeOffset="1">1 267 11520 0 0,'0'0'1380'0'0,"2"1"-370"0"0,2 2-521 0 0,1-1-1 0 0,0 0 0 0 0,0 0 1 0 0,1 0-1 0 0,-1-1 0 0 0,0 0 1 0 0,1 0-1 0 0,-1 0 0 0 0,0-1 1 0 0,9 0-1 0 0,9-1-353 0 0,27-4 1 0 0,-37 3 133 0 0,71-13-1781 0 0,-62 12-5054 0 0</inkml:trace>
+</inkml:ink>
+</file>
+
+<file path=ppt/ink/ink24.xml><?xml version="1.0" encoding="utf-8"?>
+<inkml:ink xmlns:inkml="http://www.w3.org/2003/InkML">
+  <inkml:definitions>
+    <inkml:context xml:id="ctx0">
+      <inkml:inkSource xml:id="inkSrc0">
+        <inkml:traceFormat>
+          <inkml:channel name="X" type="integer" min="-2.14748E9" max="2.14748E9" units="cm"/>
+          <inkml:channel name="Y" type="integer" min="-2.14748E9" max="2.14748E9" units="cm"/>
+          <inkml:channel name="F" type="integer" max="32767" units="dev"/>
+          <inkml:channel name="OA" type="integer" max="360" units="deg"/>
+          <inkml:channel name="OE" type="integer" max="90" units="deg"/>
+        </inkml:traceFormat>
+        <inkml:channelProperties>
+          <inkml:channelProperty channel="X" name="resolution" value="1000" units="1/cm"/>
+          <inkml:channelProperty channel="Y" name="resolution" value="1000" units="1/cm"/>
+          <inkml:channelProperty channel="F" name="resolution" value="0" units="1/dev"/>
+          <inkml:channelProperty channel="OA" name="resolution" value="1000" units="1/deg"/>
+          <inkml:channelProperty channel="OE" name="resolution" value="1000" units="1/deg"/>
+        </inkml:channelProperties>
+      </inkml:inkSource>
+      <inkml:timestamp xml:id="ts0" timeString="2021-05-19T15:01:05.758"/>
+    </inkml:context>
+    <inkml:brush xml:id="br0">
+      <inkml:brushProperty name="width" value="0.05" units="cm"/>
+      <inkml:brushProperty name="height" value="0.05" units="cm"/>
+      <inkml:brushProperty name="color" value="#FF0066"/>
+    </inkml:brush>
+  </inkml:definitions>
+  <inkml:trace contextRef="#ctx0" brushRef="#br0">20 116 13824 0 0,'-8'2'314'0'0,"6"-2"760"0"0,-2 3-950 0 0,-1-1 3211 0 0,12-3-2849 0 0,0 1-1 0 0,0-1 0 0 0,0 1 0 0 0,11 1 0 0 0,3 0-109 0 0,20 2 177 0 0,0 1 0 0 0,48 11 1 0 0,-25-4-240 0 0,13 6-211 0 0,14 1 242 0 0,-24-5-9 0 0,-50-10-200 0 0,-15-2-32 0 0,1 0-1 0 0,-1 0 1 0 0,1-1 0 0 0,-1 1-1 0 0,1-1 1 0 0,-1 0 0 0 0,1 0-1 0 0,0 0 1 0 0,-1 0 0 0 0,4-1-1 0 0,0 0-81 0 0,-6 1-20 0 0,0 0 1 0 0,0-1 0 0 0,0 1-1 0 0,0 0 1 0 0,0 0 0 0 0,1-1 0 0 0,-1 1-1 0 0,0 0 1 0 0,0 0 0 0 0,0-1 0 0 0,0 1-1 0 0,0 0 1 0 0,0 0 0 0 0,0-1 0 0 0,0 1-1 0 0,0 0 1 0 0,0 0 0 0 0,0-1 0 0 0,0 1-1 0 0,0 0 1 0 0,0-1 0 0 0,0 1-1 0 0,0 0 1 0 0,0 0 0 0 0,0-1 0 0 0,-1 1-1 0 0,1 0 1 0 0,0 0 0 0 0,0-1 0 0 0,0 1-1 0 0,0 0 1 0 0,0 0 0 0 0,-1 0 0 0 0,1-1-1 0 0,0 1 1 0 0,0 0 0 0 0,-7-9 157 0 0,7 9-159 0 0,-90-106 407 0 0,53 65-408 0 0,25 30 27 0 0,10 10-20 0 0,1 0-1 0 0,-1 1 0 0 0,1-1 1 0 0,0 0-1 0 0,-1 0 0 0 0,1-1 1 0 0,0 1-1 0 0,0 0 0 0 0,-1 0 1 0 0,1-1-1 0 0,0 1 0 0 0,1 0 1 0 0,-1-1-1 0 0,0 1 0 0 0,0-1 1 0 0,1 1-1 0 0,-1-1 0 0 0,0 0 1 0 0,1 1-1 0 0,-1-3 0 0 0,2 3 74 0 0,0 1-79 0 0,0-1 0 0 0,0 1 0 0 0,0 0 0 0 0,0-1 0 0 0,0 1 0 0 0,1 0-1 0 0,-1 0 1 0 0,0 0 0 0 0,0 0 0 0 0,0 0 0 0 0,0 0 0 0 0,0 0 0 0 0,0 0 0 0 0,0 0 0 0 0,0 1 0 0 0,0-1-1 0 0,0 0 1 0 0,0 1 0 0 0,2 0 0 0 0,2 1-3 0 0,58 15 0 0 0,-44-12 6 0 0,0 1 0 0 0,31 3 1 0 0,-46-9-12 0 0,0 0 42 0 0,0 1 0 0 0,1-1 1 0 0,-1 1-1 0 0,1 0 0 0 0,-1 0 0 0 0,7 3 1 0 0,-10-4-18 0 0,-1 1 0 0 0,1-1-1 0 0,0 1 1 0 0,0 0 0 0 0,-1-1 0 0 0,1 1 0 0 0,0 0 0 0 0,-1-1 0 0 0,1 1 0 0 0,-1 0-1 0 0,1 0 1 0 0,-1 0 0 0 0,1-1 0 0 0,-1 1 0 0 0,1 0 0 0 0,-1 0 0 0 0,0 0 0 0 0,0 0-1 0 0,1 0 1 0 0,-1 0 0 0 0,0 0 0 0 0,0 0 0 0 0,0 0 0 0 0,0 0 0 0 0,0-1 0 0 0,0 1-1 0 0,0 0 1 0 0,0 0 0 0 0,-1 0 0 0 0,1 0 0 0 0,0 0 0 0 0,0 0 0 0 0,-1 0 0 0 0,1 0-1 0 0,-1 0 1 0 0,0 1 0 0 0,-7 14 139 0 0,0-1-1 0 0,0 0 1 0 0,-2 0-1 0 0,0-1 1 0 0,-12 13-1 0 0,-5 3-173 0 0,-34 28-1 0 0,51-50-843 0 0,1 1 0 0 0,0 0 0 0 0,-10 14 0 0 0</inkml:trace>
+</inkml:ink>
+</file>
+
+<file path=ppt/ink/ink25.xml><?xml version="1.0" encoding="utf-8"?>
+<inkml:ink xmlns:inkml="http://www.w3.org/2003/InkML">
+  <inkml:definitions>
+    <inkml:context xml:id="ctx0">
+      <inkml:inkSource xml:id="inkSrc0">
+        <inkml:traceFormat>
+          <inkml:channel name="X" type="integer" min="-2.14748E9" max="2.14748E9" units="cm"/>
+          <inkml:channel name="Y" type="integer" min="-2.14748E9" max="2.14748E9" units="cm"/>
+          <inkml:channel name="F" type="integer" max="32767" units="dev"/>
+          <inkml:channel name="OA" type="integer" max="360" units="deg"/>
+          <inkml:channel name="OE" type="integer" max="90" units="deg"/>
+        </inkml:traceFormat>
+        <inkml:channelProperties>
+          <inkml:channelProperty channel="X" name="resolution" value="1000" units="1/cm"/>
+          <inkml:channelProperty channel="Y" name="resolution" value="1000" units="1/cm"/>
+          <inkml:channelProperty channel="F" name="resolution" value="0" units="1/dev"/>
+          <inkml:channelProperty channel="OA" name="resolution" value="1000" units="1/deg"/>
+          <inkml:channelProperty channel="OE" name="resolution" value="1000" units="1/deg"/>
+        </inkml:channelProperties>
+      </inkml:inkSource>
+      <inkml:timestamp xml:id="ts0" timeString="2021-05-19T15:01:06.445"/>
+    </inkml:context>
+    <inkml:brush xml:id="br0">
+      <inkml:brushProperty name="width" value="0.05" units="cm"/>
+      <inkml:brushProperty name="height" value="0.05" units="cm"/>
+      <inkml:brushProperty name="color" value="#FF0066"/>
+    </inkml:brush>
+  </inkml:definitions>
+  <inkml:trace contextRef="#ctx0" brushRef="#br0">229 15 4144 0 0,'0'0'319'0'0,"-8"-6"737"0"0,1 2 2671 0 0,6 3-3348 0 0,-1 1-1 0 0,1-1 0 0 0,-1 1 1 0 0,1-1-1 0 0,-1 1 0 0 0,0-1 1 0 0,1 1-1 0 0,-1 0 0 0 0,0 0 1 0 0,1 0-1 0 0,-1 0 0 0 0,0 0 1 0 0,1 0-1 0 0,-1 0 0 0 0,0 1 1 0 0,1-1-1 0 0,-1 1 0 0 0,0-1 1 0 0,1 1-1 0 0,-3 1 0 0 0,-4 2 11 0 0,0 0-1 0 0,-12 9 0 0 0,5-3 311 0 0,3-3-371 0 0,5-4-118 0 0,0 2-1 0 0,0-1 0 0 0,0 0 1 0 0,0 1-1 0 0,1 1 0 0 0,0-1 1 0 0,-8 9-1 0 0,3 1 350 0 0,2-3 87 0 0,-13 21 0 0 0,20-30-585 0 0,1 0 0 0 0,-1 0 0 0 0,1 1 0 0 0,0-1 0 0 0,0 0 0 0 0,0 0 0 0 0,0 1-1 0 0,0-1 1 0 0,1 0 0 0 0,0 1 0 0 0,0-1 0 0 0,0 0 0 0 0,0 5 0 0 0,1-7-20 0 0,-1 1 0 0 0,1 0 0 0 0,-1 0 0 0 0,1-1 0 0 0,0 1 0 0 0,0-1 0 0 0,0 1 0 0 0,0-1 0 0 0,0 1 0 0 0,0-1 0 0 0,0 0 0 0 0,1 1 0 0 0,-1-1 0 0 0,0 0 0 0 0,1 0 0 0 0,-1 0 0 0 0,1 0 0 0 0,-1 0 0 0 0,1 0 1 0 0,0 0-1 0 0,-1-1 0 0 0,1 1 0 0 0,3 0 0 0 0,4 2 2 0 0,1-1 0 0 0,0 0 0 0 0,12 0-1 0 0,-6-1 71 0 0,24 3 36 0 0,-27-4-76 0 0,-1 1-1 0 0,1 0 0 0 0,-1 1 1 0 0,1 1-1 0 0,-1-1 0 0 0,0 2 1 0 0,18 7-1 0 0,-28-10-63 0 0,-1 0 0 0 0,1 0 0 0 0,0 0 0 0 0,0 1-1 0 0,0-1 1 0 0,-1 0 0 0 0,1 1 0 0 0,-1-1 0 0 0,1 1 0 0 0,-1 0-1 0 0,0-1 1 0 0,0 1 0 0 0,1 0 0 0 0,-1 0 0 0 0,0 0 0 0 0,-1 0 0 0 0,1 0-1 0 0,1 3 1 0 0,-2-3 20 0 0,0 1-1 0 0,1 0 1 0 0,-1 0 0 0 0,-1 0-1 0 0,1 0 1 0 0,0 0 0 0 0,-1-1-1 0 0,1 1 1 0 0,-1 0-1 0 0,0 0 1 0 0,0 0 0 0 0,-1 2-1 0 0,-3 4 53 0 0,0 1-1 0 0,-1-2 1 0 0,0 1-1 0 0,0-1 1 0 0,-1 0 0 0 0,-10 10-1 0 0,8-9-412 0 0,0-1-1 0 0,-1-1 0 0 0,0 0 1 0 0,0 0-1 0 0,0-1 1 0 0,-1 0-1 0 0,0-1 1 0 0,-13 5-1 0 0,10-7-1045 0 0</inkml:trace>
+</inkml:ink>
+</file>
+
+<file path=ppt/ink/ink26.xml><?xml version="1.0" encoding="utf-8"?>
+<inkml:ink xmlns:inkml="http://www.w3.org/2003/InkML">
+  <inkml:definitions>
+    <inkml:context xml:id="ctx0">
+      <inkml:inkSource xml:id="inkSrc0">
+        <inkml:traceFormat>
+          <inkml:channel name="X" type="integer" min="-2.14748E9" max="2.14748E9" units="cm"/>
+          <inkml:channel name="Y" type="integer" min="-2.14748E9" max="2.14748E9" units="cm"/>
+          <inkml:channel name="F" type="integer" max="32767" units="dev"/>
+          <inkml:channel name="OA" type="integer" max="360" units="deg"/>
+          <inkml:channel name="OE" type="integer" max="90" units="deg"/>
+        </inkml:traceFormat>
+        <inkml:channelProperties>
+          <inkml:channelProperty channel="X" name="resolution" value="1000" units="1/cm"/>
+          <inkml:channelProperty channel="Y" name="resolution" value="1000" units="1/cm"/>
+          <inkml:channelProperty channel="F" name="resolution" value="0" units="1/dev"/>
+          <inkml:channelProperty channel="OA" name="resolution" value="1000" units="1/deg"/>
+          <inkml:channelProperty channel="OE" name="resolution" value="1000" units="1/deg"/>
+        </inkml:channelProperties>
+      </inkml:inkSource>
+      <inkml:timestamp xml:id="ts0" timeString="2021-05-19T15:01:06.805"/>
+    </inkml:context>
+    <inkml:brush xml:id="br0">
+      <inkml:brushProperty name="width" value="0.05" units="cm"/>
+      <inkml:brushProperty name="height" value="0.05" units="cm"/>
+      <inkml:brushProperty name="color" value="#FF0066"/>
+    </inkml:brush>
+  </inkml:definitions>
+  <inkml:trace contextRef="#ctx0" brushRef="#br0">68 1 4144 0 0,'-11'1'724'0'0,"10"-1"193"0"0,0 0 0 0 0,-1 0-1 0 0,1 0 1 0 0,0 1 0 0 0,0-1 0 0 0,-1 1-1 0 0,1-1 1 0 0,0 1 0 0 0,0-1 0 0 0,0 1-1 0 0,-2 1 1 0 0,-1 3 1269 0 0,-13 15-332 0 0,15-15-1331 0 0,-1 3-49 0 0,-1 0 0 0 0,2 0 0 0 0,-1 0 0 0 0,-2 15 0 0 0,5-20-463 0 0,0-1 1 0 0,0 0-1 0 0,0 0 0 0 0,0 0 0 0 0,0 1 0 0 0,0-1 1 0 0,1 0-1 0 0,-1 0 0 0 0,1 0 0 0 0,-1 0 0 0 0,1 0 1 0 0,0 0-1 0 0,0 0 0 0 0,0 0 0 0 0,0 0 1 0 0,0 0-1 0 0,1 0 0 0 0,-1 0 0 0 0,0-1 0 0 0,1 1 1 0 0,-1 0-1 0 0,1-1 0 0 0,3 3 0 0 0,-3-3 13 0 0,0 0 0 0 0,0 0-1 0 0,1 0 1 0 0,-1-1 0 0 0,0 1 0 0 0,0-1-1 0 0,0 1 1 0 0,1-1 0 0 0,-1 0 0 0 0,0 0-1 0 0,0 0 1 0 0,1 0 0 0 0,-1 0-1 0 0,0 0 1 0 0,0-1 0 0 0,1 1 0 0 0,-1-1-1 0 0,0 0 1 0 0,0 1 0 0 0,0-1 0 0 0,3-2-1 0 0,5-2 155 0 0,0 0 0 0 0,16-12-1 0 0,-24 15-156 0 0,56-46 584 0 0,-38 32-406 0 0,-10 6-75 0 0,-6 6-49 0 0,0 1 1 0 0,0-1-1 0 0,1 1 1 0 0,-1 0-1 0 0,1 0 1 0 0,9-4-1 0 0,-13 6 159 0 0,14 10 730 0 0,-12 0-879 0 0,0 2 12 0 0,4 22-1 0 0,-1-2-654 0 0,0-11-4410 0 0</inkml:trace>
+</inkml:ink>
+</file>
+
+<file path=ppt/ink/ink27.xml><?xml version="1.0" encoding="utf-8"?>
+<inkml:ink xmlns:inkml="http://www.w3.org/2003/InkML">
+  <inkml:definitions>
+    <inkml:context xml:id="ctx0">
+      <inkml:inkSource xml:id="inkSrc0">
+        <inkml:traceFormat>
+          <inkml:channel name="X" type="integer" min="-2.14748E9" max="2.14748E9" units="cm"/>
+          <inkml:channel name="Y" type="integer" min="-2.14748E9" max="2.14748E9" units="cm"/>
+          <inkml:channel name="F" type="integer" max="32767" units="dev"/>
+          <inkml:channel name="OA" type="integer" max="360" units="deg"/>
+          <inkml:channel name="OE" type="integer" max="90" units="deg"/>
+        </inkml:traceFormat>
+        <inkml:channelProperties>
+          <inkml:channelProperty channel="X" name="resolution" value="1000" units="1/cm"/>
+          <inkml:channelProperty channel="Y" name="resolution" value="1000" units="1/cm"/>
+          <inkml:channelProperty channel="F" name="resolution" value="0" units="1/dev"/>
+          <inkml:channelProperty channel="OA" name="resolution" value="1000" units="1/deg"/>
+          <inkml:channelProperty channel="OE" name="resolution" value="1000" units="1/deg"/>
+        </inkml:channelProperties>
+      </inkml:inkSource>
+      <inkml:timestamp xml:id="ts0" timeString="2021-05-19T15:01:07.197"/>
+    </inkml:context>
+    <inkml:brush xml:id="br0">
+      <inkml:brushProperty name="width" value="0.05" units="cm"/>
+      <inkml:brushProperty name="height" value="0.05" units="cm"/>
+      <inkml:brushProperty name="color" value="#FF0066"/>
+    </inkml:brush>
+  </inkml:definitions>
+  <inkml:trace contextRef="#ctx0" brushRef="#br0">1 143 14712 0 0,'0'0'1480'0'0,"1"-6"-794"0"0,54-116 5725 0 0,-49 108-5867 0 0,-6 13 97 0 0,1 2-566 0 0,2 2-51 0 0,0 0 1 0 0,1 0 0 0 0,-1-1 0 0 0,1 1 0 0 0,-1-1 0 0 0,1 0 0 0 0,0 0 0 0 0,0 0 0 0 0,-1 0-1 0 0,1-1 1 0 0,1 0 0 0 0,-1 0 0 0 0,7 2 0 0 0,-3-3-732 0 0,-1 0 0 0 0,0 0 0 0 0,1 0 0 0 0,-1-1 0 0 0,0 0-1 0 0,10-3 1 0 0,-2-1-6648 0 0</inkml:trace>
+</inkml:ink>
+</file>
+
+<file path=ppt/ink/ink28.xml><?xml version="1.0" encoding="utf-8"?>
+<inkml:ink xmlns:inkml="http://www.w3.org/2003/InkML">
+  <inkml:definitions>
+    <inkml:context xml:id="ctx0">
+      <inkml:inkSource xml:id="inkSrc0">
+        <inkml:traceFormat>
+          <inkml:channel name="X" type="integer" min="-2.14748E9" max="2.14748E9" units="cm"/>
+          <inkml:channel name="Y" type="integer" min="-2.14748E9" max="2.14748E9" units="cm"/>
+          <inkml:channel name="F" type="integer" max="32767" units="dev"/>
+          <inkml:channel name="OA" type="integer" max="360" units="deg"/>
+          <inkml:channel name="OE" type="integer" max="90" units="deg"/>
+        </inkml:traceFormat>
+        <inkml:channelProperties>
+          <inkml:channelProperty channel="X" name="resolution" value="1000" units="1/cm"/>
+          <inkml:channelProperty channel="Y" name="resolution" value="1000" units="1/cm"/>
+          <inkml:channelProperty channel="F" name="resolution" value="0" units="1/dev"/>
+          <inkml:channelProperty channel="OA" name="resolution" value="1000" units="1/deg"/>
+          <inkml:channelProperty channel="OE" name="resolution" value="1000" units="1/deg"/>
+        </inkml:channelProperties>
+      </inkml:inkSource>
+      <inkml:timestamp xml:id="ts0" timeString="2021-05-19T15:01:07.541"/>
+    </inkml:context>
+    <inkml:brush xml:id="br0">
+      <inkml:brushProperty name="width" value="0.05" units="cm"/>
+      <inkml:brushProperty name="height" value="0.05" units="cm"/>
+      <inkml:brushProperty name="color" value="#FF0066"/>
+    </inkml:brush>
+  </inkml:definitions>
+  <inkml:trace contextRef="#ctx0" brushRef="#br0">75 231 3680 0 0,'-8'7'250'0'0,"1"0"1"0"0,0 1-1 0 0,-10 13 1 0 0,12-13 1493 0 0,-1 1 1 0 0,1 1 0 0 0,1-1-1 0 0,0 1 1 0 0,0 0 0 0 0,-2 11-1 0 0,5-19-1589 0 0,1 0 0 0 0,0-1 0 0 0,-1 1 0 0 0,1 0 0 0 0,0 0 0 0 0,0 0 0 0 0,0 0 0 0 0,1 0 0 0 0,-1 0 0 0 0,0-1 0 0 0,1 1-1 0 0,-1 0 1 0 0,1 0 0 0 0,-1-1 0 0 0,1 1 0 0 0,0 0 0 0 0,0 0 0 0 0,2 2 0 0 0,-2-3-111 0 0,-1 0 0 0 0,1-1 0 0 0,0 1 1 0 0,0 0-1 0 0,0-1 0 0 0,0 1 0 0 0,0 0 0 0 0,0-1 0 0 0,0 1 1 0 0,0-1-1 0 0,0 0 0 0 0,0 1 0 0 0,0-1 0 0 0,0 0 0 0 0,0 1 0 0 0,0-1 1 0 0,0 0-1 0 0,0 0 0 0 0,0 0 0 0 0,0 0 0 0 0,0 0 0 0 0,0 0 1 0 0,0 0-1 0 0,0-1 0 0 0,1 1 0 0 0,-1 0 0 0 0,0-1 0 0 0,0 1 0 0 0,0 0 1 0 0,0-1-1 0 0,0 1 0 0 0,-1-1 0 0 0,1 0 0 0 0,1 0 0 0 0,8-5 43 0 0,-1-1 0 0 0,0 0 0 0 0,0-1-1 0 0,-1 0 1 0 0,0 0 0 0 0,0-1 0 0 0,-1 0-1 0 0,0 0 1 0 0,-1-1 0 0 0,0 1 0 0 0,0-1-1 0 0,-1-1 1 0 0,0 1 0 0 0,5-19 0 0 0,21-98 724 0 0,-26 104-501 0 0,-2 4 612 0 0,-1 0 0 0 0,-1-31 1 0 0,-1 48-785 0 0,0 1 421 0 0,0 3-549 0 0,0-1 0 0 0,0 1 1 0 0,1-1-1 0 0,-1 1 0 0 0,0-1 0 0 0,0 1 0 0 0,-1-1 1 0 0,1 1-1 0 0,0-1 0 0 0,0 1 0 0 0,-1-1 1 0 0,0 3-1 0 0,-2 10-30 0 0,3 8-720 0 0,6 41 0 0 0,-4-55-110 0 0,0 1 0 0 0,0-1 0 0 0,0 0 1 0 0,1 0-1 0 0,0 0 0 0 0,1 0 0 0 0,8 14 1 0 0,-1-9-6272 0 0</inkml:trace>
+</inkml:ink>
+</file>
+
+<file path=ppt/ink/ink29.xml><?xml version="1.0" encoding="utf-8"?>
+<inkml:ink xmlns:inkml="http://www.w3.org/2003/InkML">
+  <inkml:definitions>
+    <inkml:context xml:id="ctx0">
+      <inkml:inkSource xml:id="inkSrc0">
+        <inkml:traceFormat>
+          <inkml:channel name="X" type="integer" min="-2.14748E9" max="2.14748E9" units="cm"/>
+          <inkml:channel name="Y" type="integer" min="-2.14748E9" max="2.14748E9" units="cm"/>
+          <inkml:channel name="F" type="integer" max="32767" units="dev"/>
+          <inkml:channel name="OA" type="integer" max="360" units="deg"/>
+          <inkml:channel name="OE" type="integer" max="90" units="deg"/>
+        </inkml:traceFormat>
+        <inkml:channelProperties>
+          <inkml:channelProperty channel="X" name="resolution" value="1000" units="1/cm"/>
+          <inkml:channelProperty channel="Y" name="resolution" value="1000" units="1/cm"/>
+          <inkml:channelProperty channel="F" name="resolution" value="0" units="1/dev"/>
+          <inkml:channelProperty channel="OA" name="resolution" value="1000" units="1/deg"/>
+          <inkml:channelProperty channel="OE" name="resolution" value="1000" units="1/deg"/>
+        </inkml:channelProperties>
+      </inkml:inkSource>
+      <inkml:timestamp xml:id="ts0" timeString="2021-05-19T15:01:07.928"/>
+    </inkml:context>
+    <inkml:brush xml:id="br0">
+      <inkml:brushProperty name="width" value="0.05" units="cm"/>
+      <inkml:brushProperty name="height" value="0.05" units="cm"/>
+      <inkml:brushProperty name="color" value="#FF0066"/>
+    </inkml:brush>
+  </inkml:definitions>
+  <inkml:trace contextRef="#ctx0" brushRef="#br0">75 33 4144 0 0,'0'0'319'0'0,"-15"2"2412"0"0,11 0-856 0 0,0 0 0 0 0,0-1-1 0 0,0 2 1 0 0,0-1-1 0 0,-7 5 1 0 0,8-4-1570 0 0,1-1 1 0 0,-1 1-1 0 0,1-1 1 0 0,0 1-1 0 0,0 0 1 0 0,0 0-1 0 0,0 0 0 0 0,0 0 1 0 0,1 0-1 0 0,-1 0 1 0 0,1 1-1 0 0,0-1 1 0 0,-1 4-1 0 0,1-6-284 0 0,1 0 0 0 0,0 0 0 0 0,0 0 0 0 0,0-1 0 0 0,0 1 0 0 0,-1 0 0 0 0,1 0 0 0 0,0 0 0 0 0,0 0 1 0 0,1 0-1 0 0,-1 0 0 0 0,0-1 0 0 0,0 1 0 0 0,0 0 0 0 0,0 0 0 0 0,1 0 0 0 0,-1 0 0 0 0,0-1 0 0 0,1 1 0 0 0,-1 0 0 0 0,1 0 0 0 0,-1-1 0 0 0,1 1 0 0 0,-1 0 0 0 0,2 0 0 0 0,-1 0-7 0 0,0 0-1 0 0,1-1 0 0 0,-1 1 0 0 0,0 0 0 0 0,1-1 0 0 0,-1 1 0 0 0,1-1 0 0 0,-1 1 0 0 0,1-1 0 0 0,-1 0 1 0 0,1 0-1 0 0,-1 0 0 0 0,3 0 0 0 0,-1 0-63 0 0,1 0 0 0 0,0 0 1 0 0,0-1-1 0 0,0 1 0 0 0,0-1 1 0 0,0 0-1 0 0,-1 0 0 0 0,1-1 0 0 0,0 1 1 0 0,4-3-1 0 0,-1-2-776 0 0,-1 0 1 0 0,0-1 0 0 0,0 1-1 0 0,-1-1 1 0 0,0 0-1 0 0,0-1 1 0 0,5-10-1 0 0,4-5-2688 0 0,-12 21 3176 0 0,-1 0 0 0 0,0 0 1 0 0,0-1-1 0 0,0 1 1 0 0,0 0-1 0 0,-1 0 0 0 0,1-1 1 0 0,0-4 1456 0 0,1 9-540 0 0,-1 1 0 0 0,1-1 0 0 0,-1 1 0 0 0,1 0-1 0 0,-1-1 1 0 0,0 1 0 0 0,0 0 0 0 0,0 4 0 0 0,1-1-285 0 0,0-2-263 0 0,0 0 0 0 0,0 0-1 0 0,0 0 1 0 0,0 0 0 0 0,0 0 0 0 0,1-1 0 0 0,0 1-1 0 0,0-1 1 0 0,0 0 0 0 0,0 1 0 0 0,0-2-1 0 0,1 1 1 0 0,-1 0 0 0 0,1-1 0 0 0,0 1 0 0 0,-1-1-1 0 0,1 0 1 0 0,0 0 0 0 0,8 2 0 0 0,-8-3-262 0 0,0 0-1 0 0,0-1 1 0 0,0 1 0 0 0,0-1 0 0 0,0 0 0 0 0,0 0 0 0 0,0 0 0 0 0,0-1 0 0 0,-1 1 0 0 0,1-1 0 0 0,0 0 0 0 0,0 0 0 0 0,0 0 0 0 0,5-3 0 0 0,8-6-1049 0 0</inkml:trace>
+  <inkml:trace contextRef="#ctx0" brushRef="#br0" timeOffset="1">387 3 14512 0 0,'-3'1'227'0'0,"0"0"1"0"0,-1 1 0 0 0,1-1-1 0 0,0 1 1 0 0,0 0 0 0 0,0 0-1 0 0,0 0 1 0 0,0 0 0 0 0,1 0-1 0 0,-1 1 1 0 0,0-1 0 0 0,-2 4-1 0 0,-4 6 1777 0 0,-12 21-1 0 0,8-13-1071 0 0,0 4-760 0 0,0 1 0 0 0,1 0 0 0 0,-10 32-1 0 0,7-16-6151 0 0,6-16-1385 0 0</inkml:trace>
+</inkml:ink>
+</file>
+
+<file path=ppt/ink/ink3.xml><?xml version="1.0" encoding="utf-8"?>
+<inkml:ink xmlns:inkml="http://www.w3.org/2003/InkML">
+  <inkml:definitions>
+    <inkml:context xml:id="ctx0">
+      <inkml:inkSource xml:id="inkSrc0">
+        <inkml:traceFormat>
+          <inkml:channel name="X" type="integer" min="-2.14748E9" max="2.14748E9" units="cm"/>
+          <inkml:channel name="Y" type="integer" min="-2.14748E9" max="2.14748E9" units="cm"/>
+          <inkml:channel name="F" type="integer" max="32767" units="dev"/>
+          <inkml:channel name="OA" type="integer" max="360" units="deg"/>
+          <inkml:channel name="OE" type="integer" max="90" units="deg"/>
+        </inkml:traceFormat>
+        <inkml:channelProperties>
+          <inkml:channelProperty channel="X" name="resolution" value="1000" units="1/cm"/>
+          <inkml:channelProperty channel="Y" name="resolution" value="1000" units="1/cm"/>
+          <inkml:channelProperty channel="F" name="resolution" value="0" units="1/dev"/>
+          <inkml:channelProperty channel="OA" name="resolution" value="1000" units="1/deg"/>
+          <inkml:channelProperty channel="OE" name="resolution" value="1000" units="1/deg"/>
+        </inkml:channelProperties>
+      </inkml:inkSource>
+      <inkml:timestamp xml:id="ts0" timeString="2021-05-19T15:00:43.659"/>
+    </inkml:context>
+    <inkml:brush xml:id="br0">
+      <inkml:brushProperty name="width" value="0.05" units="cm"/>
+      <inkml:brushProperty name="height" value="0.05" units="cm"/>
+      <inkml:brushProperty name="color" value="#FF0066"/>
+    </inkml:brush>
+  </inkml:definitions>
+  <inkml:trace contextRef="#ctx0" brushRef="#br0">92 6 2760 0 0,'-1'0'20'0'0,"-1"1"0"0"0,1-1 0 0 0,0 1 0 0 0,0-1 0 0 0,0 0 0 0 0,0 0 0 0 0,0 1 0 0 0,-1-1 0 0 0,1 0 0 0 0,0 0 0 0 0,0 0 0 0 0,-2 0 0 0 0,-6-1 216 0 0,-4 4 2934 0 0,12-3-2921 0 0,0 1 1 0 0,0-1-1 0 0,0 1 1 0 0,0-1-1 0 0,0 0 0 0 0,0 0 1 0 0,0 0-1 0 0,-1 1 1 0 0,1-1-1 0 0,0 0 0 0 0,0 0 1 0 0,0 0-1 0 0,0-1 1 0 0,0 1-1 0 0,-1 0 1 0 0,1 0-1 0 0,0-1 0 0 0,0 1 1 0 0,-1-1-1 0 0,-3-2 652 0 0,-8-5 1666 0 0,2 9 4021 0 0,11 1-6309 0 0,0 0 0 0 0,0 0 0 0 0,0 0 1 0 0,0 0-1 0 0,0 0 0 0 0,0 0 0 0 0,2 4 0 0 0,9-1-92 0 0,1 0 1 0 0,0-2-1 0 0,0 1 0 0 0,1-2 0 0 0,18 3 0 0 0,-5-1-30 0 0,20 2 110 0 0,0-1 0 0 0,51-2 0 0 0,95-12 655 0 0,6 0-61 0 0,51 2 3 0 0,-152 2-544 0 0,57 11 274 0 0,-29 0-109 0 0,-49-2-207 0 0,-43-2 51 0 0,39-2 1 0 0,-37-1-104 0 0,0 2 0 0 0,-1 1 0 0 0,60 11 0 0 0,-85-11-204 0 0,0-1 0 0 0,0 0 0 0 0,0-1 0 0 0,0 0 1 0 0,0 0-1 0 0,10-2 0 0 0,-13 0 20 0 0,-1-1-43 0 0,-4 2-87 0 0,-1 0 0 0 0,1-1 0 0 0,0 1 1 0 0,-1 0-1 0 0,1 0 0 0 0,0 0 0 0 0,-1-1 0 0 0,1 1 0 0 0,-1 0 1 0 0,0-1-1 0 0,1 1 0 0 0,-1 0 0 0 0,0-1 0 0 0,0 1 0 0 0,0-1 1 0 0,0 1-1 0 0,0 0 0 0 0,0-1 0 0 0,-1 1 0 0 0,1 0 0 0 0,0-1 0 0 0,-1-2 1 0 0,-1-1-929 0 0,1-4-560 0 0,-6-1-64 0 0</inkml:trace>
+</inkml:ink>
+</file>
+
+<file path=ppt/ink/ink30.xml><?xml version="1.0" encoding="utf-8"?>
+<inkml:ink xmlns:inkml="http://www.w3.org/2003/InkML">
+  <inkml:definitions>
+    <inkml:context xml:id="ctx0">
+      <inkml:inkSource xml:id="inkSrc0">
+        <inkml:traceFormat>
+          <inkml:channel name="X" type="integer" min="-2.14748E9" max="2.14748E9" units="cm"/>
+          <inkml:channel name="Y" type="integer" min="-2.14748E9" max="2.14748E9" units="cm"/>
+          <inkml:channel name="F" type="integer" max="32767" units="dev"/>
+          <inkml:channel name="OA" type="integer" max="360" units="deg"/>
+          <inkml:channel name="OE" type="integer" max="90" units="deg"/>
+        </inkml:traceFormat>
+        <inkml:channelProperties>
+          <inkml:channelProperty channel="X" name="resolution" value="1000" units="1/cm"/>
+          <inkml:channelProperty channel="Y" name="resolution" value="1000" units="1/cm"/>
+          <inkml:channelProperty channel="F" name="resolution" value="0" units="1/dev"/>
+          <inkml:channelProperty channel="OA" name="resolution" value="1000" units="1/deg"/>
+          <inkml:channelProperty channel="OE" name="resolution" value="1000" units="1/deg"/>
+        </inkml:channelProperties>
+      </inkml:inkSource>
+      <inkml:timestamp xml:id="ts0" timeString="2021-05-19T15:01:09.021"/>
+    </inkml:context>
+    <inkml:brush xml:id="br0">
+      <inkml:brushProperty name="width" value="0.05" units="cm"/>
+      <inkml:brushProperty name="height" value="0.05" units="cm"/>
+      <inkml:brushProperty name="color" value="#FF0066"/>
+    </inkml:brush>
+  </inkml:definitions>
+  <inkml:trace contextRef="#ctx0" brushRef="#br0">1 33 3224 0 0,'7'-8'1107'0'0,"1"-5"6263"0"0,-4 5-5694 0 0,-3 7-1000 0 0,3 0 826 0 0,-4 1-1425 0 0,0 0 0 0 0,1 0-1 0 0,-1-1 1 0 0,0 1 0 0 0,1 0-1 0 0,-1 0 1 0 0,0 0 0 0 0,1 0-1 0 0,-1 0 1 0 0,1 0 0 0 0,-1 0-1 0 0,0 0 1 0 0,1 0 0 0 0,-1 0-1 0 0,0 0 1 0 0,1 0 0 0 0,-1 0-1 0 0,1 0 1 0 0,-1 0 0 0 0,0 0-1 0 0,1 0 1 0 0,-1 0 0 0 0,0 1-1 0 0,1-1 1 0 0,-1 0 0 0 0,0 0-1 0 0,1 0 1 0 0,-1 1 0 0 0,0-1-1 0 0,1 0 1 0 0,-1 0 0 0 0,0 1-1 0 0,0-1 1 0 0,1 0 0 0 0,-1 1-1 0 0,0-1 1 0 0,0 0 0 0 0,0 1-1 0 0,1-1 1 0 0,0 5 51 0 0,1 0-1 0 0,-1 0 1 0 0,-1 0 0 0 0,1 0 0 0 0,-1 0-1 0 0,1 7 1 0 0,-2-6-10 0 0,2-1 0 0 0,-1 0 0 0 0,1 1 0 0 0,-1-1-1 0 0,3 7 1 0 0,-2-10 728 0 0,2-6-664 0 0,0 0 1 0 0,0 0 0 0 0,-1 0-1 0 0,1 0 1 0 0,2-6 0 0 0,-3 5-266 0 0,0 0 0 0 0,1 0 0 0 0,0 1 0 0 0,4-6 0 0 0,-5 8-271 0 0,0 0-1 0 0,0 0 1 0 0,0 0-1 0 0,0 0 1 0 0,1 0 0 0 0,-1 1-1 0 0,1-1 1 0 0,-1 0 0 0 0,1 1-1 0 0,0 0 1 0 0,0 0-1 0 0,-1 0 1 0 0,1 0 0 0 0,0 0-1 0 0,0 0 1 0 0,0 1 0 0 0,0 0-1 0 0,4-1 1 0 0,21 7-3162 0 0,-26-6 3490 0 0,-1 1 0 0 0,1 0 0 0 0,-1 0-1 0 0,1-1 1 0 0,-1 1 0 0 0,0 0 0 0 0,1 0 0 0 0,-1 0 0 0 0,0 1 0 0 0,1-1-1 0 0,-1 0 1 0 0,0 0 0 0 0,0 1 0 0 0,0-1 0 0 0,1 3 0 0 0,7 19 1908 0 0,-8-18-1706 0 0,0 10 2135 0 0,1-10-6221 0 0</inkml:trace>
+</inkml:ink>
+</file>
+
+<file path=ppt/ink/ink31.xml><?xml version="1.0" encoding="utf-8"?>
+<inkml:ink xmlns:inkml="http://www.w3.org/2003/InkML">
+  <inkml:definitions>
+    <inkml:context xml:id="ctx0">
+      <inkml:inkSource xml:id="inkSrc0">
+        <inkml:traceFormat>
+          <inkml:channel name="X" type="integer" min="-2.14748E9" max="2.14748E9" units="cm"/>
+          <inkml:channel name="Y" type="integer" min="-2.14748E9" max="2.14748E9" units="cm"/>
+          <inkml:channel name="F" type="integer" max="32767" units="dev"/>
+          <inkml:channel name="OA" type="integer" max="360" units="deg"/>
+          <inkml:channel name="OE" type="integer" max="90" units="deg"/>
+        </inkml:traceFormat>
+        <inkml:channelProperties>
+          <inkml:channelProperty channel="X" name="resolution" value="1000" units="1/cm"/>
+          <inkml:channelProperty channel="Y" name="resolution" value="1000" units="1/cm"/>
+          <inkml:channelProperty channel="F" name="resolution" value="0" units="1/dev"/>
+          <inkml:channelProperty channel="OA" name="resolution" value="1000" units="1/deg"/>
+          <inkml:channelProperty channel="OE" name="resolution" value="1000" units="1/deg"/>
+        </inkml:channelProperties>
+      </inkml:inkSource>
+      <inkml:timestamp xml:id="ts0" timeString="2021-05-19T15:01:09.379"/>
+    </inkml:context>
+    <inkml:brush xml:id="br0">
+      <inkml:brushProperty name="width" value="0.05" units="cm"/>
+      <inkml:brushProperty name="height" value="0.05" units="cm"/>
+      <inkml:brushProperty name="color" value="#FF0066"/>
+    </inkml:brush>
+  </inkml:definitions>
+  <inkml:trace contextRef="#ctx0" brushRef="#br0">14 3 4608 0 0,'-11'-2'13319'0'0,"9"2"-12255"0"0</inkml:trace>
+</inkml:ink>
+</file>
+
+<file path=ppt/ink/ink32.xml><?xml version="1.0" encoding="utf-8"?>
+<inkml:ink xmlns:inkml="http://www.w3.org/2003/InkML">
+  <inkml:definitions>
+    <inkml:context xml:id="ctx0">
+      <inkml:inkSource xml:id="inkSrc0">
+        <inkml:traceFormat>
+          <inkml:channel name="X" type="integer" min="-2.14748E9" max="2.14748E9" units="cm"/>
+          <inkml:channel name="Y" type="integer" min="-2.14748E9" max="2.14748E9" units="cm"/>
+          <inkml:channel name="F" type="integer" max="32767" units="dev"/>
+          <inkml:channel name="OA" type="integer" max="360" units="deg"/>
+          <inkml:channel name="OE" type="integer" max="90" units="deg"/>
+        </inkml:traceFormat>
+        <inkml:channelProperties>
+          <inkml:channelProperty channel="X" name="resolution" value="1000" units="1/cm"/>
+          <inkml:channelProperty channel="Y" name="resolution" value="1000" units="1/cm"/>
+          <inkml:channelProperty channel="F" name="resolution" value="0" units="1/dev"/>
+          <inkml:channelProperty channel="OA" name="resolution" value="1000" units="1/deg"/>
+          <inkml:channelProperty channel="OE" name="resolution" value="1000" units="1/deg"/>
+        </inkml:channelProperties>
+      </inkml:inkSource>
+      <inkml:timestamp xml:id="ts0" timeString="2021-05-19T15:01:10.100"/>
+    </inkml:context>
+    <inkml:brush xml:id="br0">
+      <inkml:brushProperty name="width" value="0.05" units="cm"/>
+      <inkml:brushProperty name="height" value="0.05" units="cm"/>
+      <inkml:brushProperty name="color" value="#FF0066"/>
+    </inkml:brush>
+  </inkml:definitions>
+  <inkml:trace contextRef="#ctx0" brushRef="#br0">31 40 4608 0 0,'-6'-5'235'0'0,"0"0"-1"0"0,-13-17 15524 0 0,21 21-15659 0 0,-1 0 0 0 0,1 0 0 0 0,0 0 0 0 0,0 1 0 0 0,0-1 0 0 0,0 0 0 0 0,-1 1 1 0 0,1-1-1 0 0,0 1 0 0 0,0 0 0 0 0,0 0 0 0 0,0 0 0 0 0,0 0 0 0 0,3 0 0 0 0,130 25 926 0 0,-73-12-778 0 0,-1-1 28 0 0,86 15 352 0 0,389 31 1680 0 0,-363-54-2046 0 0,-49-1-53 0 0,52 5 68 0 0,139 2 397 0 0,-242-10-521 0 0,219-3 240 0 0,9 4-236 0 0,-122 1-93 0 0,-30 1-43 0 0,46 0 33 0 0,-37-4 99 0 0,142-7 467 0 0,-57-6-202 0 0,-160 9-1618 0 0,-28 4-3464 0 0,-43 1 1797 0 0,2-2-5130 0 0</inkml:trace>
+</inkml:ink>
+</file>
+
+<file path=ppt/ink/ink4.xml><?xml version="1.0" encoding="utf-8"?>
+<inkml:ink xmlns:inkml="http://www.w3.org/2003/InkML">
+  <inkml:definitions>
+    <inkml:context xml:id="ctx0">
+      <inkml:inkSource xml:id="inkSrc0">
+        <inkml:traceFormat>
+          <inkml:channel name="X" type="integer" min="-2.14748E9" max="2.14748E9" units="cm"/>
+          <inkml:channel name="Y" type="integer" min="-2.14748E9" max="2.14748E9" units="cm"/>
+          <inkml:channel name="F" type="integer" max="32767" units="dev"/>
+          <inkml:channel name="OA" type="integer" max="360" units="deg"/>
+          <inkml:channel name="OE" type="integer" max="90" units="deg"/>
+        </inkml:traceFormat>
+        <inkml:channelProperties>
+          <inkml:channelProperty channel="X" name="resolution" value="1000" units="1/cm"/>
+          <inkml:channelProperty channel="Y" name="resolution" value="1000" units="1/cm"/>
+          <inkml:channelProperty channel="F" name="resolution" value="0" units="1/dev"/>
+          <inkml:channelProperty channel="OA" name="resolution" value="1000" units="1/deg"/>
+          <inkml:channelProperty channel="OE" name="resolution" value="1000" units="1/deg"/>
+        </inkml:channelProperties>
+      </inkml:inkSource>
+      <inkml:timestamp xml:id="ts0" timeString="2021-05-19T15:00:53.725"/>
+    </inkml:context>
+    <inkml:brush xml:id="br0">
+      <inkml:brushProperty name="width" value="0.05" units="cm"/>
+      <inkml:brushProperty name="height" value="0.05" units="cm"/>
+      <inkml:brushProperty name="color" value="#FF0066"/>
+    </inkml:brush>
+  </inkml:definitions>
+  <inkml:trace contextRef="#ctx0" brushRef="#br0">0 48 8288 0 0,'0'0'756'0'0,"0"-20"980"0"0,0 17-1714 0 0,1-18 6354 0 0,-1 20-6307 0 0,0 1-1 0 0,0 0 0 0 0,0 0 1 0 0,0 0-1 0 0,0 0 0 0 0,1-2 1709 0 0,-1 2-1709 0 0,0 0 0 0 0,0 0 1 0 0,0 0-1 0 0,0 0 0 0 0,0 0 1 0 0,0 0-1 0 0,1 0 0 0 0,-1 0 1 0 0,0 0-1 0 0,0 0 0 0 0,0 0 1 0 0,0 0-1 0 0,0 0 0 0 0,0 0 1 0 0,0 0-1 0 0,1 0 0 0 0,3 10 429 0 0,1 7-339 0 0,-2 1 0 0 0,0-1 0 0 0,-1 1 0 0 0,-1 0-1 0 0,0 0 1 0 0,-3 20 0 0 0,1 3-81 0 0,1 19-66 0 0,-3 127 282 0 0,3-165-111 0 0,2 26-1 0 0,1 2 476 0 0,-3-49-65 0 0,1-2-426 0 0,2-4-67 0 0,0-1 0 0 0,0 1 0 0 0,0 0 0 0 0,-1-1 0 0 0,0 1 0 0 0,2-9 0 0 0,7-41 260 0 0,-5 23-200 0 0,26-154 686 0 0,-31 181-779 0 0,7 17 4 0 0,13 68-105 0 0,-14-52 7 0 0,10 32 1 0 0,-8-37-5 0 0,23 42 0 0 0,-26-54 23 0 0,1 0 0 0 0,1-1 0 0 0,0 0 0 0 0,0 0 0 0 0,16 14 0 0 0,-22-22 11 0 0,0-1 0 0 0,0 1 0 0 0,1-1-1 0 0,-1 0 1 0 0,0 1 0 0 0,1-1 0 0 0,-1 0 0 0 0,1 0 0 0 0,-1-1-1 0 0,1 1 1 0 0,0 0 0 0 0,-1-1 0 0 0,1 0 0 0 0,0 1 0 0 0,-1-1-1 0 0,1 0 1 0 0,0-1 0 0 0,0 1 0 0 0,-1 0 0 0 0,1-1 0 0 0,-1 1-1 0 0,1-1 1 0 0,0 0 0 0 0,-1 0 0 0 0,1 0 0 0 0,2-1-1 0 0,0-1 57 0 0,1-1-1 0 0,-1 1 1 0 0,0-1-1 0 0,0 0 1 0 0,0 0-1 0 0,-1 0 1 0 0,1-1-1 0 0,-1 1 1 0 0,0-1-1 0 0,4-7 1 0 0,-1-1 101 0 0,0 0 0 0 0,-1 0 1 0 0,0 0-1 0 0,5-23 1 0 0,10-58 289 0 0,-15 64-332 0 0,17-114 174 0 0,-23 91-2104 0 0</inkml:trace>
+</inkml:ink>
+</file>
+
+<file path=ppt/ink/ink5.xml><?xml version="1.0" encoding="utf-8"?>
+<inkml:ink xmlns:inkml="http://www.w3.org/2003/InkML">
+  <inkml:definitions>
+    <inkml:context xml:id="ctx0">
+      <inkml:inkSource xml:id="inkSrc0">
+        <inkml:traceFormat>
+          <inkml:channel name="X" type="integer" min="-2.14748E9" max="2.14748E9" units="cm"/>
+          <inkml:channel name="Y" type="integer" min="-2.14748E9" max="2.14748E9" units="cm"/>
+          <inkml:channel name="F" type="integer" max="32767" units="dev"/>
+          <inkml:channel name="OA" type="integer" max="360" units="deg"/>
+          <inkml:channel name="OE" type="integer" max="90" units="deg"/>
+        </inkml:traceFormat>
+        <inkml:channelProperties>
+          <inkml:channelProperty channel="X" name="resolution" value="1000" units="1/cm"/>
+          <inkml:channelProperty channel="Y" name="resolution" value="1000" units="1/cm"/>
+          <inkml:channelProperty channel="F" name="resolution" value="0" units="1/dev"/>
+          <inkml:channelProperty channel="OA" name="resolution" value="1000" units="1/deg"/>
+          <inkml:channelProperty channel="OE" name="resolution" value="1000" units="1/deg"/>
+        </inkml:channelProperties>
+      </inkml:inkSource>
+      <inkml:timestamp xml:id="ts0" timeString="2021-05-19T15:00:54.325"/>
+    </inkml:context>
+    <inkml:brush xml:id="br0">
+      <inkml:brushProperty name="width" value="0.05" units="cm"/>
+      <inkml:brushProperty name="height" value="0.05" units="cm"/>
+      <inkml:brushProperty name="color" value="#FF0066"/>
+    </inkml:brush>
+  </inkml:definitions>
+  <inkml:trace contextRef="#ctx0" brushRef="#br0">1 203 6448 0 0,'0'0'585'0'0,"14"5"1539"0"0,-10-6-1314 0 0,-1 1 0 0 0,1-1 0 0 0,-1 1 1 0 0,1-1-1 0 0,-1 0 0 0 0,1 0 0 0 0,-1-1 0 0 0,1 1 0 0 0,3-3 0 0 0,30-21 974 0 0,-23 15-1000 0 0,-8 4-565 0 0,0 1-1 0 0,-1-1 1 0 0,0-1-1 0 0,1 1 1 0 0,-2-1-1 0 0,1 1 1 0 0,6-15-1 0 0,-3 7-230 0 0,-5 8 61 0 0,1-1 0 0 0,-2 1 0 0 0,4-10 1 0 0,-5 13-22 0 0,0 1 1 0 0,-1-1-1 0 0,1 1 1 0 0,-1-1 0 0 0,1 1-1 0 0,-1-1 1 0 0,0 1 0 0 0,0-1-1 0 0,0 0 1 0 0,-1 1-1 0 0,1-1 1 0 0,-1 1 0 0 0,0-3-1 0 0,1 4-13 0 0,0 1-1 0 0,0-1 0 0 0,-1 1 1 0 0,1-1-1 0 0,0 1 0 0 0,0-1 1 0 0,-1 1-1 0 0,1-1 0 0 0,0 1 0 0 0,0 0 1 0 0,-1-1-1 0 0,1 1 0 0 0,-1 0 1 0 0,1-1-1 0 0,0 1 0 0 0,-1 0 1 0 0,1-1-1 0 0,-1 1 0 0 0,1 0 1 0 0,0 0-1 0 0,-1-1 0 0 0,1 1 1 0 0,-1 0-1 0 0,1 0 0 0 0,-1 0 1 0 0,1 0-1 0 0,-1 0 0 0 0,1 0 0 0 0,-2-1 1 0 0,1 2 17 0 0,0-1 0 0 0,0 0 0 0 0,0 1 1 0 0,0-1-1 0 0,0 1 0 0 0,0-1 0 0 0,0 1 0 0 0,0 0 1 0 0,0-1-1 0 0,0 1 0 0 0,0 0 0 0 0,-1 1 0 0 0,-2 2 50 0 0,1 0 0 0 0,-1 0-1 0 0,1 0 1 0 0,-5 9-1 0 0,2-1 275 0 0,1 0 1 0 0,-7 24-1 0 0,11-31-256 0 0,0 0 0 0 0,0 0 0 0 0,0 1 1 0 0,1-1-1 0 0,-1 0 0 0 0,1 0 0 0 0,1 0 0 0 0,-1 1 0 0 0,1-1 1 0 0,1 6-1 0 0,-1-9-86 0 0,-1-1 0 0 0,1 1 0 0 0,0 0 0 0 0,0 0 0 0 0,0 0 0 0 0,0-1 0 0 0,0 1 0 0 0,0-1 0 0 0,0 1 0 0 0,0-1 0 0 0,1 1 0 0 0,-1-1 0 0 0,1 0 1 0 0,-1 1-1 0 0,1-1 0 0 0,0 0 0 0 0,1 1 0 0 0,0-1-49 0 0,0 0 1 0 0,1 0 0 0 0,-1 0 0 0 0,0 0-1 0 0,0-1 1 0 0,1 1 0 0 0,-1-1 0 0 0,0 0-1 0 0,5 0 1 0 0,4-1-996 0 0,-1-1 0 0 0,1 0 0 0 0,-1-1 0 0 0,18-6 0 0 0,-10 2-2962 0 0,0 0-1 0 0,25-3 1 0 0,-7 6 3584 0 0,-33 5 1050 0 0,-1-1-1 0 0,1-1 0 0 0,0 1 1 0 0,0-1-1 0 0,0 1 1 0 0,0-1-1 0 0,-1 0 1 0 0,1-1-1 0 0,0 1 1 0 0,-1-1-1 0 0,1 1 1 0 0,5-5-1 0 0,-7 5-433 0 0,0-1 0 0 0,-1 0 0 0 0,1 0 0 0 0,0 0 0 0 0,-1 0 1 0 0,1 0-1 0 0,-1 0 0 0 0,1 0 0 0 0,-1-1 0 0 0,0 1 0 0 0,0 0 0 0 0,0-1 0 0 0,0 1 0 0 0,-1-1 0 0 0,1 1 1 0 0,-1-1-1 0 0,1 1 0 0 0,-1-1 0 0 0,0 0 0 0 0,0-2 0 0 0,0 3-143 0 0,0 0 1 0 0,0 0-1 0 0,0 0 1 0 0,0 0-1 0 0,0 0 0 0 0,0 0 1 0 0,0 0-1 0 0,-1-1 1 0 0,1 1-1 0 0,-1 0 1 0 0,0 1-1 0 0,0-1 0 0 0,1 0 1 0 0,-1 0-1 0 0,0 0 1 0 0,-1 0-1 0 0,1 1 0 0 0,0-1 1 0 0,0 0-1 0 0,-1 1 1 0 0,1-1-1 0 0,-1 1 0 0 0,1 0 1 0 0,-1-1-1 0 0,0 1 1 0 0,1 0-1 0 0,-1 0 0 0 0,0 0 1 0 0,0 0-1 0 0,0 0 1 0 0,0 1-1 0 0,0-1 0 0 0,0 0 1 0 0,0 1-1 0 0,-3-1 1 0 0,4 1-22 0 0,0 0 0 0 0,0 0 0 0 0,0 0 0 0 0,0 0 0 0 0,0 1 0 0 0,0-1 0 0 0,0 0 0 0 0,0 0 0 0 0,0 1 0 0 0,0-1 0 0 0,0 1 0 0 0,0-1 0 0 0,0 1 0 0 0,0-1 0 0 0,0 1 0 0 0,0-1 0 0 0,0 1 0 0 0,1 0 0 0 0,-2 1 0 0 0,-15 18 585 0 0,12-13-364 0 0,1-2-143 0 0,1 0 0 0 0,-1 0 0 0 0,1 1-1 0 0,1-1 1 0 0,-1 1 0 0 0,1 0 0 0 0,0-1-1 0 0,0 1 1 0 0,1 0 0 0 0,-2 9 0 0 0,3-10-89 0 0,-1-1 1 0 0,1 0 0 0 0,0 0-1 0 0,0 0 1 0 0,1 0 0 0 0,-1 0-1 0 0,1 1 1 0 0,0-1 0 0 0,0 0-1 0 0,0 0 1 0 0,0 0 0 0 0,1-1-1 0 0,0 1 1 0 0,-1 0 0 0 0,1 0 0 0 0,3 3-1 0 0,4 5-29 0 0,-8-10-42 0 0,0 0-1 0 0,1-1 1 0 0,-1 1-1 0 0,1 0 0 0 0,-1 0 1 0 0,1-1-1 0 0,0 1 1 0 0,-1-1-1 0 0,1 1 1 0 0,0-1-1 0 0,3 2 1 0 0,-3-2-143 0 0,1 1 1 0 0,-1-1-1 0 0,1 0 1 0 0,-1 0 0 0 0,1 0-1 0 0,0-1 1 0 0,-1 1 0 0 0,1 0-1 0 0,0-1 1 0 0,3 0 0 0 0,5 0-1362 0 0</inkml:trace>
+</inkml:ink>
+</file>
+
+<file path=ppt/ink/ink6.xml><?xml version="1.0" encoding="utf-8"?>
+<inkml:ink xmlns:inkml="http://www.w3.org/2003/InkML">
+  <inkml:definitions>
+    <inkml:context xml:id="ctx0">
+      <inkml:inkSource xml:id="inkSrc0">
+        <inkml:traceFormat>
+          <inkml:channel name="X" type="integer" min="-2.14748E9" max="2.14748E9" units="cm"/>
+          <inkml:channel name="Y" type="integer" min="-2.14748E9" max="2.14748E9" units="cm"/>
+          <inkml:channel name="F" type="integer" max="32767" units="dev"/>
+          <inkml:channel name="OA" type="integer" max="360" units="deg"/>
+          <inkml:channel name="OE" type="integer" max="90" units="deg"/>
+        </inkml:traceFormat>
+        <inkml:channelProperties>
+          <inkml:channelProperty channel="X" name="resolution" value="1000" units="1/cm"/>
+          <inkml:channelProperty channel="Y" name="resolution" value="1000" units="1/cm"/>
+          <inkml:channelProperty channel="F" name="resolution" value="0" units="1/dev"/>
+          <inkml:channelProperty channel="OA" name="resolution" value="1000" units="1/deg"/>
+          <inkml:channelProperty channel="OE" name="resolution" value="1000" units="1/deg"/>
+        </inkml:channelProperties>
+      </inkml:inkSource>
+      <inkml:timestamp xml:id="ts0" timeString="2021-05-19T15:00:54.702"/>
+    </inkml:context>
+    <inkml:brush xml:id="br0">
+      <inkml:brushProperty name="width" value="0.05" units="cm"/>
+      <inkml:brushProperty name="height" value="0.05" units="cm"/>
+      <inkml:brushProperty name="color" value="#FF0066"/>
+    </inkml:brush>
+  </inkml:definitions>
+  <inkml:trace contextRef="#ctx0" brushRef="#br0">90 1 4608 0 0,'-1'0'22'0'0,"0"0"0"0"0,0 0 0 0 0,0 0 0 0 0,0 0 0 0 0,0 1 1 0 0,1-1-1 0 0,-1 0 0 0 0,0 1 0 0 0,0-1 0 0 0,0 0 0 0 0,0 1 0 0 0,1-1 0 0 0,-2 2 0 0 0,0-1 568 0 0,0 1-1 0 0,1 0 1 0 0,-1 0-1 0 0,0 0 1 0 0,1 0-1 0 0,-1 0 1 0 0,-1 4-1 0 0,-11 33 5959 0 0,1-10-5893 0 0,10-22-516 0 0,0 0 0 0 0,0 0 1 0 0,-2 10-1 0 0,-1 7 140 0 0,1-3 351 0 0,-4 29 0 0 0,9-43-430 0 0,-1 0-1 0 0,1 1 0 0 0,1-1 1 0 0,-1 0-1 0 0,1 0 0 0 0,0 0 0 0 0,1 0 1 0 0,2 8-1 0 0,-3-13-170 0 0,0 0 0 0 0,0 0 0 0 0,0 0 0 0 0,0 0 1 0 0,0 0-1 0 0,1 0 0 0 0,-1 0 0 0 0,0 0 0 0 0,1-1 0 0 0,0 1 0 0 0,-1 0 0 0 0,1-1 0 0 0,0 0 1 0 0,0 1-1 0 0,0-1 0 0 0,0 0 0 0 0,0 0 0 0 0,0 0 0 0 0,0 0 0 0 0,0 0 0 0 0,0-1 0 0 0,1 1 0 0 0,-1-1 1 0 0,0 1-1 0 0,0-1 0 0 0,1 0 0 0 0,-1 0 0 0 0,0 0 0 0 0,1 0 0 0 0,-1 0 0 0 0,0 0 0 0 0,0-1 0 0 0,1 1 1 0 0,-1-1-1 0 0,0 0 0 0 0,0 1 0 0 0,0-1 0 0 0,0 0 0 0 0,0 0 0 0 0,4-3 0 0 0,1-1-754 0 0,0-1-1 0 0,0 1 1 0 0,0-2-1 0 0,-1 1 1 0 0,7-10-1 0 0,-4 2-840 0 0</inkml:trace>
+</inkml:ink>
+</file>
+
+<file path=ppt/ink/ink7.xml><?xml version="1.0" encoding="utf-8"?>
+<inkml:ink xmlns:inkml="http://www.w3.org/2003/InkML">
+  <inkml:definitions>
+    <inkml:context xml:id="ctx0">
+      <inkml:inkSource xml:id="inkSrc0">
+        <inkml:traceFormat>
+          <inkml:channel name="X" type="integer" min="-2.14748E9" max="2.14748E9" units="cm"/>
+          <inkml:channel name="Y" type="integer" min="-2.14748E9" max="2.14748E9" units="cm"/>
+          <inkml:channel name="F" type="integer" max="32767" units="dev"/>
+          <inkml:channel name="OA" type="integer" max="360" units="deg"/>
+          <inkml:channel name="OE" type="integer" max="90" units="deg"/>
+        </inkml:traceFormat>
+        <inkml:channelProperties>
+          <inkml:channelProperty channel="X" name="resolution" value="1000" units="1/cm"/>
+          <inkml:channelProperty channel="Y" name="resolution" value="1000" units="1/cm"/>
+          <inkml:channelProperty channel="F" name="resolution" value="0" units="1/dev"/>
+          <inkml:channelProperty channel="OA" name="resolution" value="1000" units="1/deg"/>
+          <inkml:channelProperty channel="OE" name="resolution" value="1000" units="1/deg"/>
+        </inkml:channelProperties>
+      </inkml:inkSource>
+      <inkml:timestamp xml:id="ts0" timeString="2021-05-19T15:00:55.090"/>
+    </inkml:context>
+    <inkml:brush xml:id="br0">
+      <inkml:brushProperty name="width" value="0.05" units="cm"/>
+      <inkml:brushProperty name="height" value="0.05" units="cm"/>
+      <inkml:brushProperty name="color" value="#FF0066"/>
+    </inkml:brush>
+  </inkml:definitions>
+  <inkml:trace contextRef="#ctx0" brushRef="#br0">98 1 5984 0 0,'-2'8'319'0'0,"-1"0"0"0"0,0 0 0 0 0,0 0 0 0 0,-7 11 1 0 0,-5 10 4018 0 0,5-3 466 0 0,-28 73 1159 0 0,25-52-4409 0 0,15-43-2181 0 0,9 2-6438 0 0,-3-5-66 0 0</inkml:trace>
+</inkml:ink>
+</file>
+
+<file path=ppt/ink/ink8.xml><?xml version="1.0" encoding="utf-8"?>
+<inkml:ink xmlns:inkml="http://www.w3.org/2003/InkML">
+  <inkml:definitions>
+    <inkml:context xml:id="ctx0">
+      <inkml:inkSource xml:id="inkSrc0">
+        <inkml:traceFormat>
+          <inkml:channel name="X" type="integer" min="-2.14748E9" max="2.14748E9" units="cm"/>
+          <inkml:channel name="Y" type="integer" min="-2.14748E9" max="2.14748E9" units="cm"/>
+          <inkml:channel name="F" type="integer" max="32767" units="dev"/>
+          <inkml:channel name="OA" type="integer" max="360" units="deg"/>
+          <inkml:channel name="OE" type="integer" max="90" units="deg"/>
+        </inkml:traceFormat>
+        <inkml:channelProperties>
+          <inkml:channelProperty channel="X" name="resolution" value="1000" units="1/cm"/>
+          <inkml:channelProperty channel="Y" name="resolution" value="1000" units="1/cm"/>
+          <inkml:channelProperty channel="F" name="resolution" value="0" units="1/dev"/>
+          <inkml:channelProperty channel="OA" name="resolution" value="1000" units="1/deg"/>
+          <inkml:channelProperty channel="OE" name="resolution" value="1000" units="1/deg"/>
+        </inkml:channelProperties>
+      </inkml:inkSource>
+      <inkml:timestamp xml:id="ts0" timeString="2021-05-19T15:00:55.434"/>
+    </inkml:context>
+    <inkml:brush xml:id="br0">
+      <inkml:brushProperty name="width" value="0.05" units="cm"/>
+      <inkml:brushProperty name="height" value="0.05" units="cm"/>
+      <inkml:brushProperty name="color" value="#FF0066"/>
+    </inkml:brush>
+  </inkml:definitions>
+  <inkml:trace contextRef="#ctx0" brushRef="#br0">179 6 11952 0 0,'0'0'1082'0'0,"-12"-5"-752"0"0,6 5 3 0 0,1-1 1 0 0,0 1-1 0 0,-1 1 1 0 0,1-1-1 0 0,0 1 1 0 0,0 0-1 0 0,-1 0 1 0 0,1 0 0 0 0,0 1-1 0 0,0 0 1 0 0,0 0-1 0 0,0 0 1 0 0,1 1-1 0 0,-1-1 1 0 0,1 1-1 0 0,-8 6 1 0 0,4-2 77 0 0,0 0-1 0 0,0 1 1 0 0,1 0 0 0 0,0 0-1 0 0,0 1 1 0 0,1-1 0 0 0,-8 15-1 0 0,13-20-243 0 0,0 0-1 0 0,-1 0 0 0 0,1 0 0 0 0,0 1 0 0 0,1-1 1 0 0,-1 0-1 0 0,0 0 0 0 0,1 6 0 0 0,0-8 130 0 0,11 0 108 0 0,-10 0-384 0 0,0-1-1 0 0,1 0 0 0 0,-1 0 1 0 0,0 0-1 0 0,0 0 0 0 0,0 0 1 0 0,0 0-1 0 0,1 0 0 0 0,-1 0 1 0 0,0 0-1 0 0,0-1 0 0 0,0 1 1 0 0,0 0-1 0 0,1-1 0 0 0,-1 1 1 0 0,0-1-1 0 0,2-1 0 0 0,10-8 135 0 0,1-1 0 0 0,-2 0 0 0 0,1-1-1 0 0,18-25 1 0 0,-26 32-147 0 0,-4 3 6 0 0,1 0-1 0 0,-1 0 0 0 0,1 1 1 0 0,0-1-1 0 0,-1 1 0 0 0,1 0 1 0 0,0-1-1 0 0,0 1 1 0 0,0 0-1 0 0,0 0 0 0 0,0 0 1 0 0,0 1-1 0 0,1-1 0 0 0,-1 0 1 0 0,0 1-1 0 0,0-1 1 0 0,4 1-1 0 0,-4 0-5 0 0,-1 0 0 0 0,0 0 0 0 0,0 0 0 0 0,0 0 0 0 0,0 1 0 0 0,0-1 0 0 0,1 1 0 0 0,-1-1 0 0 0,0 1 0 0 0,0-1 0 0 0,0 1 0 0 0,0-1 0 0 0,0 1 0 0 0,0 0 0 0 0,0-1 0 0 0,-1 1 0 0 0,1 0 0 0 0,0 0 0 0 0,0 0 0 0 0,0 0 0 0 0,-1 0 0 0 0,1 0 0 0 0,-1 0 0 0 0,1 0 0 0 0,-1 0 0 0 0,1 0 0 0 0,-1 0 0 0 0,1 0 0 0 0,-1 0 0 0 0,0 1 0 0 0,0-1 0 0 0,0 0 1 0 0,1 2-1 0 0,0 18-20 0 0,0 0 1 0 0,-1 0 0 0 0,-4 21 0 0 0,-12 63-3010 0 0,10-76 1439 0 0</inkml:trace>
+</inkml:ink>
+</file>
+
+<file path=ppt/ink/ink9.xml><?xml version="1.0" encoding="utf-8"?>
+<inkml:ink xmlns:inkml="http://www.w3.org/2003/InkML">
+  <inkml:definitions>
+    <inkml:context xml:id="ctx0">
+      <inkml:inkSource xml:id="inkSrc0">
+        <inkml:traceFormat>
+          <inkml:channel name="X" type="integer" min="-2.14748E9" max="2.14748E9" units="cm"/>
+          <inkml:channel name="Y" type="integer" min="-2.14748E9" max="2.14748E9" units="cm"/>
+          <inkml:channel name="F" type="integer" max="32767" units="dev"/>
+          <inkml:channel name="OA" type="integer" max="360" units="deg"/>
+          <inkml:channel name="OE" type="integer" max="90" units="deg"/>
+        </inkml:traceFormat>
+        <inkml:channelProperties>
+          <inkml:channelProperty channel="X" name="resolution" value="1000" units="1/cm"/>
+          <inkml:channelProperty channel="Y" name="resolution" value="1000" units="1/cm"/>
+          <inkml:channelProperty channel="F" name="resolution" value="0" units="1/dev"/>
+          <inkml:channelProperty channel="OA" name="resolution" value="1000" units="1/deg"/>
+          <inkml:channelProperty channel="OE" name="resolution" value="1000" units="1/deg"/>
+        </inkml:channelProperties>
+      </inkml:inkSource>
+      <inkml:timestamp xml:id="ts0" timeString="2021-05-19T15:00:55.999"/>
+    </inkml:context>
+    <inkml:brush xml:id="br0">
+      <inkml:brushProperty name="width" value="0.05" units="cm"/>
+      <inkml:brushProperty name="height" value="0.05" units="cm"/>
+      <inkml:brushProperty name="color" value="#FF0066"/>
+    </inkml:brush>
+  </inkml:definitions>
+  <inkml:trace contextRef="#ctx0" brushRef="#br0">108 5 15376 0 0,'-1'0'37'0'0,"1"-1"0"0"0,0 1 1 0 0,0 0-1 0 0,0 0 1 0 0,0-1-1 0 0,-1 1 1 0 0,1 0-1 0 0,0 0 1 0 0,0 0-1 0 0,0-1 1 0 0,-1 1-1 0 0,1 0 1 0 0,0 0-1 0 0,0 0 1 0 0,-1 0-1 0 0,1-1 0 0 0,0 1 1 0 0,-1 0-1 0 0,1 0 1 0 0,0 0-1 0 0,0 0 1 0 0,-1 0-1 0 0,1 0 1 0 0,0 0-1 0 0,-1 0 1 0 0,1 0-1 0 0,0 0 1 0 0,0 0-1 0 0,-1 0 0 0 0,1 0 1 0 0,0 0-1 0 0,-1 0 1 0 0,1 0-1 0 0,0 0 1 0 0,0 0-1 0 0,-1 1 1 0 0,1-1-1 0 0,0 0 1 0 0,-1 0-1 0 0,-9 14 427 0 0,8-9-250 0 0,0 0 0 0 0,0 0 0 0 0,0 0 0 0 0,-1 10-1 0 0,0 10 453 0 0,-9 33 0 0 0,0 6-119 0 0,-3 37 130 0 0,-13 103-742 0 0,23-185-2079 0 0</inkml:trace>
+</inkml:ink>
 </file>
 
 <file path=ppt/notesMasters/notesMaster1.xml><?xml version="1.0" encoding="utf-8"?>
@@ -837,7 +1868,7 @@
           <a:p>
             <a:fld id="{3A2BF66F-FEB0-48C1-A8B9-A73F54BB1A08}" type="datetimeFigureOut">
               <a:rPr lang="en-US" smtClean="0"/>
-              <a:t>5/18/2021</a:t>
+              <a:t>5/19/2021</a:t>
             </a:fld>
             <a:endParaRPr lang="en-US" dirty="0"/>
           </a:p>
@@ -1045,7 +2076,7 @@
           <a:p>
             <a:fld id="{3A2BF66F-FEB0-48C1-A8B9-A73F54BB1A08}" type="datetimeFigureOut">
               <a:rPr lang="en-US" smtClean="0"/>
-              <a:t>5/18/2021</a:t>
+              <a:t>5/19/2021</a:t>
             </a:fld>
             <a:endParaRPr lang="en-US" dirty="0"/>
           </a:p>
@@ -1263,7 +2294,7 @@
           <a:p>
             <a:fld id="{3A2BF66F-FEB0-48C1-A8B9-A73F54BB1A08}" type="datetimeFigureOut">
               <a:rPr lang="en-US" smtClean="0"/>
-              <a:t>5/18/2021</a:t>
+              <a:t>5/19/2021</a:t>
             </a:fld>
             <a:endParaRPr lang="en-US" dirty="0"/>
           </a:p>
@@ -1471,7 +2502,7 @@
           <a:p>
             <a:fld id="{3A2BF66F-FEB0-48C1-A8B9-A73F54BB1A08}" type="datetimeFigureOut">
               <a:rPr lang="en-US" smtClean="0"/>
-              <a:t>5/18/2021</a:t>
+              <a:t>5/19/2021</a:t>
             </a:fld>
             <a:endParaRPr lang="en-US" dirty="0"/>
           </a:p>
@@ -1756,7 +2787,7 @@
           <a:p>
             <a:fld id="{3A2BF66F-FEB0-48C1-A8B9-A73F54BB1A08}" type="datetimeFigureOut">
               <a:rPr lang="en-US" smtClean="0"/>
-              <a:t>5/18/2021</a:t>
+              <a:t>5/19/2021</a:t>
             </a:fld>
             <a:endParaRPr lang="en-US" dirty="0"/>
           </a:p>
@@ -2031,7 +3062,7 @@
           <a:p>
             <a:fld id="{3A2BF66F-FEB0-48C1-A8B9-A73F54BB1A08}" type="datetimeFigureOut">
               <a:rPr lang="en-US" smtClean="0"/>
-              <a:t>5/18/2021</a:t>
+              <a:t>5/19/2021</a:t>
             </a:fld>
             <a:endParaRPr lang="en-US" dirty="0"/>
           </a:p>
@@ -2453,7 +3484,7 @@
           <a:p>
             <a:fld id="{3A2BF66F-FEB0-48C1-A8B9-A73F54BB1A08}" type="datetimeFigureOut">
               <a:rPr lang="en-US" smtClean="0"/>
-              <a:t>5/18/2021</a:t>
+              <a:t>5/19/2021</a:t>
             </a:fld>
             <a:endParaRPr lang="en-US" dirty="0"/>
           </a:p>
@@ -2604,7 +3635,7 @@
           <a:p>
             <a:fld id="{3A2BF66F-FEB0-48C1-A8B9-A73F54BB1A08}" type="datetimeFigureOut">
               <a:rPr lang="en-US" smtClean="0"/>
-              <a:t>5/18/2021</a:t>
+              <a:t>5/19/2021</a:t>
             </a:fld>
             <a:endParaRPr lang="en-US" dirty="0"/>
           </a:p>
@@ -2727,7 +3758,7 @@
           <a:p>
             <a:fld id="{3A2BF66F-FEB0-48C1-A8B9-A73F54BB1A08}" type="datetimeFigureOut">
               <a:rPr lang="en-US" smtClean="0"/>
-              <a:t>5/18/2021</a:t>
+              <a:t>5/19/2021</a:t>
             </a:fld>
             <a:endParaRPr lang="en-US" dirty="0"/>
           </a:p>
@@ -3047,7 +4078,7 @@
           <a:p>
             <a:fld id="{3A2BF66F-FEB0-48C1-A8B9-A73F54BB1A08}" type="datetimeFigureOut">
               <a:rPr lang="en-US" smtClean="0"/>
-              <a:t>5/18/2021</a:t>
+              <a:t>5/19/2021</a:t>
             </a:fld>
             <a:endParaRPr lang="en-US" dirty="0"/>
           </a:p>
@@ -3345,7 +4376,7 @@
           <a:p>
             <a:fld id="{3A2BF66F-FEB0-48C1-A8B9-A73F54BB1A08}" type="datetimeFigureOut">
               <a:rPr lang="en-US" smtClean="0"/>
-              <a:t>5/18/2021</a:t>
+              <a:t>5/19/2021</a:t>
             </a:fld>
             <a:endParaRPr lang="en-US" dirty="0"/>
           </a:p>
@@ -3596,7 +4627,7 @@
           <a:p>
             <a:fld id="{3A2BF66F-FEB0-48C1-A8B9-A73F54BB1A08}" type="datetimeFigureOut">
               <a:rPr lang="en-US" smtClean="0"/>
-              <a:t>5/18/2021</a:t>
+              <a:t>5/19/2021</a:t>
             </a:fld>
             <a:endParaRPr lang="en-US" dirty="0"/>
           </a:p>
@@ -4283,6 +5314,1680 @@
           </a:p>
         </p:txBody>
       </p:sp>
+      <mc:AlternateContent xmlns:mc="http://schemas.openxmlformats.org/markup-compatibility/2006">
+        <mc:Choice xmlns:p14="http://schemas.microsoft.com/office/powerpoint/2010/main" Requires="p14">
+          <p:contentPart p14:bwMode="auto" r:id="rId2">
+            <p14:nvContentPartPr>
+              <p14:cNvPr id="4" name="Ink 3">
+                <a:extLst>
+                  <a:ext uri="{FF2B5EF4-FFF2-40B4-BE49-F238E27FC236}">
+                    <a16:creationId xmlns:a16="http://schemas.microsoft.com/office/drawing/2014/main" id="{0A4623E7-E25A-4984-936F-3A79D5443883}"/>
+                  </a:ext>
+                </a:extLst>
+              </p14:cNvPr>
+              <p14:cNvContentPartPr/>
+              <p14:nvPr/>
+            </p14:nvContentPartPr>
+            <p14:xfrm>
+              <a:off x="2223289" y="1732939"/>
+              <a:ext cx="654120" cy="24120"/>
+            </p14:xfrm>
+          </p:contentPart>
+        </mc:Choice>
+        <mc:Fallback>
+          <p:pic>
+            <p:nvPicPr>
+              <p:cNvPr id="4" name="Ink 3">
+                <a:extLst>
+                  <a:ext uri="{FF2B5EF4-FFF2-40B4-BE49-F238E27FC236}">
+                    <a16:creationId xmlns:a16="http://schemas.microsoft.com/office/drawing/2014/main" id="{0A4623E7-E25A-4984-936F-3A79D5443883}"/>
+                  </a:ext>
+                </a:extLst>
+              </p:cNvPr>
+              <p:cNvPicPr/>
+              <p:nvPr/>
+            </p:nvPicPr>
+            <p:blipFill>
+              <a:blip r:embed="rId3"/>
+              <a:stretch>
+                <a:fillRect/>
+              </a:stretch>
+            </p:blipFill>
+            <p:spPr>
+              <a:xfrm>
+                <a:off x="2214289" y="1724299"/>
+                <a:ext cx="671760" cy="41760"/>
+              </a:xfrm>
+              <a:prstGeom prst="rect">
+                <a:avLst/>
+              </a:prstGeom>
+            </p:spPr>
+          </p:pic>
+        </mc:Fallback>
+      </mc:AlternateContent>
+      <mc:AlternateContent xmlns:mc="http://schemas.openxmlformats.org/markup-compatibility/2006">
+        <mc:Choice xmlns:p14="http://schemas.microsoft.com/office/powerpoint/2010/main" Requires="p14">
+          <p:contentPart p14:bwMode="auto" r:id="rId4">
+            <p14:nvContentPartPr>
+              <p14:cNvPr id="5" name="Ink 4">
+                <a:extLst>
+                  <a:ext uri="{FF2B5EF4-FFF2-40B4-BE49-F238E27FC236}">
+                    <a16:creationId xmlns:a16="http://schemas.microsoft.com/office/drawing/2014/main" id="{53B0F44B-83CC-490C-9EDD-3741658DAB11}"/>
+                  </a:ext>
+                </a:extLst>
+              </p14:cNvPr>
+              <p14:cNvContentPartPr/>
+              <p14:nvPr/>
+            </p14:nvContentPartPr>
+            <p14:xfrm>
+              <a:off x="1814689" y="2160259"/>
+              <a:ext cx="731160" cy="38160"/>
+            </p14:xfrm>
+          </p:contentPart>
+        </mc:Choice>
+        <mc:Fallback>
+          <p:pic>
+            <p:nvPicPr>
+              <p:cNvPr id="5" name="Ink 4">
+                <a:extLst>
+                  <a:ext uri="{FF2B5EF4-FFF2-40B4-BE49-F238E27FC236}">
+                    <a16:creationId xmlns:a16="http://schemas.microsoft.com/office/drawing/2014/main" id="{53B0F44B-83CC-490C-9EDD-3741658DAB11}"/>
+                  </a:ext>
+                </a:extLst>
+              </p:cNvPr>
+              <p:cNvPicPr/>
+              <p:nvPr/>
+            </p:nvPicPr>
+            <p:blipFill>
+              <a:blip r:embed="rId5"/>
+              <a:stretch>
+                <a:fillRect/>
+              </a:stretch>
+            </p:blipFill>
+            <p:spPr>
+              <a:xfrm>
+                <a:off x="1805689" y="2151619"/>
+                <a:ext cx="748800" cy="55800"/>
+              </a:xfrm>
+              <a:prstGeom prst="rect">
+                <a:avLst/>
+              </a:prstGeom>
+            </p:spPr>
+          </p:pic>
+        </mc:Fallback>
+      </mc:AlternateContent>
+      <mc:AlternateContent xmlns:mc="http://schemas.openxmlformats.org/markup-compatibility/2006">
+        <mc:Choice xmlns:p14="http://schemas.microsoft.com/office/powerpoint/2010/main" Requires="p14">
+          <p:contentPart p14:bwMode="auto" r:id="rId6">
+            <p14:nvContentPartPr>
+              <p14:cNvPr id="6" name="Ink 5">
+                <a:extLst>
+                  <a:ext uri="{FF2B5EF4-FFF2-40B4-BE49-F238E27FC236}">
+                    <a16:creationId xmlns:a16="http://schemas.microsoft.com/office/drawing/2014/main" id="{6E054D86-EF63-4A8F-BEB0-6D8AF0432299}"/>
+                  </a:ext>
+                </a:extLst>
+              </p14:cNvPr>
+              <p14:cNvContentPartPr/>
+              <p14:nvPr/>
+            </p14:nvContentPartPr>
+            <p14:xfrm>
+              <a:off x="2318329" y="2584699"/>
+              <a:ext cx="645840" cy="25560"/>
+            </p14:xfrm>
+          </p:contentPart>
+        </mc:Choice>
+        <mc:Fallback>
+          <p:pic>
+            <p:nvPicPr>
+              <p:cNvPr id="6" name="Ink 5">
+                <a:extLst>
+                  <a:ext uri="{FF2B5EF4-FFF2-40B4-BE49-F238E27FC236}">
+                    <a16:creationId xmlns:a16="http://schemas.microsoft.com/office/drawing/2014/main" id="{6E054D86-EF63-4A8F-BEB0-6D8AF0432299}"/>
+                  </a:ext>
+                </a:extLst>
+              </p:cNvPr>
+              <p:cNvPicPr/>
+              <p:nvPr/>
+            </p:nvPicPr>
+            <p:blipFill>
+              <a:blip r:embed="rId7"/>
+              <a:stretch>
+                <a:fillRect/>
+              </a:stretch>
+            </p:blipFill>
+            <p:spPr>
+              <a:xfrm>
+                <a:off x="2309689" y="2575699"/>
+                <a:ext cx="663480" cy="43200"/>
+              </a:xfrm>
+              <a:prstGeom prst="rect">
+                <a:avLst/>
+              </a:prstGeom>
+            </p:spPr>
+          </p:pic>
+        </mc:Fallback>
+      </mc:AlternateContent>
+      <mc:AlternateContent xmlns:mc="http://schemas.openxmlformats.org/markup-compatibility/2006">
+        <mc:Choice xmlns:p14="http://schemas.microsoft.com/office/powerpoint/2010/main" Requires="p14">
+          <p:contentPart p14:bwMode="auto" r:id="rId8">
+            <p14:nvContentPartPr>
+              <p14:cNvPr id="7" name="Ink 6">
+                <a:extLst>
+                  <a:ext uri="{FF2B5EF4-FFF2-40B4-BE49-F238E27FC236}">
+                    <a16:creationId xmlns:a16="http://schemas.microsoft.com/office/drawing/2014/main" id="{D19992E8-DBB1-4689-857D-EA4702810D58}"/>
+                  </a:ext>
+                </a:extLst>
+              </p14:cNvPr>
+              <p14:cNvContentPartPr/>
+              <p14:nvPr/>
+            </p14:nvContentPartPr>
+            <p14:xfrm>
+              <a:off x="1410409" y="3101299"/>
+              <a:ext cx="166680" cy="215280"/>
+            </p14:xfrm>
+          </p:contentPart>
+        </mc:Choice>
+        <mc:Fallback>
+          <p:pic>
+            <p:nvPicPr>
+              <p:cNvPr id="7" name="Ink 6">
+                <a:extLst>
+                  <a:ext uri="{FF2B5EF4-FFF2-40B4-BE49-F238E27FC236}">
+                    <a16:creationId xmlns:a16="http://schemas.microsoft.com/office/drawing/2014/main" id="{D19992E8-DBB1-4689-857D-EA4702810D58}"/>
+                  </a:ext>
+                </a:extLst>
+              </p:cNvPr>
+              <p:cNvPicPr/>
+              <p:nvPr/>
+            </p:nvPicPr>
+            <p:blipFill>
+              <a:blip r:embed="rId9"/>
+              <a:stretch>
+                <a:fillRect/>
+              </a:stretch>
+            </p:blipFill>
+            <p:spPr>
+              <a:xfrm>
+                <a:off x="1401409" y="3092659"/>
+                <a:ext cx="184320" cy="232920"/>
+              </a:xfrm>
+              <a:prstGeom prst="rect">
+                <a:avLst/>
+              </a:prstGeom>
+            </p:spPr>
+          </p:pic>
+        </mc:Fallback>
+      </mc:AlternateContent>
+      <mc:AlternateContent xmlns:mc="http://schemas.openxmlformats.org/markup-compatibility/2006">
+        <mc:Choice xmlns:p14="http://schemas.microsoft.com/office/powerpoint/2010/main" Requires="p14">
+          <p:contentPart p14:bwMode="auto" r:id="rId10">
+            <p14:nvContentPartPr>
+              <p14:cNvPr id="8" name="Ink 7">
+                <a:extLst>
+                  <a:ext uri="{FF2B5EF4-FFF2-40B4-BE49-F238E27FC236}">
+                    <a16:creationId xmlns:a16="http://schemas.microsoft.com/office/drawing/2014/main" id="{502AF497-FC69-47E6-8F06-CE55F3560ADC}"/>
+                  </a:ext>
+                </a:extLst>
+              </p14:cNvPr>
+              <p14:cNvContentPartPr/>
+              <p14:nvPr/>
+            </p14:nvContentPartPr>
+            <p14:xfrm>
+              <a:off x="1609849" y="3199579"/>
+              <a:ext cx="156960" cy="90360"/>
+            </p14:xfrm>
+          </p:contentPart>
+        </mc:Choice>
+        <mc:Fallback>
+          <p:pic>
+            <p:nvPicPr>
+              <p:cNvPr id="8" name="Ink 7">
+                <a:extLst>
+                  <a:ext uri="{FF2B5EF4-FFF2-40B4-BE49-F238E27FC236}">
+                    <a16:creationId xmlns:a16="http://schemas.microsoft.com/office/drawing/2014/main" id="{502AF497-FC69-47E6-8F06-CE55F3560ADC}"/>
+                  </a:ext>
+                </a:extLst>
+              </p:cNvPr>
+              <p:cNvPicPr/>
+              <p:nvPr/>
+            </p:nvPicPr>
+            <p:blipFill>
+              <a:blip r:embed="rId11"/>
+              <a:stretch>
+                <a:fillRect/>
+              </a:stretch>
+            </p:blipFill>
+            <p:spPr>
+              <a:xfrm>
+                <a:off x="1601209" y="3190579"/>
+                <a:ext cx="174600" cy="108000"/>
+              </a:xfrm>
+              <a:prstGeom prst="rect">
+                <a:avLst/>
+              </a:prstGeom>
+            </p:spPr>
+          </p:pic>
+        </mc:Fallback>
+      </mc:AlternateContent>
+      <mc:AlternateContent xmlns:mc="http://schemas.openxmlformats.org/markup-compatibility/2006">
+        <mc:Choice xmlns:p14="http://schemas.microsoft.com/office/powerpoint/2010/main" Requires="p14">
+          <p:contentPart p14:bwMode="auto" r:id="rId12">
+            <p14:nvContentPartPr>
+              <p14:cNvPr id="9" name="Ink 8">
+                <a:extLst>
+                  <a:ext uri="{FF2B5EF4-FFF2-40B4-BE49-F238E27FC236}">
+                    <a16:creationId xmlns:a16="http://schemas.microsoft.com/office/drawing/2014/main" id="{4124EDF0-037C-46A7-9B02-88CE0A9F88C3}"/>
+                  </a:ext>
+                </a:extLst>
+              </p14:cNvPr>
+              <p14:cNvContentPartPr/>
+              <p14:nvPr/>
+            </p14:nvContentPartPr>
+            <p14:xfrm>
+              <a:off x="1835209" y="3091219"/>
+              <a:ext cx="52920" cy="120240"/>
+            </p14:xfrm>
+          </p:contentPart>
+        </mc:Choice>
+        <mc:Fallback>
+          <p:pic>
+            <p:nvPicPr>
+              <p:cNvPr id="9" name="Ink 8">
+                <a:extLst>
+                  <a:ext uri="{FF2B5EF4-FFF2-40B4-BE49-F238E27FC236}">
+                    <a16:creationId xmlns:a16="http://schemas.microsoft.com/office/drawing/2014/main" id="{4124EDF0-037C-46A7-9B02-88CE0A9F88C3}"/>
+                  </a:ext>
+                </a:extLst>
+              </p:cNvPr>
+              <p:cNvPicPr/>
+              <p:nvPr/>
+            </p:nvPicPr>
+            <p:blipFill>
+              <a:blip r:embed="rId13"/>
+              <a:stretch>
+                <a:fillRect/>
+              </a:stretch>
+            </p:blipFill>
+            <p:spPr>
+              <a:xfrm>
+                <a:off x="1826209" y="3082579"/>
+                <a:ext cx="70560" cy="137880"/>
+              </a:xfrm>
+              <a:prstGeom prst="rect">
+                <a:avLst/>
+              </a:prstGeom>
+            </p:spPr>
+          </p:pic>
+        </mc:Fallback>
+      </mc:AlternateContent>
+      <mc:AlternateContent xmlns:mc="http://schemas.openxmlformats.org/markup-compatibility/2006">
+        <mc:Choice xmlns:p14="http://schemas.microsoft.com/office/powerpoint/2010/main" Requires="p14">
+          <p:contentPart p14:bwMode="auto" r:id="rId14">
+            <p14:nvContentPartPr>
+              <p14:cNvPr id="10" name="Ink 9">
+                <a:extLst>
+                  <a:ext uri="{FF2B5EF4-FFF2-40B4-BE49-F238E27FC236}">
+                    <a16:creationId xmlns:a16="http://schemas.microsoft.com/office/drawing/2014/main" id="{185C77B7-0E79-4F36-96ED-E001B5EEC62F}"/>
+                  </a:ext>
+                </a:extLst>
+              </p14:cNvPr>
+              <p14:cNvContentPartPr/>
+              <p14:nvPr/>
+            </p14:nvContentPartPr>
+            <p14:xfrm>
+              <a:off x="1872649" y="3165019"/>
+              <a:ext cx="35280" cy="95040"/>
+            </p14:xfrm>
+          </p:contentPart>
+        </mc:Choice>
+        <mc:Fallback>
+          <p:pic>
+            <p:nvPicPr>
+              <p:cNvPr id="10" name="Ink 9">
+                <a:extLst>
+                  <a:ext uri="{FF2B5EF4-FFF2-40B4-BE49-F238E27FC236}">
+                    <a16:creationId xmlns:a16="http://schemas.microsoft.com/office/drawing/2014/main" id="{185C77B7-0E79-4F36-96ED-E001B5EEC62F}"/>
+                  </a:ext>
+                </a:extLst>
+              </p:cNvPr>
+              <p:cNvPicPr/>
+              <p:nvPr/>
+            </p:nvPicPr>
+            <p:blipFill>
+              <a:blip r:embed="rId15"/>
+              <a:stretch>
+                <a:fillRect/>
+              </a:stretch>
+            </p:blipFill>
+            <p:spPr>
+              <a:xfrm>
+                <a:off x="1864009" y="3156379"/>
+                <a:ext cx="52920" cy="112680"/>
+              </a:xfrm>
+              <a:prstGeom prst="rect">
+                <a:avLst/>
+              </a:prstGeom>
+            </p:spPr>
+          </p:pic>
+        </mc:Fallback>
+      </mc:AlternateContent>
+      <mc:AlternateContent xmlns:mc="http://schemas.openxmlformats.org/markup-compatibility/2006">
+        <mc:Choice xmlns:p14="http://schemas.microsoft.com/office/powerpoint/2010/main" Requires="p14">
+          <p:contentPart p14:bwMode="auto" r:id="rId16">
+            <p14:nvContentPartPr>
+              <p14:cNvPr id="11" name="Ink 10">
+                <a:extLst>
+                  <a:ext uri="{FF2B5EF4-FFF2-40B4-BE49-F238E27FC236}">
+                    <a16:creationId xmlns:a16="http://schemas.microsoft.com/office/drawing/2014/main" id="{8323E6CA-1B71-4325-A5BA-67BE553464AF}"/>
+                  </a:ext>
+                </a:extLst>
+              </p14:cNvPr>
+              <p14:cNvContentPartPr/>
+              <p14:nvPr/>
+            </p14:nvContentPartPr>
+            <p14:xfrm>
+              <a:off x="2049769" y="3135499"/>
+              <a:ext cx="68400" cy="108360"/>
+            </p14:xfrm>
+          </p:contentPart>
+        </mc:Choice>
+        <mc:Fallback>
+          <p:pic>
+            <p:nvPicPr>
+              <p:cNvPr id="11" name="Ink 10">
+                <a:extLst>
+                  <a:ext uri="{FF2B5EF4-FFF2-40B4-BE49-F238E27FC236}">
+                    <a16:creationId xmlns:a16="http://schemas.microsoft.com/office/drawing/2014/main" id="{8323E6CA-1B71-4325-A5BA-67BE553464AF}"/>
+                  </a:ext>
+                </a:extLst>
+              </p:cNvPr>
+              <p:cNvPicPr/>
+              <p:nvPr/>
+            </p:nvPicPr>
+            <p:blipFill>
+              <a:blip r:embed="rId17"/>
+              <a:stretch>
+                <a:fillRect/>
+              </a:stretch>
+            </p:blipFill>
+            <p:spPr>
+              <a:xfrm>
+                <a:off x="2041129" y="3126499"/>
+                <a:ext cx="86040" cy="126000"/>
+              </a:xfrm>
+              <a:prstGeom prst="rect">
+                <a:avLst/>
+              </a:prstGeom>
+            </p:spPr>
+          </p:pic>
+        </mc:Fallback>
+      </mc:AlternateContent>
+      <p:grpSp>
+        <p:nvGrpSpPr>
+          <p:cNvPr id="26" name="Group 25">
+            <a:extLst>
+              <a:ext uri="{FF2B5EF4-FFF2-40B4-BE49-F238E27FC236}">
+                <a16:creationId xmlns:a16="http://schemas.microsoft.com/office/drawing/2014/main" id="{DC219D55-B238-41FB-8295-81558791B4D6}"/>
+              </a:ext>
+            </a:extLst>
+          </p:cNvPr>
+          <p:cNvGrpSpPr/>
+          <p:nvPr/>
+        </p:nvGrpSpPr>
+        <p:grpSpPr>
+          <a:xfrm>
+            <a:off x="1770049" y="3410899"/>
+            <a:ext cx="1020600" cy="541440"/>
+            <a:chOff x="1770049" y="3410899"/>
+            <a:chExt cx="1020600" cy="541440"/>
+          </a:xfrm>
+        </p:grpSpPr>
+        <mc:AlternateContent xmlns:mc="http://schemas.openxmlformats.org/markup-compatibility/2006">
+          <mc:Choice xmlns:p14="http://schemas.microsoft.com/office/powerpoint/2010/main" Requires="p14">
+            <p:contentPart p14:bwMode="auto" r:id="rId18">
+              <p14:nvContentPartPr>
+                <p14:cNvPr id="12" name="Ink 11">
+                  <a:extLst>
+                    <a:ext uri="{FF2B5EF4-FFF2-40B4-BE49-F238E27FC236}">
+                      <a16:creationId xmlns:a16="http://schemas.microsoft.com/office/drawing/2014/main" id="{776DB5E6-E6D7-4487-9996-DCAC8C7F1E11}"/>
+                    </a:ext>
+                  </a:extLst>
+                </p14:cNvPr>
+                <p14:cNvContentPartPr/>
+                <p14:nvPr/>
+              </p14:nvContentPartPr>
+              <p14:xfrm>
+                <a:off x="1770049" y="3439339"/>
+                <a:ext cx="38880" cy="187920"/>
+              </p14:xfrm>
+            </p:contentPart>
+          </mc:Choice>
+          <mc:Fallback>
+            <p:pic>
+              <p:nvPicPr>
+                <p:cNvPr id="12" name="Ink 11">
+                  <a:extLst>
+                    <a:ext uri="{FF2B5EF4-FFF2-40B4-BE49-F238E27FC236}">
+                      <a16:creationId xmlns:a16="http://schemas.microsoft.com/office/drawing/2014/main" id="{776DB5E6-E6D7-4487-9996-DCAC8C7F1E11}"/>
+                    </a:ext>
+                  </a:extLst>
+                </p:cNvPr>
+                <p:cNvPicPr/>
+                <p:nvPr/>
+              </p:nvPicPr>
+              <p:blipFill>
+                <a:blip r:embed="rId19"/>
+                <a:stretch>
+                  <a:fillRect/>
+                </a:stretch>
+              </p:blipFill>
+              <p:spPr>
+                <a:xfrm>
+                  <a:off x="1761409" y="3430699"/>
+                  <a:ext cx="56520" cy="205560"/>
+                </a:xfrm>
+                <a:prstGeom prst="rect">
+                  <a:avLst/>
+                </a:prstGeom>
+              </p:spPr>
+            </p:pic>
+          </mc:Fallback>
+        </mc:AlternateContent>
+        <mc:AlternateContent xmlns:mc="http://schemas.openxmlformats.org/markup-compatibility/2006">
+          <mc:Choice xmlns:p14="http://schemas.microsoft.com/office/powerpoint/2010/main" Requires="p14">
+            <p:contentPart p14:bwMode="auto" r:id="rId20">
+              <p14:nvContentPartPr>
+                <p14:cNvPr id="13" name="Ink 12">
+                  <a:extLst>
+                    <a:ext uri="{FF2B5EF4-FFF2-40B4-BE49-F238E27FC236}">
+                      <a16:creationId xmlns:a16="http://schemas.microsoft.com/office/drawing/2014/main" id="{F6A351EB-6476-4602-B098-B9A27721DBBB}"/>
+                    </a:ext>
+                  </a:extLst>
+                </p14:cNvPr>
+                <p14:cNvContentPartPr/>
+                <p14:nvPr/>
+              </p14:nvContentPartPr>
+              <p14:xfrm>
+                <a:off x="1773289" y="3447979"/>
+                <a:ext cx="103680" cy="99000"/>
+              </p14:xfrm>
+            </p:contentPart>
+          </mc:Choice>
+          <mc:Fallback>
+            <p:pic>
+              <p:nvPicPr>
+                <p:cNvPr id="13" name="Ink 12">
+                  <a:extLst>
+                    <a:ext uri="{FF2B5EF4-FFF2-40B4-BE49-F238E27FC236}">
+                      <a16:creationId xmlns:a16="http://schemas.microsoft.com/office/drawing/2014/main" id="{F6A351EB-6476-4602-B098-B9A27721DBBB}"/>
+                    </a:ext>
+                  </a:extLst>
+                </p:cNvPr>
+                <p:cNvPicPr/>
+                <p:nvPr/>
+              </p:nvPicPr>
+              <p:blipFill>
+                <a:blip r:embed="rId21"/>
+                <a:stretch>
+                  <a:fillRect/>
+                </a:stretch>
+              </p:blipFill>
+              <p:spPr>
+                <a:xfrm>
+                  <a:off x="1764649" y="3439339"/>
+                  <a:ext cx="121320" cy="116640"/>
+                </a:xfrm>
+                <a:prstGeom prst="rect">
+                  <a:avLst/>
+                </a:prstGeom>
+              </p:spPr>
+            </p:pic>
+          </mc:Fallback>
+        </mc:AlternateContent>
+        <mc:AlternateContent xmlns:mc="http://schemas.openxmlformats.org/markup-compatibility/2006">
+          <mc:Choice xmlns:p14="http://schemas.microsoft.com/office/powerpoint/2010/main" Requires="p14">
+            <p:contentPart p14:bwMode="auto" r:id="rId22">
+              <p14:nvContentPartPr>
+                <p14:cNvPr id="14" name="Ink 13">
+                  <a:extLst>
+                    <a:ext uri="{FF2B5EF4-FFF2-40B4-BE49-F238E27FC236}">
+                      <a16:creationId xmlns:a16="http://schemas.microsoft.com/office/drawing/2014/main" id="{F667313A-7BD4-4D86-95C5-739934F7884A}"/>
+                    </a:ext>
+                  </a:extLst>
+                </p14:cNvPr>
+                <p14:cNvContentPartPr/>
+                <p14:nvPr/>
+              </p14:nvContentPartPr>
+              <p14:xfrm>
+                <a:off x="1942489" y="3516019"/>
+                <a:ext cx="55080" cy="72720"/>
+              </p14:xfrm>
+            </p:contentPart>
+          </mc:Choice>
+          <mc:Fallback>
+            <p:pic>
+              <p:nvPicPr>
+                <p:cNvPr id="14" name="Ink 13">
+                  <a:extLst>
+                    <a:ext uri="{FF2B5EF4-FFF2-40B4-BE49-F238E27FC236}">
+                      <a16:creationId xmlns:a16="http://schemas.microsoft.com/office/drawing/2014/main" id="{F667313A-7BD4-4D86-95C5-739934F7884A}"/>
+                    </a:ext>
+                  </a:extLst>
+                </p:cNvPr>
+                <p:cNvPicPr/>
+                <p:nvPr/>
+              </p:nvPicPr>
+              <p:blipFill>
+                <a:blip r:embed="rId23"/>
+                <a:stretch>
+                  <a:fillRect/>
+                </a:stretch>
+              </p:blipFill>
+              <p:spPr>
+                <a:xfrm>
+                  <a:off x="1933849" y="3507019"/>
+                  <a:ext cx="72720" cy="90360"/>
+                </a:xfrm>
+                <a:prstGeom prst="rect">
+                  <a:avLst/>
+                </a:prstGeom>
+              </p:spPr>
+            </p:pic>
+          </mc:Fallback>
+        </mc:AlternateContent>
+        <mc:AlternateContent xmlns:mc="http://schemas.openxmlformats.org/markup-compatibility/2006">
+          <mc:Choice xmlns:p14="http://schemas.microsoft.com/office/powerpoint/2010/main" Requires="p14">
+            <p:contentPart p14:bwMode="auto" r:id="rId24">
+              <p14:nvContentPartPr>
+                <p14:cNvPr id="15" name="Ink 14">
+                  <a:extLst>
+                    <a:ext uri="{FF2B5EF4-FFF2-40B4-BE49-F238E27FC236}">
+                      <a16:creationId xmlns:a16="http://schemas.microsoft.com/office/drawing/2014/main" id="{372CB516-7E17-4AE9-8995-A33B51519135}"/>
+                    </a:ext>
+                  </a:extLst>
+                </p14:cNvPr>
+                <p14:cNvContentPartPr/>
+                <p14:nvPr/>
+              </p14:nvContentPartPr>
+              <p14:xfrm>
+                <a:off x="2039689" y="3449059"/>
+                <a:ext cx="31680" cy="137520"/>
+              </p14:xfrm>
+            </p:contentPart>
+          </mc:Choice>
+          <mc:Fallback>
+            <p:pic>
+              <p:nvPicPr>
+                <p:cNvPr id="15" name="Ink 14">
+                  <a:extLst>
+                    <a:ext uri="{FF2B5EF4-FFF2-40B4-BE49-F238E27FC236}">
+                      <a16:creationId xmlns:a16="http://schemas.microsoft.com/office/drawing/2014/main" id="{372CB516-7E17-4AE9-8995-A33B51519135}"/>
+                    </a:ext>
+                  </a:extLst>
+                </p:cNvPr>
+                <p:cNvPicPr/>
+                <p:nvPr/>
+              </p:nvPicPr>
+              <p:blipFill>
+                <a:blip r:embed="rId25"/>
+                <a:stretch>
+                  <a:fillRect/>
+                </a:stretch>
+              </p:blipFill>
+              <p:spPr>
+                <a:xfrm>
+                  <a:off x="2031049" y="3440419"/>
+                  <a:ext cx="49320" cy="155160"/>
+                </a:xfrm>
+                <a:prstGeom prst="rect">
+                  <a:avLst/>
+                </a:prstGeom>
+              </p:spPr>
+            </p:pic>
+          </mc:Fallback>
+        </mc:AlternateContent>
+        <mc:AlternateContent xmlns:mc="http://schemas.openxmlformats.org/markup-compatibility/2006">
+          <mc:Choice xmlns:p14="http://schemas.microsoft.com/office/powerpoint/2010/main" Requires="p14">
+            <p:contentPart p14:bwMode="auto" r:id="rId26">
+              <p14:nvContentPartPr>
+                <p14:cNvPr id="16" name="Ink 15">
+                  <a:extLst>
+                    <a:ext uri="{FF2B5EF4-FFF2-40B4-BE49-F238E27FC236}">
+                      <a16:creationId xmlns:a16="http://schemas.microsoft.com/office/drawing/2014/main" id="{5CEADD84-D177-40A6-91F0-25A911C5C31F}"/>
+                    </a:ext>
+                  </a:extLst>
+                </p14:cNvPr>
+                <p14:cNvContentPartPr/>
+                <p14:nvPr/>
+              </p14:nvContentPartPr>
+              <p14:xfrm>
+                <a:off x="2099449" y="3410899"/>
+                <a:ext cx="111240" cy="163080"/>
+              </p14:xfrm>
+            </p:contentPart>
+          </mc:Choice>
+          <mc:Fallback>
+            <p:pic>
+              <p:nvPicPr>
+                <p:cNvPr id="16" name="Ink 15">
+                  <a:extLst>
+                    <a:ext uri="{FF2B5EF4-FFF2-40B4-BE49-F238E27FC236}">
+                      <a16:creationId xmlns:a16="http://schemas.microsoft.com/office/drawing/2014/main" id="{5CEADD84-D177-40A6-91F0-25A911C5C31F}"/>
+                    </a:ext>
+                  </a:extLst>
+                </p:cNvPr>
+                <p:cNvPicPr/>
+                <p:nvPr/>
+              </p:nvPicPr>
+              <p:blipFill>
+                <a:blip r:embed="rId27"/>
+                <a:stretch>
+                  <a:fillRect/>
+                </a:stretch>
+              </p:blipFill>
+              <p:spPr>
+                <a:xfrm>
+                  <a:off x="2090449" y="3402259"/>
+                  <a:ext cx="128880" cy="180720"/>
+                </a:xfrm>
+                <a:prstGeom prst="rect">
+                  <a:avLst/>
+                </a:prstGeom>
+              </p:spPr>
+            </p:pic>
+          </mc:Fallback>
+        </mc:AlternateContent>
+        <mc:AlternateContent xmlns:mc="http://schemas.openxmlformats.org/markup-compatibility/2006">
+          <mc:Choice xmlns:p14="http://schemas.microsoft.com/office/powerpoint/2010/main" Requires="p14">
+            <p:contentPart p14:bwMode="auto" r:id="rId28">
+              <p14:nvContentPartPr>
+                <p14:cNvPr id="17" name="Ink 16">
+                  <a:extLst>
+                    <a:ext uri="{FF2B5EF4-FFF2-40B4-BE49-F238E27FC236}">
+                      <a16:creationId xmlns:a16="http://schemas.microsoft.com/office/drawing/2014/main" id="{D86EA102-4B19-4B9C-B44E-8CEAD1711548}"/>
+                    </a:ext>
+                  </a:extLst>
+                </p14:cNvPr>
+                <p14:cNvContentPartPr/>
+                <p14:nvPr/>
+              </p14:nvContentPartPr>
+              <p14:xfrm>
+                <a:off x="2218249" y="3490819"/>
+                <a:ext cx="176760" cy="173160"/>
+              </p14:xfrm>
+            </p:contentPart>
+          </mc:Choice>
+          <mc:Fallback>
+            <p:pic>
+              <p:nvPicPr>
+                <p:cNvPr id="17" name="Ink 16">
+                  <a:extLst>
+                    <a:ext uri="{FF2B5EF4-FFF2-40B4-BE49-F238E27FC236}">
+                      <a16:creationId xmlns:a16="http://schemas.microsoft.com/office/drawing/2014/main" id="{D86EA102-4B19-4B9C-B44E-8CEAD1711548}"/>
+                    </a:ext>
+                  </a:extLst>
+                </p:cNvPr>
+                <p:cNvPicPr/>
+                <p:nvPr/>
+              </p:nvPicPr>
+              <p:blipFill>
+                <a:blip r:embed="rId29"/>
+                <a:stretch>
+                  <a:fillRect/>
+                </a:stretch>
+              </p:blipFill>
+              <p:spPr>
+                <a:xfrm>
+                  <a:off x="2209249" y="3481819"/>
+                  <a:ext cx="194400" cy="190800"/>
+                </a:xfrm>
+                <a:prstGeom prst="rect">
+                  <a:avLst/>
+                </a:prstGeom>
+              </p:spPr>
+            </p:pic>
+          </mc:Fallback>
+        </mc:AlternateContent>
+        <mc:AlternateContent xmlns:mc="http://schemas.openxmlformats.org/markup-compatibility/2006">
+          <mc:Choice xmlns:p14="http://schemas.microsoft.com/office/powerpoint/2010/main" Requires="p14">
+            <p:contentPart p14:bwMode="auto" r:id="rId30">
+              <p14:nvContentPartPr>
+                <p14:cNvPr id="19" name="Ink 18">
+                  <a:extLst>
+                    <a:ext uri="{FF2B5EF4-FFF2-40B4-BE49-F238E27FC236}">
+                      <a16:creationId xmlns:a16="http://schemas.microsoft.com/office/drawing/2014/main" id="{62FB5F84-6567-49B4-BFFE-FA4E7A46EAC0}"/>
+                    </a:ext>
+                  </a:extLst>
+                </p14:cNvPr>
+                <p14:cNvContentPartPr/>
+                <p14:nvPr/>
+              </p14:nvContentPartPr>
+              <p14:xfrm>
+                <a:off x="2041849" y="3762619"/>
+                <a:ext cx="18360" cy="185760"/>
+              </p14:xfrm>
+            </p:contentPart>
+          </mc:Choice>
+          <mc:Fallback>
+            <p:pic>
+              <p:nvPicPr>
+                <p:cNvPr id="19" name="Ink 18">
+                  <a:extLst>
+                    <a:ext uri="{FF2B5EF4-FFF2-40B4-BE49-F238E27FC236}">
+                      <a16:creationId xmlns:a16="http://schemas.microsoft.com/office/drawing/2014/main" id="{62FB5F84-6567-49B4-BFFE-FA4E7A46EAC0}"/>
+                    </a:ext>
+                  </a:extLst>
+                </p:cNvPr>
+                <p:cNvPicPr/>
+                <p:nvPr/>
+              </p:nvPicPr>
+              <p:blipFill>
+                <a:blip r:embed="rId31"/>
+                <a:stretch>
+                  <a:fillRect/>
+                </a:stretch>
+              </p:blipFill>
+              <p:spPr>
+                <a:xfrm>
+                  <a:off x="2033209" y="3753979"/>
+                  <a:ext cx="36000" cy="203400"/>
+                </a:xfrm>
+                <a:prstGeom prst="rect">
+                  <a:avLst/>
+                </a:prstGeom>
+              </p:spPr>
+            </p:pic>
+          </mc:Fallback>
+        </mc:AlternateContent>
+        <mc:AlternateContent xmlns:mc="http://schemas.openxmlformats.org/markup-compatibility/2006">
+          <mc:Choice xmlns:p14="http://schemas.microsoft.com/office/powerpoint/2010/main" Requires="p14">
+            <p:contentPart p14:bwMode="auto" r:id="rId32">
+              <p14:nvContentPartPr>
+                <p14:cNvPr id="20" name="Ink 19">
+                  <a:extLst>
+                    <a:ext uri="{FF2B5EF4-FFF2-40B4-BE49-F238E27FC236}">
+                      <a16:creationId xmlns:a16="http://schemas.microsoft.com/office/drawing/2014/main" id="{37D1950B-E414-402A-B9A1-C4B0229F6640}"/>
+                    </a:ext>
+                  </a:extLst>
+                </p14:cNvPr>
+                <p14:cNvContentPartPr/>
+                <p14:nvPr/>
+              </p14:nvContentPartPr>
+              <p14:xfrm>
+                <a:off x="2047969" y="3736699"/>
+                <a:ext cx="123840" cy="122040"/>
+              </p14:xfrm>
+            </p:contentPart>
+          </mc:Choice>
+          <mc:Fallback>
+            <p:pic>
+              <p:nvPicPr>
+                <p:cNvPr id="20" name="Ink 19">
+                  <a:extLst>
+                    <a:ext uri="{FF2B5EF4-FFF2-40B4-BE49-F238E27FC236}">
+                      <a16:creationId xmlns:a16="http://schemas.microsoft.com/office/drawing/2014/main" id="{37D1950B-E414-402A-B9A1-C4B0229F6640}"/>
+                    </a:ext>
+                  </a:extLst>
+                </p:cNvPr>
+                <p:cNvPicPr/>
+                <p:nvPr/>
+              </p:nvPicPr>
+              <p:blipFill>
+                <a:blip r:embed="rId33"/>
+                <a:stretch>
+                  <a:fillRect/>
+                </a:stretch>
+              </p:blipFill>
+              <p:spPr>
+                <a:xfrm>
+                  <a:off x="2039329" y="3727699"/>
+                  <a:ext cx="141480" cy="139680"/>
+                </a:xfrm>
+                <a:prstGeom prst="rect">
+                  <a:avLst/>
+                </a:prstGeom>
+              </p:spPr>
+            </p:pic>
+          </mc:Fallback>
+        </mc:AlternateContent>
+        <mc:AlternateContent xmlns:mc="http://schemas.openxmlformats.org/markup-compatibility/2006">
+          <mc:Choice xmlns:p14="http://schemas.microsoft.com/office/powerpoint/2010/main" Requires="p14">
+            <p:contentPart p14:bwMode="auto" r:id="rId34">
+              <p14:nvContentPartPr>
+                <p14:cNvPr id="21" name="Ink 20">
+                  <a:extLst>
+                    <a:ext uri="{FF2B5EF4-FFF2-40B4-BE49-F238E27FC236}">
+                      <a16:creationId xmlns:a16="http://schemas.microsoft.com/office/drawing/2014/main" id="{48BF470D-4BB6-4DD5-87B5-0066B49A8999}"/>
+                    </a:ext>
+                  </a:extLst>
+                </p14:cNvPr>
+                <p14:cNvContentPartPr/>
+                <p14:nvPr/>
+              </p14:nvContentPartPr>
+              <p14:xfrm>
+                <a:off x="2054089" y="3853699"/>
+                <a:ext cx="252720" cy="75240"/>
+              </p14:xfrm>
+            </p:contentPart>
+          </mc:Choice>
+          <mc:Fallback>
+            <p:pic>
+              <p:nvPicPr>
+                <p:cNvPr id="21" name="Ink 20">
+                  <a:extLst>
+                    <a:ext uri="{FF2B5EF4-FFF2-40B4-BE49-F238E27FC236}">
+                      <a16:creationId xmlns:a16="http://schemas.microsoft.com/office/drawing/2014/main" id="{48BF470D-4BB6-4DD5-87B5-0066B49A8999}"/>
+                    </a:ext>
+                  </a:extLst>
+                </p:cNvPr>
+                <p:cNvPicPr/>
+                <p:nvPr/>
+              </p:nvPicPr>
+              <p:blipFill>
+                <a:blip r:embed="rId35"/>
+                <a:stretch>
+                  <a:fillRect/>
+                </a:stretch>
+              </p:blipFill>
+              <p:spPr>
+                <a:xfrm>
+                  <a:off x="2045089" y="3845059"/>
+                  <a:ext cx="270360" cy="92880"/>
+                </a:xfrm>
+                <a:prstGeom prst="rect">
+                  <a:avLst/>
+                </a:prstGeom>
+              </p:spPr>
+            </p:pic>
+          </mc:Fallback>
+        </mc:AlternateContent>
+        <mc:AlternateContent xmlns:mc="http://schemas.openxmlformats.org/markup-compatibility/2006">
+          <mc:Choice xmlns:p14="http://schemas.microsoft.com/office/powerpoint/2010/main" Requires="p14">
+            <p:contentPart p14:bwMode="auto" r:id="rId36">
+              <p14:nvContentPartPr>
+                <p14:cNvPr id="22" name="Ink 21">
+                  <a:extLst>
+                    <a:ext uri="{FF2B5EF4-FFF2-40B4-BE49-F238E27FC236}">
+                      <a16:creationId xmlns:a16="http://schemas.microsoft.com/office/drawing/2014/main" id="{7873F266-5257-4B23-8B4D-3F93685D3F09}"/>
+                    </a:ext>
+                  </a:extLst>
+                </p14:cNvPr>
+                <p14:cNvContentPartPr/>
+                <p14:nvPr/>
+              </p14:nvContentPartPr>
+              <p14:xfrm>
+                <a:off x="2235169" y="3843619"/>
+                <a:ext cx="75600" cy="108720"/>
+              </p14:xfrm>
+            </p:contentPart>
+          </mc:Choice>
+          <mc:Fallback>
+            <p:pic>
+              <p:nvPicPr>
+                <p:cNvPr id="22" name="Ink 21">
+                  <a:extLst>
+                    <a:ext uri="{FF2B5EF4-FFF2-40B4-BE49-F238E27FC236}">
+                      <a16:creationId xmlns:a16="http://schemas.microsoft.com/office/drawing/2014/main" id="{7873F266-5257-4B23-8B4D-3F93685D3F09}"/>
+                    </a:ext>
+                  </a:extLst>
+                </p:cNvPr>
+                <p:cNvPicPr/>
+                <p:nvPr/>
+              </p:nvPicPr>
+              <p:blipFill>
+                <a:blip r:embed="rId37"/>
+                <a:stretch>
+                  <a:fillRect/>
+                </a:stretch>
+              </p:blipFill>
+              <p:spPr>
+                <a:xfrm>
+                  <a:off x="2226529" y="3834979"/>
+                  <a:ext cx="93240" cy="126360"/>
+                </a:xfrm>
+                <a:prstGeom prst="rect">
+                  <a:avLst/>
+                </a:prstGeom>
+              </p:spPr>
+            </p:pic>
+          </mc:Fallback>
+        </mc:AlternateContent>
+        <mc:AlternateContent xmlns:mc="http://schemas.openxmlformats.org/markup-compatibility/2006">
+          <mc:Choice xmlns:p14="http://schemas.microsoft.com/office/powerpoint/2010/main" Requires="p14">
+            <p:contentPart p14:bwMode="auto" r:id="rId38">
+              <p14:nvContentPartPr>
+                <p14:cNvPr id="23" name="Ink 22">
+                  <a:extLst>
+                    <a:ext uri="{FF2B5EF4-FFF2-40B4-BE49-F238E27FC236}">
+                      <a16:creationId xmlns:a16="http://schemas.microsoft.com/office/drawing/2014/main" id="{BE93347A-6B1A-4A42-855F-0E7355579EC5}"/>
+                    </a:ext>
+                  </a:extLst>
+                </p14:cNvPr>
+                <p14:cNvContentPartPr/>
+                <p14:nvPr/>
+              </p14:nvContentPartPr>
+              <p14:xfrm>
+                <a:off x="2396449" y="3836419"/>
+                <a:ext cx="57240" cy="86040"/>
+              </p14:xfrm>
+            </p:contentPart>
+          </mc:Choice>
+          <mc:Fallback>
+            <p:pic>
+              <p:nvPicPr>
+                <p:cNvPr id="23" name="Ink 22">
+                  <a:extLst>
+                    <a:ext uri="{FF2B5EF4-FFF2-40B4-BE49-F238E27FC236}">
+                      <a16:creationId xmlns:a16="http://schemas.microsoft.com/office/drawing/2014/main" id="{BE93347A-6B1A-4A42-855F-0E7355579EC5}"/>
+                    </a:ext>
+                  </a:extLst>
+                </p:cNvPr>
+                <p:cNvPicPr/>
+                <p:nvPr/>
+              </p:nvPicPr>
+              <p:blipFill>
+                <a:blip r:embed="rId39"/>
+                <a:stretch>
+                  <a:fillRect/>
+                </a:stretch>
+              </p:blipFill>
+              <p:spPr>
+                <a:xfrm>
+                  <a:off x="2387809" y="3827779"/>
+                  <a:ext cx="74880" cy="103680"/>
+                </a:xfrm>
+                <a:prstGeom prst="rect">
+                  <a:avLst/>
+                </a:prstGeom>
+              </p:spPr>
+            </p:pic>
+          </mc:Fallback>
+        </mc:AlternateContent>
+        <mc:AlternateContent xmlns:mc="http://schemas.openxmlformats.org/markup-compatibility/2006">
+          <mc:Choice xmlns:p14="http://schemas.microsoft.com/office/powerpoint/2010/main" Requires="p14">
+            <p:contentPart p14:bwMode="auto" r:id="rId40">
+              <p14:nvContentPartPr>
+                <p14:cNvPr id="24" name="Ink 23">
+                  <a:extLst>
+                    <a:ext uri="{FF2B5EF4-FFF2-40B4-BE49-F238E27FC236}">
+                      <a16:creationId xmlns:a16="http://schemas.microsoft.com/office/drawing/2014/main" id="{4707553C-A144-4639-834E-D6DE1ED8FD80}"/>
+                    </a:ext>
+                  </a:extLst>
+                </p14:cNvPr>
+                <p14:cNvContentPartPr/>
+                <p14:nvPr/>
+              </p14:nvContentPartPr>
+              <p14:xfrm>
+                <a:off x="2468809" y="3856219"/>
+                <a:ext cx="120960" cy="75600"/>
+              </p14:xfrm>
+            </p:contentPart>
+          </mc:Choice>
+          <mc:Fallback>
+            <p:pic>
+              <p:nvPicPr>
+                <p:cNvPr id="24" name="Ink 23">
+                  <a:extLst>
+                    <a:ext uri="{FF2B5EF4-FFF2-40B4-BE49-F238E27FC236}">
+                      <a16:creationId xmlns:a16="http://schemas.microsoft.com/office/drawing/2014/main" id="{4707553C-A144-4639-834E-D6DE1ED8FD80}"/>
+                    </a:ext>
+                  </a:extLst>
+                </p:cNvPr>
+                <p:cNvPicPr/>
+                <p:nvPr/>
+              </p:nvPicPr>
+              <p:blipFill>
+                <a:blip r:embed="rId41"/>
+                <a:stretch>
+                  <a:fillRect/>
+                </a:stretch>
+              </p:blipFill>
+              <p:spPr>
+                <a:xfrm>
+                  <a:off x="2459809" y="3847219"/>
+                  <a:ext cx="138600" cy="93240"/>
+                </a:xfrm>
+                <a:prstGeom prst="rect">
+                  <a:avLst/>
+                </a:prstGeom>
+              </p:spPr>
+            </p:pic>
+          </mc:Fallback>
+        </mc:AlternateContent>
+        <mc:AlternateContent xmlns:mc="http://schemas.openxmlformats.org/markup-compatibility/2006">
+          <mc:Choice xmlns:p14="http://schemas.microsoft.com/office/powerpoint/2010/main" Requires="p14">
+            <p:contentPart p14:bwMode="auto" r:id="rId42">
+              <p14:nvContentPartPr>
+                <p14:cNvPr id="25" name="Ink 24">
+                  <a:extLst>
+                    <a:ext uri="{FF2B5EF4-FFF2-40B4-BE49-F238E27FC236}">
+                      <a16:creationId xmlns:a16="http://schemas.microsoft.com/office/drawing/2014/main" id="{EBFA3374-6FA1-4812-BE71-3C1E8BE31CAA}"/>
+                    </a:ext>
+                  </a:extLst>
+                </p14:cNvPr>
+                <p14:cNvContentPartPr/>
+                <p14:nvPr/>
+              </p14:nvContentPartPr>
+              <p14:xfrm>
+                <a:off x="2674369" y="3771979"/>
+                <a:ext cx="116280" cy="129600"/>
+              </p14:xfrm>
+            </p:contentPart>
+          </mc:Choice>
+          <mc:Fallback>
+            <p:pic>
+              <p:nvPicPr>
+                <p:cNvPr id="25" name="Ink 24">
+                  <a:extLst>
+                    <a:ext uri="{FF2B5EF4-FFF2-40B4-BE49-F238E27FC236}">
+                      <a16:creationId xmlns:a16="http://schemas.microsoft.com/office/drawing/2014/main" id="{EBFA3374-6FA1-4812-BE71-3C1E8BE31CAA}"/>
+                    </a:ext>
+                  </a:extLst>
+                </p:cNvPr>
+                <p:cNvPicPr/>
+                <p:nvPr/>
+              </p:nvPicPr>
+              <p:blipFill>
+                <a:blip r:embed="rId43"/>
+                <a:stretch>
+                  <a:fillRect/>
+                </a:stretch>
+              </p:blipFill>
+              <p:spPr>
+                <a:xfrm>
+                  <a:off x="2665729" y="3763339"/>
+                  <a:ext cx="133920" cy="147240"/>
+                </a:xfrm>
+                <a:prstGeom prst="rect">
+                  <a:avLst/>
+                </a:prstGeom>
+              </p:spPr>
+            </p:pic>
+          </mc:Fallback>
+        </mc:AlternateContent>
+      </p:grpSp>
+      <p:grpSp>
+        <p:nvGrpSpPr>
+          <p:cNvPr id="39" name="Group 38">
+            <a:extLst>
+              <a:ext uri="{FF2B5EF4-FFF2-40B4-BE49-F238E27FC236}">
+                <a16:creationId xmlns:a16="http://schemas.microsoft.com/office/drawing/2014/main" id="{85412367-0C3C-402B-94DF-CF9B9818794A}"/>
+              </a:ext>
+            </a:extLst>
+          </p:cNvPr>
+          <p:cNvGrpSpPr/>
+          <p:nvPr/>
+        </p:nvGrpSpPr>
+        <p:grpSpPr>
+          <a:xfrm>
+            <a:off x="2254969" y="4052059"/>
+            <a:ext cx="1373040" cy="339480"/>
+            <a:chOff x="2254969" y="4052059"/>
+            <a:chExt cx="1373040" cy="339480"/>
+          </a:xfrm>
+        </p:grpSpPr>
+        <mc:AlternateContent xmlns:mc="http://schemas.openxmlformats.org/markup-compatibility/2006">
+          <mc:Choice xmlns:p14="http://schemas.microsoft.com/office/powerpoint/2010/main" Requires="p14">
+            <p:contentPart p14:bwMode="auto" r:id="rId44">
+              <p14:nvContentPartPr>
+                <p14:cNvPr id="27" name="Ink 26">
+                  <a:extLst>
+                    <a:ext uri="{FF2B5EF4-FFF2-40B4-BE49-F238E27FC236}">
+                      <a16:creationId xmlns:a16="http://schemas.microsoft.com/office/drawing/2014/main" id="{372ADAE7-AE24-4684-802E-97DBE896D856}"/>
+                    </a:ext>
+                  </a:extLst>
+                </p14:cNvPr>
+                <p14:cNvContentPartPr/>
+                <p14:nvPr/>
+              </p14:nvContentPartPr>
+              <p14:xfrm>
+                <a:off x="2437489" y="4052059"/>
+                <a:ext cx="9000" cy="216360"/>
+              </p14:xfrm>
+            </p:contentPart>
+          </mc:Choice>
+          <mc:Fallback>
+            <p:pic>
+              <p:nvPicPr>
+                <p:cNvPr id="27" name="Ink 26">
+                  <a:extLst>
+                    <a:ext uri="{FF2B5EF4-FFF2-40B4-BE49-F238E27FC236}">
+                      <a16:creationId xmlns:a16="http://schemas.microsoft.com/office/drawing/2014/main" id="{372ADAE7-AE24-4684-802E-97DBE896D856}"/>
+                    </a:ext>
+                  </a:extLst>
+                </p:cNvPr>
+                <p:cNvPicPr/>
+                <p:nvPr/>
+              </p:nvPicPr>
+              <p:blipFill>
+                <a:blip r:embed="rId45"/>
+                <a:stretch>
+                  <a:fillRect/>
+                </a:stretch>
+              </p:blipFill>
+              <p:spPr>
+                <a:xfrm>
+                  <a:off x="2428849" y="4043059"/>
+                  <a:ext cx="26640" cy="234000"/>
+                </a:xfrm>
+                <a:prstGeom prst="rect">
+                  <a:avLst/>
+                </a:prstGeom>
+              </p:spPr>
+            </p:pic>
+          </mc:Fallback>
+        </mc:AlternateContent>
+        <mc:AlternateContent xmlns:mc="http://schemas.openxmlformats.org/markup-compatibility/2006">
+          <mc:Choice xmlns:p14="http://schemas.microsoft.com/office/powerpoint/2010/main" Requires="p14">
+            <p:contentPart p14:bwMode="auto" r:id="rId46">
+              <p14:nvContentPartPr>
+                <p14:cNvPr id="28" name="Ink 27">
+                  <a:extLst>
+                    <a:ext uri="{FF2B5EF4-FFF2-40B4-BE49-F238E27FC236}">
+                      <a16:creationId xmlns:a16="http://schemas.microsoft.com/office/drawing/2014/main" id="{449BB1A6-4888-4ED1-855B-619F50605330}"/>
+                    </a:ext>
+                  </a:extLst>
+                </p14:cNvPr>
+                <p14:cNvContentPartPr/>
+                <p14:nvPr/>
+              </p14:nvContentPartPr>
+              <p14:xfrm>
+                <a:off x="2448289" y="4075819"/>
+                <a:ext cx="93960" cy="102240"/>
+              </p14:xfrm>
+            </p:contentPart>
+          </mc:Choice>
+          <mc:Fallback>
+            <p:pic>
+              <p:nvPicPr>
+                <p:cNvPr id="28" name="Ink 27">
+                  <a:extLst>
+                    <a:ext uri="{FF2B5EF4-FFF2-40B4-BE49-F238E27FC236}">
+                      <a16:creationId xmlns:a16="http://schemas.microsoft.com/office/drawing/2014/main" id="{449BB1A6-4888-4ED1-855B-619F50605330}"/>
+                    </a:ext>
+                  </a:extLst>
+                </p:cNvPr>
+                <p:cNvPicPr/>
+                <p:nvPr/>
+              </p:nvPicPr>
+              <p:blipFill>
+                <a:blip r:embed="rId47"/>
+                <a:stretch>
+                  <a:fillRect/>
+                </a:stretch>
+              </p:blipFill>
+              <p:spPr>
+                <a:xfrm>
+                  <a:off x="2439289" y="4066819"/>
+                  <a:ext cx="111600" cy="119880"/>
+                </a:xfrm>
+                <a:prstGeom prst="rect">
+                  <a:avLst/>
+                </a:prstGeom>
+              </p:spPr>
+            </p:pic>
+          </mc:Fallback>
+        </mc:AlternateContent>
+        <mc:AlternateContent xmlns:mc="http://schemas.openxmlformats.org/markup-compatibility/2006">
+          <mc:Choice xmlns:p14="http://schemas.microsoft.com/office/powerpoint/2010/main" Requires="p14">
+            <p:contentPart p14:bwMode="auto" r:id="rId48">
+              <p14:nvContentPartPr>
+                <p14:cNvPr id="29" name="Ink 28">
+                  <a:extLst>
+                    <a:ext uri="{FF2B5EF4-FFF2-40B4-BE49-F238E27FC236}">
+                      <a16:creationId xmlns:a16="http://schemas.microsoft.com/office/drawing/2014/main" id="{B92C8294-2983-47DC-A25E-BC25EFC89759}"/>
+                    </a:ext>
+                  </a:extLst>
+                </p14:cNvPr>
+                <p14:cNvContentPartPr/>
+                <p14:nvPr/>
+              </p14:nvContentPartPr>
+              <p14:xfrm>
+                <a:off x="2618569" y="4089859"/>
+                <a:ext cx="235800" cy="115920"/>
+              </p14:xfrm>
+            </p:contentPart>
+          </mc:Choice>
+          <mc:Fallback>
+            <p:pic>
+              <p:nvPicPr>
+                <p:cNvPr id="29" name="Ink 28">
+                  <a:extLst>
+                    <a:ext uri="{FF2B5EF4-FFF2-40B4-BE49-F238E27FC236}">
+                      <a16:creationId xmlns:a16="http://schemas.microsoft.com/office/drawing/2014/main" id="{B92C8294-2983-47DC-A25E-BC25EFC89759}"/>
+                    </a:ext>
+                  </a:extLst>
+                </p:cNvPr>
+                <p:cNvPicPr/>
+                <p:nvPr/>
+              </p:nvPicPr>
+              <p:blipFill>
+                <a:blip r:embed="rId49"/>
+                <a:stretch>
+                  <a:fillRect/>
+                </a:stretch>
+              </p:blipFill>
+              <p:spPr>
+                <a:xfrm>
+                  <a:off x="2609929" y="4081219"/>
+                  <a:ext cx="253440" cy="133560"/>
+                </a:xfrm>
+                <a:prstGeom prst="rect">
+                  <a:avLst/>
+                </a:prstGeom>
+              </p:spPr>
+            </p:pic>
+          </mc:Fallback>
+        </mc:AlternateContent>
+        <mc:AlternateContent xmlns:mc="http://schemas.openxmlformats.org/markup-compatibility/2006">
+          <mc:Choice xmlns:p14="http://schemas.microsoft.com/office/powerpoint/2010/main" Requires="p14">
+            <p:contentPart p14:bwMode="auto" r:id="rId50">
+              <p14:nvContentPartPr>
+                <p14:cNvPr id="30" name="Ink 29">
+                  <a:extLst>
+                    <a:ext uri="{FF2B5EF4-FFF2-40B4-BE49-F238E27FC236}">
+                      <a16:creationId xmlns:a16="http://schemas.microsoft.com/office/drawing/2014/main" id="{895205F4-6EB2-4BCA-BC6E-47EF4D1DE724}"/>
+                    </a:ext>
+                  </a:extLst>
+                </p14:cNvPr>
+                <p14:cNvContentPartPr/>
+                <p14:nvPr/>
+              </p14:nvContentPartPr>
+              <p14:xfrm>
+                <a:off x="3013129" y="4067539"/>
+                <a:ext cx="102600" cy="172080"/>
+              </p14:xfrm>
+            </p:contentPart>
+          </mc:Choice>
+          <mc:Fallback>
+            <p:pic>
+              <p:nvPicPr>
+                <p:cNvPr id="30" name="Ink 29">
+                  <a:extLst>
+                    <a:ext uri="{FF2B5EF4-FFF2-40B4-BE49-F238E27FC236}">
+                      <a16:creationId xmlns:a16="http://schemas.microsoft.com/office/drawing/2014/main" id="{895205F4-6EB2-4BCA-BC6E-47EF4D1DE724}"/>
+                    </a:ext>
+                  </a:extLst>
+                </p:cNvPr>
+                <p:cNvPicPr/>
+                <p:nvPr/>
+              </p:nvPicPr>
+              <p:blipFill>
+                <a:blip r:embed="rId51"/>
+                <a:stretch>
+                  <a:fillRect/>
+                </a:stretch>
+              </p:blipFill>
+              <p:spPr>
+                <a:xfrm>
+                  <a:off x="3004489" y="4058899"/>
+                  <a:ext cx="120240" cy="189720"/>
+                </a:xfrm>
+                <a:prstGeom prst="rect">
+                  <a:avLst/>
+                </a:prstGeom>
+              </p:spPr>
+            </p:pic>
+          </mc:Fallback>
+        </mc:AlternateContent>
+        <mc:AlternateContent xmlns:mc="http://schemas.openxmlformats.org/markup-compatibility/2006">
+          <mc:Choice xmlns:p14="http://schemas.microsoft.com/office/powerpoint/2010/main" Requires="p14">
+            <p:contentPart p14:bwMode="auto" r:id="rId52">
+              <p14:nvContentPartPr>
+                <p14:cNvPr id="31" name="Ink 30">
+                  <a:extLst>
+                    <a:ext uri="{FF2B5EF4-FFF2-40B4-BE49-F238E27FC236}">
+                      <a16:creationId xmlns:a16="http://schemas.microsoft.com/office/drawing/2014/main" id="{071F4C0A-6EA6-4163-95A7-43BAB1F47E81}"/>
+                    </a:ext>
+                  </a:extLst>
+                </p14:cNvPr>
+                <p14:cNvContentPartPr/>
+                <p14:nvPr/>
+              </p14:nvContentPartPr>
+              <p14:xfrm>
+                <a:off x="3139849" y="4167259"/>
+                <a:ext cx="104760" cy="53640"/>
+              </p14:xfrm>
+            </p:contentPart>
+          </mc:Choice>
+          <mc:Fallback>
+            <p:pic>
+              <p:nvPicPr>
+                <p:cNvPr id="31" name="Ink 30">
+                  <a:extLst>
+                    <a:ext uri="{FF2B5EF4-FFF2-40B4-BE49-F238E27FC236}">
+                      <a16:creationId xmlns:a16="http://schemas.microsoft.com/office/drawing/2014/main" id="{071F4C0A-6EA6-4163-95A7-43BAB1F47E81}"/>
+                    </a:ext>
+                  </a:extLst>
+                </p:cNvPr>
+                <p:cNvPicPr/>
+                <p:nvPr/>
+              </p:nvPicPr>
+              <p:blipFill>
+                <a:blip r:embed="rId53"/>
+                <a:stretch>
+                  <a:fillRect/>
+                </a:stretch>
+              </p:blipFill>
+              <p:spPr>
+                <a:xfrm>
+                  <a:off x="3131209" y="4158619"/>
+                  <a:ext cx="122400" cy="71280"/>
+                </a:xfrm>
+                <a:prstGeom prst="rect">
+                  <a:avLst/>
+                </a:prstGeom>
+              </p:spPr>
+            </p:pic>
+          </mc:Fallback>
+        </mc:AlternateContent>
+        <mc:AlternateContent xmlns:mc="http://schemas.openxmlformats.org/markup-compatibility/2006">
+          <mc:Choice xmlns:p14="http://schemas.microsoft.com/office/powerpoint/2010/main" Requires="p14">
+            <p:contentPart p14:bwMode="auto" r:id="rId54">
+              <p14:nvContentPartPr>
+                <p14:cNvPr id="32" name="Ink 31">
+                  <a:extLst>
+                    <a:ext uri="{FF2B5EF4-FFF2-40B4-BE49-F238E27FC236}">
+                      <a16:creationId xmlns:a16="http://schemas.microsoft.com/office/drawing/2014/main" id="{F96282AF-B8CC-40BD-8165-F89CD10DD4C9}"/>
+                    </a:ext>
+                  </a:extLst>
+                </p14:cNvPr>
+                <p14:cNvContentPartPr/>
+                <p14:nvPr/>
+              </p14:nvContentPartPr>
+              <p14:xfrm>
+                <a:off x="3254329" y="4189219"/>
+                <a:ext cx="71640" cy="51840"/>
+              </p14:xfrm>
+            </p:contentPart>
+          </mc:Choice>
+          <mc:Fallback>
+            <p:pic>
+              <p:nvPicPr>
+                <p:cNvPr id="32" name="Ink 31">
+                  <a:extLst>
+                    <a:ext uri="{FF2B5EF4-FFF2-40B4-BE49-F238E27FC236}">
+                      <a16:creationId xmlns:a16="http://schemas.microsoft.com/office/drawing/2014/main" id="{F96282AF-B8CC-40BD-8165-F89CD10DD4C9}"/>
+                    </a:ext>
+                  </a:extLst>
+                </p:cNvPr>
+                <p:cNvPicPr/>
+                <p:nvPr/>
+              </p:nvPicPr>
+              <p:blipFill>
+                <a:blip r:embed="rId55"/>
+                <a:stretch>
+                  <a:fillRect/>
+                </a:stretch>
+              </p:blipFill>
+              <p:spPr>
+                <a:xfrm>
+                  <a:off x="3245689" y="4180219"/>
+                  <a:ext cx="89280" cy="69480"/>
+                </a:xfrm>
+                <a:prstGeom prst="rect">
+                  <a:avLst/>
+                </a:prstGeom>
+              </p:spPr>
+            </p:pic>
+          </mc:Fallback>
+        </mc:AlternateContent>
+        <mc:AlternateContent xmlns:mc="http://schemas.openxmlformats.org/markup-compatibility/2006">
+          <mc:Choice xmlns:p14="http://schemas.microsoft.com/office/powerpoint/2010/main" Requires="p14">
+            <p:contentPart p14:bwMode="auto" r:id="rId56">
+              <p14:nvContentPartPr>
+                <p14:cNvPr id="33" name="Ink 32">
+                  <a:extLst>
+                    <a:ext uri="{FF2B5EF4-FFF2-40B4-BE49-F238E27FC236}">
+                      <a16:creationId xmlns:a16="http://schemas.microsoft.com/office/drawing/2014/main" id="{7302042D-2598-43E5-819B-47278F7E1298}"/>
+                    </a:ext>
+                  </a:extLst>
+                </p14:cNvPr>
+                <p14:cNvContentPartPr/>
+                <p14:nvPr/>
+              </p14:nvContentPartPr>
+              <p14:xfrm>
+                <a:off x="3328129" y="4086259"/>
+                <a:ext cx="87120" cy="143280"/>
+              </p14:xfrm>
+            </p:contentPart>
+          </mc:Choice>
+          <mc:Fallback>
+            <p:pic>
+              <p:nvPicPr>
+                <p:cNvPr id="33" name="Ink 32">
+                  <a:extLst>
+                    <a:ext uri="{FF2B5EF4-FFF2-40B4-BE49-F238E27FC236}">
+                      <a16:creationId xmlns:a16="http://schemas.microsoft.com/office/drawing/2014/main" id="{7302042D-2598-43E5-819B-47278F7E1298}"/>
+                    </a:ext>
+                  </a:extLst>
+                </p:cNvPr>
+                <p:cNvPicPr/>
+                <p:nvPr/>
+              </p:nvPicPr>
+              <p:blipFill>
+                <a:blip r:embed="rId57"/>
+                <a:stretch>
+                  <a:fillRect/>
+                </a:stretch>
+              </p:blipFill>
+              <p:spPr>
+                <a:xfrm>
+                  <a:off x="3319129" y="4077259"/>
+                  <a:ext cx="104760" cy="160920"/>
+                </a:xfrm>
+                <a:prstGeom prst="rect">
+                  <a:avLst/>
+                </a:prstGeom>
+              </p:spPr>
+            </p:pic>
+          </mc:Fallback>
+        </mc:AlternateContent>
+        <mc:AlternateContent xmlns:mc="http://schemas.openxmlformats.org/markup-compatibility/2006">
+          <mc:Choice xmlns:p14="http://schemas.microsoft.com/office/powerpoint/2010/main" Requires="p14">
+            <p:contentPart p14:bwMode="auto" r:id="rId58">
+              <p14:nvContentPartPr>
+                <p14:cNvPr id="34" name="Ink 33">
+                  <a:extLst>
+                    <a:ext uri="{FF2B5EF4-FFF2-40B4-BE49-F238E27FC236}">
+                      <a16:creationId xmlns:a16="http://schemas.microsoft.com/office/drawing/2014/main" id="{B8515845-D38E-489D-B350-5600912EAB3A}"/>
+                    </a:ext>
+                  </a:extLst>
+                </p14:cNvPr>
+                <p14:cNvContentPartPr/>
+                <p14:nvPr/>
+              </p14:nvContentPartPr>
+              <p14:xfrm>
+                <a:off x="3422449" y="4166539"/>
+                <a:ext cx="139680" cy="105480"/>
+              </p14:xfrm>
+            </p:contentPart>
+          </mc:Choice>
+          <mc:Fallback>
+            <p:pic>
+              <p:nvPicPr>
+                <p:cNvPr id="34" name="Ink 33">
+                  <a:extLst>
+                    <a:ext uri="{FF2B5EF4-FFF2-40B4-BE49-F238E27FC236}">
+                      <a16:creationId xmlns:a16="http://schemas.microsoft.com/office/drawing/2014/main" id="{B8515845-D38E-489D-B350-5600912EAB3A}"/>
+                    </a:ext>
+                  </a:extLst>
+                </p:cNvPr>
+                <p:cNvPicPr/>
+                <p:nvPr/>
+              </p:nvPicPr>
+              <p:blipFill>
+                <a:blip r:embed="rId59"/>
+                <a:stretch>
+                  <a:fillRect/>
+                </a:stretch>
+              </p:blipFill>
+              <p:spPr>
+                <a:xfrm>
+                  <a:off x="3413449" y="4157899"/>
+                  <a:ext cx="157320" cy="123120"/>
+                </a:xfrm>
+                <a:prstGeom prst="rect">
+                  <a:avLst/>
+                </a:prstGeom>
+              </p:spPr>
+            </p:pic>
+          </mc:Fallback>
+        </mc:AlternateContent>
+        <mc:AlternateContent xmlns:mc="http://schemas.openxmlformats.org/markup-compatibility/2006">
+          <mc:Choice xmlns:p14="http://schemas.microsoft.com/office/powerpoint/2010/main" Requires="p14">
+            <p:contentPart p14:bwMode="auto" r:id="rId60">
+              <p14:nvContentPartPr>
+                <p14:cNvPr id="36" name="Ink 35">
+                  <a:extLst>
+                    <a:ext uri="{FF2B5EF4-FFF2-40B4-BE49-F238E27FC236}">
+                      <a16:creationId xmlns:a16="http://schemas.microsoft.com/office/drawing/2014/main" id="{AECE9308-E7C0-4113-8BF3-4B35AF7670DC}"/>
+                    </a:ext>
+                  </a:extLst>
+                </p14:cNvPr>
+                <p14:cNvContentPartPr/>
+                <p14:nvPr/>
+              </p14:nvContentPartPr>
+              <p14:xfrm>
+                <a:off x="2510209" y="4215139"/>
+                <a:ext cx="72360" cy="32040"/>
+              </p14:xfrm>
+            </p:contentPart>
+          </mc:Choice>
+          <mc:Fallback>
+            <p:pic>
+              <p:nvPicPr>
+                <p:cNvPr id="36" name="Ink 35">
+                  <a:extLst>
+                    <a:ext uri="{FF2B5EF4-FFF2-40B4-BE49-F238E27FC236}">
+                      <a16:creationId xmlns:a16="http://schemas.microsoft.com/office/drawing/2014/main" id="{AECE9308-E7C0-4113-8BF3-4B35AF7670DC}"/>
+                    </a:ext>
+                  </a:extLst>
+                </p:cNvPr>
+                <p:cNvPicPr/>
+                <p:nvPr/>
+              </p:nvPicPr>
+              <p:blipFill>
+                <a:blip r:embed="rId61"/>
+                <a:stretch>
+                  <a:fillRect/>
+                </a:stretch>
+              </p:blipFill>
+              <p:spPr>
+                <a:xfrm>
+                  <a:off x="2501569" y="4206499"/>
+                  <a:ext cx="90000" cy="49680"/>
+                </a:xfrm>
+                <a:prstGeom prst="rect">
+                  <a:avLst/>
+                </a:prstGeom>
+              </p:spPr>
+            </p:pic>
+          </mc:Fallback>
+        </mc:AlternateContent>
+        <mc:AlternateContent xmlns:mc="http://schemas.openxmlformats.org/markup-compatibility/2006">
+          <mc:Choice xmlns:p14="http://schemas.microsoft.com/office/powerpoint/2010/main" Requires="p14">
+            <p:contentPart p14:bwMode="auto" r:id="rId62">
+              <p14:nvContentPartPr>
+                <p14:cNvPr id="37" name="Ink 36">
+                  <a:extLst>
+                    <a:ext uri="{FF2B5EF4-FFF2-40B4-BE49-F238E27FC236}">
+                      <a16:creationId xmlns:a16="http://schemas.microsoft.com/office/drawing/2014/main" id="{175E1C81-5BA8-4FE0-9300-3844EBEF4B1A}"/>
+                    </a:ext>
+                  </a:extLst>
+                </p14:cNvPr>
+                <p14:cNvContentPartPr/>
+                <p14:nvPr/>
+              </p14:nvContentPartPr>
+              <p14:xfrm>
+                <a:off x="2593369" y="4175539"/>
+                <a:ext cx="5400" cy="1080"/>
+              </p14:xfrm>
+            </p:contentPart>
+          </mc:Choice>
+          <mc:Fallback>
+            <p:pic>
+              <p:nvPicPr>
+                <p:cNvPr id="37" name="Ink 36">
+                  <a:extLst>
+                    <a:ext uri="{FF2B5EF4-FFF2-40B4-BE49-F238E27FC236}">
+                      <a16:creationId xmlns:a16="http://schemas.microsoft.com/office/drawing/2014/main" id="{175E1C81-5BA8-4FE0-9300-3844EBEF4B1A}"/>
+                    </a:ext>
+                  </a:extLst>
+                </p:cNvPr>
+                <p:cNvPicPr/>
+                <p:nvPr/>
+              </p:nvPicPr>
+              <p:blipFill>
+                <a:blip r:embed="rId63"/>
+                <a:stretch>
+                  <a:fillRect/>
+                </a:stretch>
+              </p:blipFill>
+              <p:spPr>
+                <a:xfrm>
+                  <a:off x="2584729" y="4166899"/>
+                  <a:ext cx="23040" cy="18720"/>
+                </a:xfrm>
+                <a:prstGeom prst="rect">
+                  <a:avLst/>
+                </a:prstGeom>
+              </p:spPr>
+            </p:pic>
+          </mc:Fallback>
+        </mc:AlternateContent>
+        <mc:AlternateContent xmlns:mc="http://schemas.openxmlformats.org/markup-compatibility/2006">
+          <mc:Choice xmlns:p14="http://schemas.microsoft.com/office/powerpoint/2010/main" Requires="p14">
+            <p:contentPart p14:bwMode="auto" r:id="rId64">
+              <p14:nvContentPartPr>
+                <p14:cNvPr id="38" name="Ink 37">
+                  <a:extLst>
+                    <a:ext uri="{FF2B5EF4-FFF2-40B4-BE49-F238E27FC236}">
+                      <a16:creationId xmlns:a16="http://schemas.microsoft.com/office/drawing/2014/main" id="{5CD3C1B9-9B51-4948-9AA2-5CCCD2B4C58B}"/>
+                    </a:ext>
+                  </a:extLst>
+                </p14:cNvPr>
+                <p14:cNvContentPartPr/>
+                <p14:nvPr/>
+              </p14:nvContentPartPr>
+              <p14:xfrm>
+                <a:off x="2254969" y="4331419"/>
+                <a:ext cx="1373040" cy="60120"/>
+              </p14:xfrm>
+            </p:contentPart>
+          </mc:Choice>
+          <mc:Fallback>
+            <p:pic>
+              <p:nvPicPr>
+                <p:cNvPr id="38" name="Ink 37">
+                  <a:extLst>
+                    <a:ext uri="{FF2B5EF4-FFF2-40B4-BE49-F238E27FC236}">
+                      <a16:creationId xmlns:a16="http://schemas.microsoft.com/office/drawing/2014/main" id="{5CD3C1B9-9B51-4948-9AA2-5CCCD2B4C58B}"/>
+                    </a:ext>
+                  </a:extLst>
+                </p:cNvPr>
+                <p:cNvPicPr/>
+                <p:nvPr/>
+              </p:nvPicPr>
+              <p:blipFill>
+                <a:blip r:embed="rId65"/>
+                <a:stretch>
+                  <a:fillRect/>
+                </a:stretch>
+              </p:blipFill>
+              <p:spPr>
+                <a:xfrm>
+                  <a:off x="2245969" y="4322779"/>
+                  <a:ext cx="1390680" cy="77760"/>
+                </a:xfrm>
+                <a:prstGeom prst="rect">
+                  <a:avLst/>
+                </a:prstGeom>
+              </p:spPr>
+            </p:pic>
+          </mc:Fallback>
+        </mc:AlternateContent>
+      </p:grpSp>
     </p:spTree>
     <p:extLst>
       <p:ext uri="{BB962C8B-B14F-4D97-AF65-F5344CB8AC3E}">
